--- a/数据分析-7-预测.pptx
+++ b/数据分析-7-预测.pptx
@@ -10,19 +10,21 @@
     <p:sldId id="270" r:id="rId4"/>
     <p:sldId id="268" r:id="rId5"/>
     <p:sldId id="271" r:id="rId6"/>
-    <p:sldId id="261" r:id="rId7"/>
-    <p:sldId id="262" r:id="rId8"/>
-    <p:sldId id="263" r:id="rId9"/>
-    <p:sldId id="275" r:id="rId10"/>
-    <p:sldId id="272" r:id="rId11"/>
-    <p:sldId id="276" r:id="rId12"/>
-    <p:sldId id="277" r:id="rId13"/>
-    <p:sldId id="278" r:id="rId14"/>
-    <p:sldId id="279" r:id="rId15"/>
-    <p:sldId id="280" r:id="rId16"/>
-    <p:sldId id="273" r:id="rId17"/>
-    <p:sldId id="274" r:id="rId18"/>
-    <p:sldId id="281" r:id="rId19"/>
+    <p:sldId id="262" r:id="rId7"/>
+    <p:sldId id="261" r:id="rId8"/>
+    <p:sldId id="282" r:id="rId9"/>
+    <p:sldId id="263" r:id="rId10"/>
+    <p:sldId id="275" r:id="rId11"/>
+    <p:sldId id="272" r:id="rId12"/>
+    <p:sldId id="283" r:id="rId13"/>
+    <p:sldId id="276" r:id="rId14"/>
+    <p:sldId id="277" r:id="rId15"/>
+    <p:sldId id="278" r:id="rId16"/>
+    <p:sldId id="279" r:id="rId17"/>
+    <p:sldId id="280" r:id="rId18"/>
+    <p:sldId id="273" r:id="rId19"/>
+    <p:sldId id="274" r:id="rId20"/>
+    <p:sldId id="281" r:id="rId21"/>
   </p:sldIdLst>
   <p:sldSz cx="12192000" cy="6858000"/>
   <p:notesSz cx="6858000" cy="9144000"/>
@@ -367,7 +369,7 @@
           <a:p>
             <a:fld id="{21149EF3-B5D6-4312-9940-7ECDC3700A55}" type="datetimeFigureOut">
               <a:rPr lang="zh-CN" altLang="en-US" smtClean="0"/>
-              <a:t>2017/11/26</a:t>
+              <a:t>2017/11/28</a:t>
             </a:fld>
             <a:endParaRPr lang="zh-CN" altLang="en-US"/>
           </a:p>
@@ -575,7 +577,7 @@
           <a:p>
             <a:fld id="{21149EF3-B5D6-4312-9940-7ECDC3700A55}" type="datetimeFigureOut">
               <a:rPr lang="zh-CN" altLang="en-US" smtClean="0"/>
-              <a:t>2017/11/26</a:t>
+              <a:t>2017/11/28</a:t>
             </a:fld>
             <a:endParaRPr lang="zh-CN" altLang="en-US"/>
           </a:p>
@@ -831,7 +833,7 @@
           <a:p>
             <a:fld id="{21149EF3-B5D6-4312-9940-7ECDC3700A55}" type="datetimeFigureOut">
               <a:rPr lang="zh-CN" altLang="en-US" smtClean="0"/>
-              <a:t>2017/11/26</a:t>
+              <a:t>2017/11/28</a:t>
             </a:fld>
             <a:endParaRPr lang="zh-CN" altLang="en-US"/>
           </a:p>
@@ -1030,7 +1032,7 @@
           <a:p>
             <a:fld id="{21149EF3-B5D6-4312-9940-7ECDC3700A55}" type="datetimeFigureOut">
               <a:rPr lang="zh-CN" altLang="en-US" smtClean="0"/>
-              <a:t>2017/11/26</a:t>
+              <a:t>2017/11/28</a:t>
             </a:fld>
             <a:endParaRPr lang="zh-CN" altLang="en-US"/>
           </a:p>
@@ -1372,7 +1374,7 @@
           <a:p>
             <a:fld id="{21149EF3-B5D6-4312-9940-7ECDC3700A55}" type="datetimeFigureOut">
               <a:rPr lang="zh-CN" altLang="en-US" smtClean="0"/>
-              <a:t>2017/11/26</a:t>
+              <a:t>2017/11/28</a:t>
             </a:fld>
             <a:endParaRPr lang="zh-CN" altLang="en-US"/>
           </a:p>
@@ -1647,7 +1649,7 @@
           <a:p>
             <a:fld id="{21149EF3-B5D6-4312-9940-7ECDC3700A55}" type="datetimeFigureOut">
               <a:rPr lang="zh-CN" altLang="en-US" smtClean="0"/>
-              <a:t>2017/11/26</a:t>
+              <a:t>2017/11/28</a:t>
             </a:fld>
             <a:endParaRPr lang="zh-CN" altLang="en-US"/>
           </a:p>
@@ -2026,7 +2028,7 @@
           <a:p>
             <a:fld id="{21149EF3-B5D6-4312-9940-7ECDC3700A55}" type="datetimeFigureOut">
               <a:rPr lang="zh-CN" altLang="en-US" smtClean="0"/>
-              <a:t>2017/11/26</a:t>
+              <a:t>2017/11/28</a:t>
             </a:fld>
             <a:endParaRPr lang="zh-CN" altLang="en-US"/>
           </a:p>
@@ -2144,7 +2146,7 @@
           <a:p>
             <a:fld id="{21149EF3-B5D6-4312-9940-7ECDC3700A55}" type="datetimeFigureOut">
               <a:rPr lang="zh-CN" altLang="en-US" smtClean="0"/>
-              <a:t>2017/11/26</a:t>
+              <a:t>2017/11/28</a:t>
             </a:fld>
             <a:endParaRPr lang="zh-CN" altLang="en-US"/>
           </a:p>
@@ -2315,7 +2317,7 @@
           <a:p>
             <a:fld id="{21149EF3-B5D6-4312-9940-7ECDC3700A55}" type="datetimeFigureOut">
               <a:rPr lang="zh-CN" altLang="en-US" smtClean="0"/>
-              <a:t>2017/11/26</a:t>
+              <a:t>2017/11/28</a:t>
             </a:fld>
             <a:endParaRPr lang="zh-CN" altLang="en-US"/>
           </a:p>
@@ -2669,7 +2671,7 @@
           <a:p>
             <a:fld id="{21149EF3-B5D6-4312-9940-7ECDC3700A55}" type="datetimeFigureOut">
               <a:rPr lang="zh-CN" altLang="en-US" smtClean="0"/>
-              <a:t>2017/11/26</a:t>
+              <a:t>2017/11/28</a:t>
             </a:fld>
             <a:endParaRPr lang="zh-CN" altLang="en-US"/>
           </a:p>
@@ -3051,7 +3053,7 @@
           <a:p>
             <a:fld id="{21149EF3-B5D6-4312-9940-7ECDC3700A55}" type="datetimeFigureOut">
               <a:rPr lang="zh-CN" altLang="en-US" smtClean="0"/>
-              <a:t>2017/11/26</a:t>
+              <a:t>2017/11/28</a:t>
             </a:fld>
             <a:endParaRPr lang="zh-CN" altLang="en-US"/>
           </a:p>
@@ -3338,7 +3340,7 @@
           <a:p>
             <a:fld id="{21149EF3-B5D6-4312-9940-7ECDC3700A55}" type="datetimeFigureOut">
               <a:rPr lang="zh-CN" altLang="en-US" smtClean="0"/>
-              <a:t>2017/11/26</a:t>
+              <a:t>2017/11/28</a:t>
             </a:fld>
             <a:endParaRPr lang="zh-CN" altLang="en-US"/>
           </a:p>
@@ -3882,19 +3884,19 @@
               <a:t>数据分析与处理技术</a:t>
             </a:r>
             <a:r>
-              <a:rPr lang="en-US" altLang="zh-CN" smtClean="0"/>
+              <a:rPr lang="en-US" altLang="zh-CN" dirty="0" smtClean="0"/>
               <a:t/>
             </a:r>
             <a:br>
-              <a:rPr lang="en-US" altLang="zh-CN" smtClean="0"/>
+              <a:rPr lang="en-US" altLang="zh-CN" dirty="0" smtClean="0"/>
             </a:br>
             <a:r>
-              <a:rPr lang="en-US" altLang="zh-CN" smtClean="0"/>
-              <a:t>——</a:t>
-            </a:r>
-            <a:r>
-              <a:rPr lang="zh-CN" altLang="en-US" smtClean="0"/>
-              <a:t>回归分析</a:t>
+              <a:rPr lang="en-US" altLang="zh-CN" dirty="0" smtClean="0"/>
+              <a:t>	——</a:t>
+            </a:r>
+            <a:r>
+              <a:rPr lang="zh-CN" altLang="en-US" dirty="0" smtClean="0"/>
+              <a:t>预测</a:t>
             </a:r>
             <a:r>
               <a:rPr lang="en-US" altLang="zh-CN" dirty="0" smtClean="0"/>
@@ -3982,6 +3984,216 @@
       </p:grpSpPr>
       <p:sp>
         <p:nvSpPr>
+          <p:cNvPr id="5" name="标题 4"/>
+          <p:cNvSpPr>
+            <a:spLocks noGrp="1"/>
+          </p:cNvSpPr>
+          <p:nvPr>
+            <p:ph type="title"/>
+          </p:nvPr>
+        </p:nvSpPr>
+        <p:spPr/>
+        <p:txBody>
+          <a:bodyPr/>
+          <a:lstStyle/>
+          <a:p>
+            <a:r>
+              <a:rPr lang="zh-CN" altLang="en-US" dirty="0" smtClean="0"/>
+              <a:t>模型检验</a:t>
+            </a:r>
+            <a:endParaRPr lang="zh-CN" altLang="en-US" dirty="0"/>
+          </a:p>
+        </p:txBody>
+      </p:sp>
+      <p:sp>
+        <p:nvSpPr>
+          <p:cNvPr id="6" name="内容占位符 5"/>
+          <p:cNvSpPr>
+            <a:spLocks noGrp="1"/>
+          </p:cNvSpPr>
+          <p:nvPr>
+            <p:ph idx="1"/>
+          </p:nvPr>
+        </p:nvSpPr>
+        <p:spPr/>
+        <p:txBody>
+          <a:bodyPr/>
+          <a:lstStyle/>
+          <a:p>
+            <a:r>
+              <a:rPr lang="zh-CN" altLang="en-US" dirty="0" smtClean="0"/>
+              <a:t>平均绝对误差</a:t>
+            </a:r>
+            <a:endParaRPr lang="en-US" altLang="zh-CN" dirty="0" smtClean="0"/>
+          </a:p>
+          <a:p>
+            <a:endParaRPr lang="en-US" altLang="zh-CN" dirty="0" smtClean="0"/>
+          </a:p>
+          <a:p>
+            <a:endParaRPr lang="en-US" altLang="zh-CN" dirty="0"/>
+          </a:p>
+          <a:p>
+            <a:r>
+              <a:rPr lang="zh-CN" altLang="en-US" dirty="0" smtClean="0"/>
+              <a:t>平均相对误差</a:t>
+            </a:r>
+            <a:endParaRPr lang="zh-CN" altLang="en-US" dirty="0"/>
+          </a:p>
+        </p:txBody>
+      </p:sp>
+      <p:graphicFrame>
+        <p:nvGraphicFramePr>
+          <p:cNvPr id="9" name="对象 8"/>
+          <p:cNvGraphicFramePr>
+            <a:graphicFrameLocks noChangeAspect="1"/>
+          </p:cNvGraphicFramePr>
+          <p:nvPr>
+            <p:extLst>
+              <p:ext uri="{D42A27DB-BD31-4B8C-83A1-F6EECF244321}">
+                <p14:modId xmlns:p14="http://schemas.microsoft.com/office/powerpoint/2010/main" val="3997014611"/>
+              </p:ext>
+            </p:extLst>
+          </p:nvPr>
+        </p:nvGraphicFramePr>
+        <p:xfrm>
+          <a:off x="2836870" y="2269480"/>
+          <a:ext cx="3289610" cy="760862"/>
+        </p:xfrm>
+        <a:graphic>
+          <a:graphicData uri="http://schemas.openxmlformats.org/presentationml/2006/ole">
+            <mc:AlternateContent xmlns:mc="http://schemas.openxmlformats.org/markup-compatibility/2006">
+              <mc:Choice xmlns:v="urn:schemas-microsoft-com:vml" Requires="v">
+                <p:oleObj spid="_x0000_s11272" name="Equation" r:id="rId3" imgW="1866600" imgH="431640" progId="Equation.DSMT4">
+                  <p:embed/>
+                </p:oleObj>
+              </mc:Choice>
+              <mc:Fallback>
+                <p:oleObj name="Equation" r:id="rId3" imgW="1866600" imgH="431640" progId="Equation.DSMT4">
+                  <p:embed/>
+                  <p:pic>
+                    <p:nvPicPr>
+                      <p:cNvPr id="8" name="对象 7"/>
+                      <p:cNvPicPr/>
+                      <p:nvPr/>
+                    </p:nvPicPr>
+                    <p:blipFill>
+                      <a:blip r:embed="rId4"/>
+                      <a:stretch>
+                        <a:fillRect/>
+                      </a:stretch>
+                    </p:blipFill>
+                    <p:spPr>
+                      <a:xfrm>
+                        <a:off x="2836870" y="2269480"/>
+                        <a:ext cx="3289610" cy="760862"/>
+                      </a:xfrm>
+                      <a:prstGeom prst="rect">
+                        <a:avLst/>
+                      </a:prstGeom>
+                    </p:spPr>
+                  </p:pic>
+                </p:oleObj>
+              </mc:Fallback>
+            </mc:AlternateContent>
+          </a:graphicData>
+        </a:graphic>
+      </p:graphicFrame>
+      <p:graphicFrame>
+        <p:nvGraphicFramePr>
+          <p:cNvPr id="10" name="对象 9"/>
+          <p:cNvGraphicFramePr>
+            <a:graphicFrameLocks noChangeAspect="1"/>
+          </p:cNvGraphicFramePr>
+          <p:nvPr>
+            <p:extLst>
+              <p:ext uri="{D42A27DB-BD31-4B8C-83A1-F6EECF244321}">
+                <p14:modId xmlns:p14="http://schemas.microsoft.com/office/powerpoint/2010/main" val="3483479098"/>
+              </p:ext>
+            </p:extLst>
+          </p:nvPr>
+        </p:nvGraphicFramePr>
+        <p:xfrm>
+          <a:off x="2794173" y="3727983"/>
+          <a:ext cx="3579812" cy="850900"/>
+        </p:xfrm>
+        <a:graphic>
+          <a:graphicData uri="http://schemas.openxmlformats.org/presentationml/2006/ole">
+            <mc:AlternateContent xmlns:mc="http://schemas.openxmlformats.org/markup-compatibility/2006">
+              <mc:Choice xmlns:v="urn:schemas-microsoft-com:vml" Requires="v">
+                <p:oleObj spid="_x0000_s11273" name="Equation" r:id="rId5" imgW="2031840" imgH="482400" progId="Equation.DSMT4">
+                  <p:embed/>
+                </p:oleObj>
+              </mc:Choice>
+              <mc:Fallback>
+                <p:oleObj name="Equation" r:id="rId5" imgW="2031840" imgH="482400" progId="Equation.DSMT4">
+                  <p:embed/>
+                  <p:pic>
+                    <p:nvPicPr>
+                      <p:cNvPr id="9" name="对象 8"/>
+                      <p:cNvPicPr/>
+                      <p:nvPr/>
+                    </p:nvPicPr>
+                    <p:blipFill>
+                      <a:blip r:embed="rId6"/>
+                      <a:stretch>
+                        <a:fillRect/>
+                      </a:stretch>
+                    </p:blipFill>
+                    <p:spPr>
+                      <a:xfrm>
+                        <a:off x="2794173" y="3727983"/>
+                        <a:ext cx="3579812" cy="850900"/>
+                      </a:xfrm>
+                      <a:prstGeom prst="rect">
+                        <a:avLst/>
+                      </a:prstGeom>
+                    </p:spPr>
+                  </p:pic>
+                </p:oleObj>
+              </mc:Fallback>
+            </mc:AlternateContent>
+          </a:graphicData>
+        </a:graphic>
+      </p:graphicFrame>
+    </p:spTree>
+    <p:extLst>
+      <p:ext uri="{BB962C8B-B14F-4D97-AF65-F5344CB8AC3E}">
+        <p14:creationId xmlns:p14="http://schemas.microsoft.com/office/powerpoint/2010/main" val="4211316793"/>
+      </p:ext>
+    </p:extLst>
+  </p:cSld>
+  <p:clrMapOvr>
+    <a:masterClrMapping/>
+  </p:clrMapOvr>
+  <p:timing>
+    <p:tnLst>
+      <p:par>
+        <p:cTn id="1" dur="indefinite" restart="never" nodeType="tmRoot"/>
+      </p:par>
+    </p:tnLst>
+  </p:timing>
+</p:sld>
+</file>
+
+<file path=ppt/slides/slide11.xml><?xml version="1.0" encoding="utf-8"?>
+<p:sld xmlns:a="http://schemas.openxmlformats.org/drawingml/2006/main" xmlns:r="http://schemas.openxmlformats.org/officeDocument/2006/relationships" xmlns:p="http://schemas.openxmlformats.org/presentationml/2006/main">
+  <p:cSld>
+    <p:spTree>
+      <p:nvGrpSpPr>
+        <p:cNvPr id="1" name=""/>
+        <p:cNvGrpSpPr/>
+        <p:nvPr/>
+      </p:nvGrpSpPr>
+      <p:grpSpPr>
+        <a:xfrm>
+          <a:off x="0" y="0"/>
+          <a:ext cx="0" cy="0"/>
+          <a:chOff x="0" y="0"/>
+          <a:chExt cx="0" cy="0"/>
+        </a:xfrm>
+      </p:grpSpPr>
+      <p:sp>
+        <p:nvSpPr>
           <p:cNvPr id="2" name="标题 1"/>
           <p:cNvSpPr>
             <a:spLocks noGrp="1"/>
@@ -4042,7 +4254,259 @@
 </p:sld>
 </file>
 
-<file path=ppt/slides/slide11.xml><?xml version="1.0" encoding="utf-8"?>
+<file path=ppt/slides/slide12.xml><?xml version="1.0" encoding="utf-8"?>
+<p:sld xmlns:a="http://schemas.openxmlformats.org/drawingml/2006/main" xmlns:r="http://schemas.openxmlformats.org/officeDocument/2006/relationships" xmlns:p="http://schemas.openxmlformats.org/presentationml/2006/main">
+  <p:cSld>
+    <p:spTree>
+      <p:nvGrpSpPr>
+        <p:cNvPr id="1" name=""/>
+        <p:cNvGrpSpPr/>
+        <p:nvPr/>
+      </p:nvGrpSpPr>
+      <p:grpSpPr>
+        <a:xfrm>
+          <a:off x="0" y="0"/>
+          <a:ext cx="0" cy="0"/>
+          <a:chOff x="0" y="0"/>
+          <a:chExt cx="0" cy="0"/>
+        </a:xfrm>
+      </p:grpSpPr>
+      <p:sp>
+        <p:nvSpPr>
+          <p:cNvPr id="2" name="标题 1"/>
+          <p:cNvSpPr>
+            <a:spLocks noGrp="1"/>
+          </p:cNvSpPr>
+          <p:nvPr>
+            <p:ph type="title"/>
+          </p:nvPr>
+        </p:nvSpPr>
+        <p:spPr/>
+        <p:txBody>
+          <a:bodyPr/>
+          <a:lstStyle/>
+          <a:p>
+            <a:endParaRPr lang="zh-CN" altLang="en-US"/>
+          </a:p>
+        </p:txBody>
+      </p:sp>
+      <p:sp>
+        <p:nvSpPr>
+          <p:cNvPr id="3" name="内容占位符 2"/>
+          <p:cNvSpPr>
+            <a:spLocks noGrp="1"/>
+          </p:cNvSpPr>
+          <p:nvPr>
+            <p:ph idx="1"/>
+          </p:nvPr>
+        </p:nvSpPr>
+        <p:spPr/>
+        <p:txBody>
+          <a:bodyPr/>
+          <a:lstStyle/>
+          <a:p>
+            <a:endParaRPr lang="zh-CN" altLang="en-US"/>
+          </a:p>
+        </p:txBody>
+      </p:sp>
+      <p:pic>
+        <p:nvPicPr>
+          <p:cNvPr id="5" name="图片 4"/>
+          <p:cNvPicPr>
+            <a:picLocks noChangeAspect="1"/>
+          </p:cNvPicPr>
+          <p:nvPr/>
+        </p:nvPicPr>
+        <p:blipFill>
+          <a:blip r:embed="rId2"/>
+          <a:stretch>
+            <a:fillRect/>
+          </a:stretch>
+        </p:blipFill>
+        <p:spPr>
+          <a:xfrm>
+            <a:off x="86537" y="0"/>
+            <a:ext cx="12105463" cy="6775074"/>
+          </a:xfrm>
+          <a:prstGeom prst="rect">
+            <a:avLst/>
+          </a:prstGeom>
+        </p:spPr>
+      </p:pic>
+      <p:pic>
+        <p:nvPicPr>
+          <p:cNvPr id="6" name="图片 5"/>
+          <p:cNvPicPr>
+            <a:picLocks noChangeAspect="1"/>
+          </p:cNvPicPr>
+          <p:nvPr/>
+        </p:nvPicPr>
+        <p:blipFill>
+          <a:blip r:embed="rId3"/>
+          <a:stretch>
+            <a:fillRect/>
+          </a:stretch>
+        </p:blipFill>
+        <p:spPr>
+          <a:xfrm>
+            <a:off x="0" y="0"/>
+            <a:ext cx="12192000" cy="6823506"/>
+          </a:xfrm>
+          <a:prstGeom prst="rect">
+            <a:avLst/>
+          </a:prstGeom>
+        </p:spPr>
+      </p:pic>
+    </p:spTree>
+    <p:extLst>
+      <p:ext uri="{BB962C8B-B14F-4D97-AF65-F5344CB8AC3E}">
+        <p14:creationId xmlns:p14="http://schemas.microsoft.com/office/powerpoint/2010/main" val="3328179789"/>
+      </p:ext>
+    </p:extLst>
+  </p:cSld>
+  <p:clrMapOvr>
+    <a:masterClrMapping/>
+  </p:clrMapOvr>
+  <p:timing>
+    <p:tnLst>
+      <p:par>
+        <p:cTn id="1" dur="indefinite" restart="never" nodeType="tmRoot">
+          <p:childTnLst>
+            <p:seq concurrent="1" nextAc="seek">
+              <p:cTn id="2" dur="indefinite" nodeType="mainSeq">
+                <p:childTnLst>
+                  <p:par>
+                    <p:cTn id="3" fill="hold">
+                      <p:stCondLst>
+                        <p:cond delay="indefinite"/>
+                      </p:stCondLst>
+                      <p:childTnLst>
+                        <p:par>
+                          <p:cTn id="4" fill="hold">
+                            <p:stCondLst>
+                              <p:cond delay="0"/>
+                            </p:stCondLst>
+                            <p:childTnLst>
+                              <p:par>
+                                <p:cTn id="5" presetID="10" presetClass="entr" presetSubtype="0" fill="hold" nodeType="clickEffect">
+                                  <p:stCondLst>
+                                    <p:cond delay="0"/>
+                                  </p:stCondLst>
+                                  <p:childTnLst>
+                                    <p:set>
+                                      <p:cBhvr>
+                                        <p:cTn id="6" dur="1" fill="hold">
+                                          <p:stCondLst>
+                                            <p:cond delay="0"/>
+                                          </p:stCondLst>
+                                        </p:cTn>
+                                        <p:tgtEl>
+                                          <p:spTgt spid="5"/>
+                                        </p:tgtEl>
+                                        <p:attrNameLst>
+                                          <p:attrName>style.visibility</p:attrName>
+                                        </p:attrNameLst>
+                                      </p:cBhvr>
+                                      <p:to>
+                                        <p:strVal val="visible"/>
+                                      </p:to>
+                                    </p:set>
+                                    <p:animEffect transition="in" filter="fade">
+                                      <p:cBhvr>
+                                        <p:cTn id="7" dur="500"/>
+                                        <p:tgtEl>
+                                          <p:spTgt spid="5"/>
+                                        </p:tgtEl>
+                                      </p:cBhvr>
+                                    </p:animEffect>
+                                  </p:childTnLst>
+                                </p:cTn>
+                              </p:par>
+                            </p:childTnLst>
+                          </p:cTn>
+                        </p:par>
+                      </p:childTnLst>
+                    </p:cTn>
+                  </p:par>
+                  <p:par>
+                    <p:cTn id="8" fill="hold">
+                      <p:stCondLst>
+                        <p:cond delay="indefinite"/>
+                      </p:stCondLst>
+                      <p:childTnLst>
+                        <p:par>
+                          <p:cTn id="9" fill="hold">
+                            <p:stCondLst>
+                              <p:cond delay="0"/>
+                            </p:stCondLst>
+                            <p:childTnLst>
+                              <p:par>
+                                <p:cTn id="10" presetID="10" presetClass="entr" presetSubtype="0" fill="hold" nodeType="clickEffect">
+                                  <p:stCondLst>
+                                    <p:cond delay="0"/>
+                                  </p:stCondLst>
+                                  <p:childTnLst>
+                                    <p:set>
+                                      <p:cBhvr>
+                                        <p:cTn id="11" dur="1" fill="hold">
+                                          <p:stCondLst>
+                                            <p:cond delay="0"/>
+                                          </p:stCondLst>
+                                        </p:cTn>
+                                        <p:tgtEl>
+                                          <p:spTgt spid="6"/>
+                                        </p:tgtEl>
+                                        <p:attrNameLst>
+                                          <p:attrName>style.visibility</p:attrName>
+                                        </p:attrNameLst>
+                                      </p:cBhvr>
+                                      <p:to>
+                                        <p:strVal val="visible"/>
+                                      </p:to>
+                                    </p:set>
+                                    <p:animEffect transition="in" filter="fade">
+                                      <p:cBhvr>
+                                        <p:cTn id="12" dur="500"/>
+                                        <p:tgtEl>
+                                          <p:spTgt spid="6"/>
+                                        </p:tgtEl>
+                                      </p:cBhvr>
+                                    </p:animEffect>
+                                  </p:childTnLst>
+                                </p:cTn>
+                              </p:par>
+                            </p:childTnLst>
+                          </p:cTn>
+                        </p:par>
+                      </p:childTnLst>
+                    </p:cTn>
+                  </p:par>
+                </p:childTnLst>
+              </p:cTn>
+              <p:prevCondLst>
+                <p:cond evt="onPrev" delay="0">
+                  <p:tgtEl>
+                    <p:sldTgt/>
+                  </p:tgtEl>
+                </p:cond>
+              </p:prevCondLst>
+              <p:nextCondLst>
+                <p:cond evt="onNext" delay="0">
+                  <p:tgtEl>
+                    <p:sldTgt/>
+                  </p:tgtEl>
+                </p:cond>
+              </p:nextCondLst>
+            </p:seq>
+          </p:childTnLst>
+        </p:cTn>
+      </p:par>
+    </p:tnLst>
+  </p:timing>
+</p:sld>
+</file>
+
+<file path=ppt/slides/slide13.xml><?xml version="1.0" encoding="utf-8"?>
 <p:sld xmlns:a="http://schemas.openxmlformats.org/drawingml/2006/main" xmlns:r="http://schemas.openxmlformats.org/officeDocument/2006/relationships" xmlns:p="http://schemas.openxmlformats.org/presentationml/2006/main">
   <p:cSld>
     <p:spTree>
@@ -4189,7 +4653,7 @@
           <a:graphicData uri="http://schemas.openxmlformats.org/presentationml/2006/ole">
             <mc:AlternateContent xmlns:mc="http://schemas.openxmlformats.org/markup-compatibility/2006">
               <mc:Choice xmlns:v="urn:schemas-microsoft-com:vml" Requires="v">
-                <p:oleObj spid="_x0000_s9226" name="Equation" r:id="rId4" imgW="1091880" imgH="228600" progId="Equation.DSMT4">
+                <p:oleObj spid="_x0000_s9242" name="Equation" r:id="rId4" imgW="1091880" imgH="228600" progId="Equation.DSMT4">
                   <p:embed/>
                 </p:oleObj>
               </mc:Choice>
@@ -4280,7 +4744,7 @@
           <a:graphicData uri="http://schemas.openxmlformats.org/presentationml/2006/ole">
             <mc:AlternateContent xmlns:mc="http://schemas.openxmlformats.org/markup-compatibility/2006">
               <mc:Choice xmlns:v="urn:schemas-microsoft-com:vml" Requires="v">
-                <p:oleObj spid="_x0000_s9227" name="Equation" r:id="rId6" imgW="1460160" imgH="241200" progId="Equation.DSMT4">
+                <p:oleObj spid="_x0000_s9243" name="Equation" r:id="rId6" imgW="1460160" imgH="241200" progId="Equation.DSMT4">
                   <p:embed/>
                 </p:oleObj>
               </mc:Choice>
@@ -4468,7 +4932,7 @@
 </p:sld>
 </file>
 
-<file path=ppt/slides/slide12.xml><?xml version="1.0" encoding="utf-8"?>
+<file path=ppt/slides/slide14.xml><?xml version="1.0" encoding="utf-8"?>
 <p:sld xmlns:a="http://schemas.openxmlformats.org/drawingml/2006/main" xmlns:r="http://schemas.openxmlformats.org/officeDocument/2006/relationships" xmlns:p="http://schemas.openxmlformats.org/presentationml/2006/main">
   <p:cSld>
     <p:spTree>
@@ -4525,11 +4989,7 @@
           <a:p>
             <a:r>
               <a:rPr lang="zh-CN" altLang="en-US" dirty="0" smtClean="0"/>
-              <a:t>参数带来的预测效果</a:t>
-            </a:r>
-            <a:r>
-              <a:rPr lang="zh-CN" altLang="en-US" dirty="0" smtClean="0"/>
-              <a:t>下降</a:t>
+              <a:t>参数带来的预测效果下降</a:t>
             </a:r>
             <a:endParaRPr lang="en-US" altLang="zh-CN" dirty="0" smtClean="0"/>
           </a:p>
@@ -4628,7 +5088,7 @@
           <a:graphicData uri="http://schemas.openxmlformats.org/presentationml/2006/ole">
             <mc:AlternateContent xmlns:mc="http://schemas.openxmlformats.org/markup-compatibility/2006">
               <mc:Choice xmlns:v="urn:schemas-microsoft-com:vml" Requires="v">
-                <p:oleObj spid="_x0000_s8200" name="Equation" r:id="rId3" imgW="1511280" imgH="203040" progId="Equation.DSMT4">
+                <p:oleObj spid="_x0000_s8208" name="Equation" r:id="rId3" imgW="1511280" imgH="203040" progId="Equation.DSMT4">
                   <p:embed/>
                 </p:oleObj>
               </mc:Choice>
@@ -4739,7 +5199,7 @@
 </p:sld>
 </file>
 
-<file path=ppt/slides/slide13.xml><?xml version="1.0" encoding="utf-8"?>
+<file path=ppt/slides/slide15.xml><?xml version="1.0" encoding="utf-8"?>
 <p:sld xmlns:a="http://schemas.openxmlformats.org/drawingml/2006/main" xmlns:r="http://schemas.openxmlformats.org/officeDocument/2006/relationships" xmlns:p="http://schemas.openxmlformats.org/presentationml/2006/main">
   <p:cSld>
     <p:spTree>
@@ -4819,7 +5279,7 @@
 </p:sld>
 </file>
 
-<file path=ppt/slides/slide14.xml><?xml version="1.0" encoding="utf-8"?>
+<file path=ppt/slides/slide16.xml><?xml version="1.0" encoding="utf-8"?>
 <p:sld xmlns:a="http://schemas.openxmlformats.org/drawingml/2006/main" xmlns:r="http://schemas.openxmlformats.org/officeDocument/2006/relationships" xmlns:p="http://schemas.openxmlformats.org/presentationml/2006/main">
   <p:cSld>
     <p:spTree>
@@ -4908,7 +5368,7 @@
           <a:graphicData uri="http://schemas.openxmlformats.org/presentationml/2006/ole">
             <mc:AlternateContent xmlns:mc="http://schemas.openxmlformats.org/markup-compatibility/2006">
               <mc:Choice xmlns:v="urn:schemas-microsoft-com:vml" Requires="v">
-                <p:oleObj spid="_x0000_s10243" name="Equation" r:id="rId3" imgW="901440" imgH="203040" progId="Equation.DSMT4">
+                <p:oleObj spid="_x0000_s10251" name="Equation" r:id="rId3" imgW="901440" imgH="203040" progId="Equation.DSMT4">
                   <p:embed/>
                 </p:oleObj>
               </mc:Choice>
@@ -4956,7 +5416,7 @@
 </p:sld>
 </file>
 
-<file path=ppt/slides/slide15.xml><?xml version="1.0" encoding="utf-8"?>
+<file path=ppt/slides/slide17.xml><?xml version="1.0" encoding="utf-8"?>
 <p:sld xmlns:a="http://schemas.openxmlformats.org/drawingml/2006/main" xmlns:r="http://schemas.openxmlformats.org/officeDocument/2006/relationships" xmlns:p="http://schemas.openxmlformats.org/presentationml/2006/main">
   <p:cSld>
     <p:spTree>
@@ -5080,7 +5540,7 @@
           <a:graphicData uri="http://schemas.openxmlformats.org/presentationml/2006/ole">
             <mc:AlternateContent xmlns:mc="http://schemas.openxmlformats.org/markup-compatibility/2006">
               <mc:Choice xmlns:v="urn:schemas-microsoft-com:vml" Requires="v">
-                <p:oleObj spid="_x0000_s7190" name="Equation" r:id="rId3" imgW="1028520" imgH="228600" progId="Equation.DSMT4">
+                <p:oleObj spid="_x0000_s7206" name="Equation" r:id="rId3" imgW="1028520" imgH="228600" progId="Equation.DSMT4">
                   <p:embed/>
                 </p:oleObj>
               </mc:Choice>
@@ -5137,7 +5597,7 @@
           <a:graphicData uri="http://schemas.openxmlformats.org/presentationml/2006/ole">
             <mc:AlternateContent xmlns:mc="http://schemas.openxmlformats.org/markup-compatibility/2006">
               <mc:Choice xmlns:v="urn:schemas-microsoft-com:vml" Requires="v">
-                <p:oleObj spid="_x0000_s7191" name="Equation" r:id="rId5" imgW="2082600" imgH="241200" progId="Equation.DSMT4">
+                <p:oleObj spid="_x0000_s7207" name="Equation" r:id="rId5" imgW="2082600" imgH="241200" progId="Equation.DSMT4">
                   <p:embed/>
                 </p:oleObj>
               </mc:Choice>
@@ -5185,7 +5645,7 @@
 </p:sld>
 </file>
 
-<file path=ppt/slides/slide16.xml><?xml version="1.0" encoding="utf-8"?>
+<file path=ppt/slides/slide18.xml><?xml version="1.0" encoding="utf-8"?>
 <p:sld xmlns:a="http://schemas.openxmlformats.org/drawingml/2006/main" xmlns:r="http://schemas.openxmlformats.org/officeDocument/2006/relationships" xmlns:p="http://schemas.openxmlformats.org/presentationml/2006/main">
   <p:cSld>
     <p:spTree>
@@ -5250,11 +5710,7 @@
             <a:pPr lvl="1"/>
             <a:r>
               <a:rPr lang="zh-CN" altLang="en-US" smtClean="0"/>
-              <a:t>有序</a:t>
-            </a:r>
-            <a:r>
-              <a:rPr lang="zh-CN" altLang="en-US" smtClean="0"/>
-              <a:t>数据，某事物持续发生而产生的连续性数据</a:t>
+              <a:t>有序数据，某事物持续发生而产生的连续性数据</a:t>
             </a:r>
             <a:endParaRPr lang="en-US" altLang="zh-CN" dirty="0" smtClean="0"/>
           </a:p>
@@ -5327,7 +5783,7 @@
 </p:sld>
 </file>
 
-<file path=ppt/slides/slide17.xml><?xml version="1.0" encoding="utf-8"?>
+<file path=ppt/slides/slide19.xml><?xml version="1.0" encoding="utf-8"?>
 <p:sld xmlns:a="http://schemas.openxmlformats.org/drawingml/2006/main" xmlns:r="http://schemas.openxmlformats.org/officeDocument/2006/relationships" xmlns:p="http://schemas.openxmlformats.org/presentationml/2006/main">
   <p:cSld>
     <p:spTree>
@@ -5445,78 +5901,6 @@
 </p:sld>
 </file>
 
-<file path=ppt/slides/slide18.xml><?xml version="1.0" encoding="utf-8"?>
-<p:sld xmlns:a="http://schemas.openxmlformats.org/drawingml/2006/main" xmlns:r="http://schemas.openxmlformats.org/officeDocument/2006/relationships" xmlns:p="http://schemas.openxmlformats.org/presentationml/2006/main">
-  <p:cSld>
-    <p:spTree>
-      <p:nvGrpSpPr>
-        <p:cNvPr id="1" name=""/>
-        <p:cNvGrpSpPr/>
-        <p:nvPr/>
-      </p:nvGrpSpPr>
-      <p:grpSpPr>
-        <a:xfrm>
-          <a:off x="0" y="0"/>
-          <a:ext cx="0" cy="0"/>
-          <a:chOff x="0" y="0"/>
-          <a:chExt cx="0" cy="0"/>
-        </a:xfrm>
-      </p:grpSpPr>
-      <p:sp>
-        <p:nvSpPr>
-          <p:cNvPr id="5" name="标题 4"/>
-          <p:cNvSpPr>
-            <a:spLocks noGrp="1"/>
-          </p:cNvSpPr>
-          <p:nvPr>
-            <p:ph type="title"/>
-          </p:nvPr>
-        </p:nvSpPr>
-        <p:spPr/>
-        <p:txBody>
-          <a:bodyPr/>
-          <a:lstStyle/>
-          <a:p>
-            <a:r>
-              <a:rPr lang="zh-CN" altLang="en-US" dirty="0" smtClean="0"/>
-              <a:t>时间序列模型</a:t>
-            </a:r>
-            <a:endParaRPr lang="zh-CN" altLang="en-US" dirty="0"/>
-          </a:p>
-        </p:txBody>
-      </p:sp>
-      <p:sp>
-        <p:nvSpPr>
-          <p:cNvPr id="6" name="内容占位符 5"/>
-          <p:cNvSpPr>
-            <a:spLocks noGrp="1"/>
-          </p:cNvSpPr>
-          <p:nvPr>
-            <p:ph idx="1"/>
-          </p:nvPr>
-        </p:nvSpPr>
-        <p:spPr/>
-        <p:txBody>
-          <a:bodyPr/>
-          <a:lstStyle/>
-          <a:p>
-            <a:endParaRPr lang="zh-CN" altLang="en-US"/>
-          </a:p>
-        </p:txBody>
-      </p:sp>
-    </p:spTree>
-    <p:extLst>
-      <p:ext uri="{BB962C8B-B14F-4D97-AF65-F5344CB8AC3E}">
-        <p14:creationId xmlns:p14="http://schemas.microsoft.com/office/powerpoint/2010/main" val="3509278154"/>
-      </p:ext>
-    </p:extLst>
-  </p:cSld>
-  <p:clrMapOvr>
-    <a:masterClrMapping/>
-  </p:clrMapOvr>
-</p:sld>
-</file>
-
 <file path=ppt/slides/slide2.xml><?xml version="1.0" encoding="utf-8"?>
 <p:sld xmlns:a="http://schemas.openxmlformats.org/drawingml/2006/main" xmlns:r="http://schemas.openxmlformats.org/officeDocument/2006/relationships" xmlns:p="http://schemas.openxmlformats.org/presentationml/2006/main">
   <p:cSld>
@@ -5748,6 +6132,78 @@
       </p:par>
     </p:tnLst>
   </p:timing>
+</p:sld>
+</file>
+
+<file path=ppt/slides/slide20.xml><?xml version="1.0" encoding="utf-8"?>
+<p:sld xmlns:a="http://schemas.openxmlformats.org/drawingml/2006/main" xmlns:r="http://schemas.openxmlformats.org/officeDocument/2006/relationships" xmlns:p="http://schemas.openxmlformats.org/presentationml/2006/main">
+  <p:cSld>
+    <p:spTree>
+      <p:nvGrpSpPr>
+        <p:cNvPr id="1" name=""/>
+        <p:cNvGrpSpPr/>
+        <p:nvPr/>
+      </p:nvGrpSpPr>
+      <p:grpSpPr>
+        <a:xfrm>
+          <a:off x="0" y="0"/>
+          <a:ext cx="0" cy="0"/>
+          <a:chOff x="0" y="0"/>
+          <a:chExt cx="0" cy="0"/>
+        </a:xfrm>
+      </p:grpSpPr>
+      <p:sp>
+        <p:nvSpPr>
+          <p:cNvPr id="5" name="标题 4"/>
+          <p:cNvSpPr>
+            <a:spLocks noGrp="1"/>
+          </p:cNvSpPr>
+          <p:nvPr>
+            <p:ph type="title"/>
+          </p:nvPr>
+        </p:nvSpPr>
+        <p:spPr/>
+        <p:txBody>
+          <a:bodyPr/>
+          <a:lstStyle/>
+          <a:p>
+            <a:r>
+              <a:rPr lang="zh-CN" altLang="en-US" dirty="0" smtClean="0"/>
+              <a:t>时间序列模型</a:t>
+            </a:r>
+            <a:endParaRPr lang="zh-CN" altLang="en-US" dirty="0"/>
+          </a:p>
+        </p:txBody>
+      </p:sp>
+      <p:sp>
+        <p:nvSpPr>
+          <p:cNvPr id="6" name="内容占位符 5"/>
+          <p:cNvSpPr>
+            <a:spLocks noGrp="1"/>
+          </p:cNvSpPr>
+          <p:nvPr>
+            <p:ph idx="1"/>
+          </p:nvPr>
+        </p:nvSpPr>
+        <p:spPr/>
+        <p:txBody>
+          <a:bodyPr/>
+          <a:lstStyle/>
+          <a:p>
+            <a:endParaRPr lang="zh-CN" altLang="en-US"/>
+          </a:p>
+        </p:txBody>
+      </p:sp>
+    </p:spTree>
+    <p:extLst>
+      <p:ext uri="{BB962C8B-B14F-4D97-AF65-F5344CB8AC3E}">
+        <p14:creationId xmlns:p14="http://schemas.microsoft.com/office/powerpoint/2010/main" val="3509278154"/>
+      </p:ext>
+    </p:extLst>
+  </p:cSld>
+  <p:clrMapOvr>
+    <a:masterClrMapping/>
+  </p:clrMapOvr>
 </p:sld>
 </file>
 
@@ -6027,7 +6483,7 @@
           <a:graphicData uri="http://schemas.openxmlformats.org/presentationml/2006/ole">
             <mc:AlternateContent xmlns:mc="http://schemas.openxmlformats.org/markup-compatibility/2006">
               <mc:Choice xmlns:v="urn:schemas-microsoft-com:vml" Requires="v">
-                <p:oleObj spid="_x0000_s3173" name="Equation" r:id="rId5" imgW="1104840" imgH="228600" progId="Equation.DSMT4">
+                <p:oleObj spid="_x0000_s3197" name="Equation" r:id="rId5" imgW="1104840" imgH="228600" progId="Equation.DSMT4">
                   <p:embed/>
                 </p:oleObj>
               </mc:Choice>
@@ -6084,7 +6540,7 @@
           <a:graphicData uri="http://schemas.openxmlformats.org/presentationml/2006/ole">
             <mc:AlternateContent xmlns:mc="http://schemas.openxmlformats.org/markup-compatibility/2006">
               <mc:Choice xmlns:v="urn:schemas-microsoft-com:vml" Requires="v">
-                <p:oleObj spid="_x0000_s3174" name="Equation" r:id="rId7" imgW="1218960" imgH="228600" progId="Equation.DSMT4">
+                <p:oleObj spid="_x0000_s3198" name="Equation" r:id="rId7" imgW="1218960" imgH="228600" progId="Equation.DSMT4">
                   <p:embed/>
                 </p:oleObj>
               </mc:Choice>
@@ -6145,7 +6601,7 @@
           <a:graphicData uri="http://schemas.openxmlformats.org/presentationml/2006/ole">
             <mc:AlternateContent xmlns:mc="http://schemas.openxmlformats.org/markup-compatibility/2006">
               <mc:Choice xmlns:v="urn:schemas-microsoft-com:vml" Requires="v">
-                <p:oleObj spid="_x0000_s3175" name="Equation" r:id="rId9" imgW="774360" imgH="228600" progId="Equation.DSMT4">
+                <p:oleObj spid="_x0000_s3199" name="Equation" r:id="rId9" imgW="774360" imgH="228600" progId="Equation.DSMT4">
                   <p:embed/>
                 </p:oleObj>
               </mc:Choice>
@@ -7057,7 +7513,7 @@
           <a:graphicData uri="http://schemas.openxmlformats.org/presentationml/2006/ole">
             <mc:AlternateContent xmlns:mc="http://schemas.openxmlformats.org/markup-compatibility/2006">
               <mc:Choice xmlns:v="urn:schemas-microsoft-com:vml" Requires="v">
-                <p:oleObj spid="_x0000_s4132" name="Equation" r:id="rId4" imgW="431640" imgH="164880" progId="Equation.DSMT4">
+                <p:oleObj spid="_x0000_s4140" name="Equation" r:id="rId4" imgW="431640" imgH="164880" progId="Equation.DSMT4">
                   <p:embed/>
                 </p:oleObj>
               </mc:Choice>
@@ -7366,7 +7822,7 @@
           <a:graphicData uri="http://schemas.openxmlformats.org/presentationml/2006/ole">
             <mc:AlternateContent xmlns:mc="http://schemas.openxmlformats.org/markup-compatibility/2006">
               <mc:Choice xmlns:v="urn:schemas-microsoft-com:vml" Requires="v">
-                <p:oleObj spid="_x0000_s5200" name="Equation" r:id="rId5" imgW="622080" imgH="431640" progId="Equation.DSMT4">
+                <p:oleObj spid="_x0000_s5224" name="Equation" r:id="rId5" imgW="622080" imgH="431640" progId="Equation.DSMT4">
                   <p:embed/>
                 </p:oleObj>
               </mc:Choice>
@@ -7427,7 +7883,7 @@
           <a:graphicData uri="http://schemas.openxmlformats.org/presentationml/2006/ole">
             <mc:AlternateContent xmlns:mc="http://schemas.openxmlformats.org/markup-compatibility/2006">
               <mc:Choice xmlns:v="urn:schemas-microsoft-com:vml" Requires="v">
-                <p:oleObj spid="_x0000_s5201" name="Equation" r:id="rId7" imgW="622080" imgH="1117440" progId="Equation.DSMT4">
+                <p:oleObj spid="_x0000_s5225" name="Equation" r:id="rId7" imgW="622080" imgH="1117440" progId="Equation.DSMT4">
                   <p:embed/>
                 </p:oleObj>
               </mc:Choice>
@@ -7488,7 +7944,7 @@
           <a:graphicData uri="http://schemas.openxmlformats.org/presentationml/2006/ole">
             <mc:AlternateContent xmlns:mc="http://schemas.openxmlformats.org/markup-compatibility/2006">
               <mc:Choice xmlns:v="urn:schemas-microsoft-com:vml" Requires="v">
-                <p:oleObj spid="_x0000_s5202" name="Equation" r:id="rId9" imgW="1218960" imgH="228600" progId="Equation.DSMT4">
+                <p:oleObj spid="_x0000_s5226" name="Equation" r:id="rId9" imgW="1218960" imgH="228600" progId="Equation.DSMT4">
                   <p:embed/>
                 </p:oleObj>
               </mc:Choice>
@@ -7949,1250 +8405,6 @@
       </p:grpSpPr>
       <p:sp>
         <p:nvSpPr>
-          <p:cNvPr id="2" name="标题 1"/>
-          <p:cNvSpPr>
-            <a:spLocks noGrp="1"/>
-          </p:cNvSpPr>
-          <p:nvPr>
-            <p:ph type="title"/>
-          </p:nvPr>
-        </p:nvSpPr>
-        <p:spPr/>
-        <p:txBody>
-          <a:bodyPr/>
-          <a:lstStyle/>
-          <a:p>
-            <a:r>
-              <a:rPr lang="zh-CN" altLang="en-US" dirty="0" smtClean="0"/>
-              <a:t>回归模型</a:t>
-            </a:r>
-            <a:endParaRPr lang="zh-CN" altLang="en-US" dirty="0"/>
-          </a:p>
-        </p:txBody>
-      </p:sp>
-      <p:sp>
-        <p:nvSpPr>
-          <p:cNvPr id="8" name="文本占位符 7"/>
-          <p:cNvSpPr>
-            <a:spLocks noGrp="1"/>
-          </p:cNvSpPr>
-          <p:nvPr>
-            <p:ph type="body" idx="1"/>
-          </p:nvPr>
-        </p:nvSpPr>
-        <p:spPr/>
-        <p:txBody>
-          <a:bodyPr/>
-          <a:lstStyle/>
-          <a:p>
-            <a:r>
-              <a:rPr lang="zh-CN" altLang="en-US" dirty="0" smtClean="0"/>
-              <a:t>右侧的实例</a:t>
-            </a:r>
-            <a:endParaRPr lang="zh-CN" altLang="en-US" dirty="0"/>
-          </a:p>
-        </p:txBody>
-      </p:sp>
-      <p:pic>
-        <p:nvPicPr>
-          <p:cNvPr id="5" name="内容占位符 4"/>
-          <p:cNvPicPr>
-            <a:picLocks noGrp="1" noChangeAspect="1"/>
-          </p:cNvPicPr>
-          <p:nvPr>
-            <p:ph sz="half" idx="2"/>
-          </p:nvPr>
-        </p:nvPicPr>
-        <p:blipFill>
-          <a:blip r:embed="rId3">
-            <a:extLst>
-              <a:ext uri="{28A0092B-C50C-407E-A947-70E740481C1C}">
-                <a14:useLocalDpi xmlns:a14="http://schemas.microsoft.com/office/drawing/2010/main" val="0"/>
-              </a:ext>
-            </a:extLst>
-          </a:blip>
-          <a:stretch>
-            <a:fillRect/>
-          </a:stretch>
-        </p:blipFill>
-        <p:spPr>
-          <a:xfrm>
-            <a:off x="418881" y="1846052"/>
-            <a:ext cx="5569505" cy="4114482"/>
-          </a:xfrm>
-        </p:spPr>
-      </p:pic>
-      <p:sp>
-        <p:nvSpPr>
-          <p:cNvPr id="9" name="内容占位符 8"/>
-          <p:cNvSpPr>
-            <a:spLocks noGrp="1"/>
-          </p:cNvSpPr>
-          <p:nvPr>
-            <p:ph sz="quarter" idx="4"/>
-          </p:nvPr>
-        </p:nvSpPr>
-        <p:spPr>
-          <a:xfrm>
-            <a:off x="6203107" y="2106043"/>
-            <a:ext cx="2868465" cy="1645634"/>
-          </a:xfrm>
-        </p:spPr>
-        <p:txBody>
-          <a:bodyPr/>
-          <a:lstStyle/>
-          <a:p>
-            <a:r>
-              <a:rPr lang="zh-CN" altLang="en-US" dirty="0" smtClean="0"/>
-              <a:t>一组调研数据（女性身高与体重）</a:t>
-            </a:r>
-            <a:endParaRPr lang="en-US" altLang="zh-CN" dirty="0" smtClean="0"/>
-          </a:p>
-          <a:p>
-            <a:r>
-              <a:rPr lang="en-US" altLang="zh-CN" dirty="0" smtClean="0"/>
-              <a:t>Y</a:t>
-            </a:r>
-            <a:r>
-              <a:rPr lang="zh-CN" altLang="en-US" dirty="0" smtClean="0"/>
-              <a:t>：体重 输出数据</a:t>
-            </a:r>
-            <a:endParaRPr lang="en-US" altLang="zh-CN" dirty="0" smtClean="0"/>
-          </a:p>
-          <a:p>
-            <a:r>
-              <a:rPr lang="en-US" altLang="zh-CN" dirty="0" smtClean="0"/>
-              <a:t>X</a:t>
-            </a:r>
-            <a:r>
-              <a:rPr lang="zh-CN" altLang="en-US" dirty="0" smtClean="0"/>
-              <a:t>：身高 输入数据</a:t>
-            </a:r>
-            <a:endParaRPr lang="en-US" altLang="zh-CN" dirty="0" smtClean="0"/>
-          </a:p>
-          <a:p>
-            <a:endParaRPr lang="zh-CN" altLang="en-US" dirty="0"/>
-          </a:p>
-        </p:txBody>
-      </p:sp>
-      <p:pic>
-        <p:nvPicPr>
-          <p:cNvPr id="16" name="图片 15"/>
-          <p:cNvPicPr>
-            <a:picLocks noChangeAspect="1"/>
-          </p:cNvPicPr>
-          <p:nvPr/>
-        </p:nvPicPr>
-        <p:blipFill>
-          <a:blip r:embed="rId4">
-            <a:extLst>
-              <a:ext uri="{28A0092B-C50C-407E-A947-70E740481C1C}">
-                <a14:useLocalDpi xmlns:a14="http://schemas.microsoft.com/office/drawing/2010/main" val="0"/>
-              </a:ext>
-            </a:extLst>
-          </a:blip>
-          <a:stretch>
-            <a:fillRect/>
-          </a:stretch>
-        </p:blipFill>
-        <p:spPr>
-          <a:xfrm>
-            <a:off x="465901" y="1786415"/>
-            <a:ext cx="5690186" cy="4233755"/>
-          </a:xfrm>
-          <a:prstGeom prst="rect">
-            <a:avLst/>
-          </a:prstGeom>
-        </p:spPr>
-      </p:pic>
-      <p:graphicFrame>
-        <p:nvGraphicFramePr>
-          <p:cNvPr id="11" name="对象 10"/>
-          <p:cNvGraphicFramePr>
-            <a:graphicFrameLocks noChangeAspect="1"/>
-          </p:cNvGraphicFramePr>
-          <p:nvPr>
-            <p:extLst>
-              <p:ext uri="{D42A27DB-BD31-4B8C-83A1-F6EECF244321}">
-                <p14:modId xmlns:p14="http://schemas.microsoft.com/office/powerpoint/2010/main" val="2404119229"/>
-              </p:ext>
-            </p:extLst>
-          </p:nvPr>
-        </p:nvGraphicFramePr>
-        <p:xfrm>
-          <a:off x="6107113" y="4862513"/>
-          <a:ext cx="1844675" cy="438150"/>
-        </p:xfrm>
-        <a:graphic>
-          <a:graphicData uri="http://schemas.openxmlformats.org/presentationml/2006/ole">
-            <mc:AlternateContent xmlns:mc="http://schemas.openxmlformats.org/markup-compatibility/2006">
-              <mc:Choice xmlns:v="urn:schemas-microsoft-com:vml" Requires="v">
-                <p:oleObj spid="_x0000_s1156" name="Equation" r:id="rId5" imgW="1091880" imgH="228600" progId="Equation.DSMT4">
-                  <p:embed/>
-                </p:oleObj>
-              </mc:Choice>
-              <mc:Fallback>
-                <p:oleObj name="Equation" r:id="rId5" imgW="1091880" imgH="228600" progId="Equation.DSMT4">
-                  <p:embed/>
-                  <p:pic>
-                    <p:nvPicPr>
-                      <p:cNvPr id="0" name=""/>
-                      <p:cNvPicPr>
-                        <a:picLocks noChangeAspect="1" noChangeArrowheads="1"/>
-                      </p:cNvPicPr>
-                      <p:nvPr/>
-                    </p:nvPicPr>
-                    <p:blipFill>
-                      <a:blip r:embed="rId6"/>
-                      <a:srcRect/>
-                      <a:stretch>
-                        <a:fillRect/>
-                      </a:stretch>
-                    </p:blipFill>
-                    <p:spPr bwMode="auto">
-                      <a:xfrm>
-                        <a:off x="6107113" y="4862513"/>
-                        <a:ext cx="1844675" cy="438150"/>
-                      </a:xfrm>
-                      <a:prstGeom prst="rect">
-                        <a:avLst/>
-                      </a:prstGeom>
-                      <a:noFill/>
-                    </p:spPr>
-                  </p:pic>
-                </p:oleObj>
-              </mc:Fallback>
-            </mc:AlternateContent>
-          </a:graphicData>
-        </a:graphic>
-      </p:graphicFrame>
-      <p:graphicFrame>
-        <p:nvGraphicFramePr>
-          <p:cNvPr id="12" name="内容占位符 6"/>
-          <p:cNvGraphicFramePr>
-            <a:graphicFrameLocks/>
-          </p:cNvGraphicFramePr>
-          <p:nvPr>
-            <p:extLst>
-              <p:ext uri="{D42A27DB-BD31-4B8C-83A1-F6EECF244321}">
-                <p14:modId xmlns:p14="http://schemas.microsoft.com/office/powerpoint/2010/main" val="2337274546"/>
-              </p:ext>
-            </p:extLst>
-          </p:nvPr>
-        </p:nvGraphicFramePr>
-        <p:xfrm>
-          <a:off x="10530030" y="226555"/>
-          <a:ext cx="1372348" cy="5868345"/>
-        </p:xfrm>
-        <a:graphic>
-          <a:graphicData uri="http://schemas.openxmlformats.org/drawingml/2006/table">
-            <a:tbl>
-              <a:tblPr firstRow="1" bandRow="1">
-                <a:tableStyleId>{22838BEF-8BB2-4498-84A7-C5851F593DF1}</a:tableStyleId>
-              </a:tblPr>
-              <a:tblGrid>
-                <a:gridCol w="1372348">
-                  <a:extLst>
-                    <a:ext uri="{9D8B030D-6E8A-4147-A177-3AD203B41FA5}">
-                      <a16:colId xmlns:a16="http://schemas.microsoft.com/office/drawing/2014/main" val="20000"/>
-                    </a:ext>
-                  </a:extLst>
-                </a:gridCol>
-              </a:tblGrid>
-              <a:tr h="357784">
-                <a:tc>
-                  <a:txBody>
-                    <a:bodyPr/>
-                    <a:lstStyle/>
-                    <a:p>
-                      <a:r>
-                        <a:rPr lang="en-US" altLang="zh-CN" dirty="0" smtClean="0"/>
-                        <a:t>Height</a:t>
-                      </a:r>
-                      <a:endParaRPr lang="zh-CN" altLang="en-US" dirty="0"/>
-                    </a:p>
-                  </a:txBody>
-                  <a:tcPr/>
-                </a:tc>
-                <a:extLst>
-                  <a:ext uri="{0D108BD9-81ED-4DB2-BD59-A6C34878D82A}">
-                    <a16:rowId xmlns:a16="http://schemas.microsoft.com/office/drawing/2014/main" val="10000"/>
-                  </a:ext>
-                </a:extLst>
-              </a:tr>
-              <a:tr h="366839">
-                <a:tc>
-                  <a:txBody>
-                    <a:bodyPr/>
-                    <a:lstStyle/>
-                    <a:p>
-                      <a:r>
-                        <a:rPr lang="en-US" altLang="zh-CN" dirty="0" smtClean="0"/>
-                        <a:t>58</a:t>
-                      </a:r>
-                      <a:endParaRPr lang="zh-CN" altLang="en-US" dirty="0"/>
-                    </a:p>
-                  </a:txBody>
-                  <a:tcPr/>
-                </a:tc>
-                <a:extLst>
-                  <a:ext uri="{0D108BD9-81ED-4DB2-BD59-A6C34878D82A}">
-                    <a16:rowId xmlns:a16="http://schemas.microsoft.com/office/drawing/2014/main" val="10001"/>
-                  </a:ext>
-                </a:extLst>
-              </a:tr>
-              <a:tr h="366839">
-                <a:tc>
-                  <a:txBody>
-                    <a:bodyPr/>
-                    <a:lstStyle/>
-                    <a:p>
-                      <a:r>
-                        <a:rPr lang="en-US" altLang="zh-CN" dirty="0" smtClean="0"/>
-                        <a:t>59</a:t>
-                      </a:r>
-                      <a:endParaRPr lang="zh-CN" altLang="en-US" dirty="0"/>
-                    </a:p>
-                  </a:txBody>
-                  <a:tcPr/>
-                </a:tc>
-                <a:extLst>
-                  <a:ext uri="{0D108BD9-81ED-4DB2-BD59-A6C34878D82A}">
-                    <a16:rowId xmlns:a16="http://schemas.microsoft.com/office/drawing/2014/main" val="10002"/>
-                  </a:ext>
-                </a:extLst>
-              </a:tr>
-              <a:tr h="366839">
-                <a:tc>
-                  <a:txBody>
-                    <a:bodyPr/>
-                    <a:lstStyle/>
-                    <a:p>
-                      <a:r>
-                        <a:rPr lang="en-US" altLang="zh-CN" dirty="0" smtClean="0"/>
-                        <a:t>60</a:t>
-                      </a:r>
-                      <a:endParaRPr lang="zh-CN" altLang="en-US" dirty="0"/>
-                    </a:p>
-                  </a:txBody>
-                  <a:tcPr/>
-                </a:tc>
-                <a:extLst>
-                  <a:ext uri="{0D108BD9-81ED-4DB2-BD59-A6C34878D82A}">
-                    <a16:rowId xmlns:a16="http://schemas.microsoft.com/office/drawing/2014/main" val="10003"/>
-                  </a:ext>
-                </a:extLst>
-              </a:tr>
-              <a:tr h="366839">
-                <a:tc>
-                  <a:txBody>
-                    <a:bodyPr/>
-                    <a:lstStyle/>
-                    <a:p>
-                      <a:r>
-                        <a:rPr lang="en-US" altLang="zh-CN" dirty="0" smtClean="0"/>
-                        <a:t>61</a:t>
-                      </a:r>
-                      <a:endParaRPr lang="zh-CN" altLang="en-US" dirty="0"/>
-                    </a:p>
-                  </a:txBody>
-                  <a:tcPr/>
-                </a:tc>
-                <a:extLst>
-                  <a:ext uri="{0D108BD9-81ED-4DB2-BD59-A6C34878D82A}">
-                    <a16:rowId xmlns:a16="http://schemas.microsoft.com/office/drawing/2014/main" val="10004"/>
-                  </a:ext>
-                </a:extLst>
-              </a:tr>
-              <a:tr h="366839">
-                <a:tc>
-                  <a:txBody>
-                    <a:bodyPr/>
-                    <a:lstStyle/>
-                    <a:p>
-                      <a:r>
-                        <a:rPr lang="en-US" altLang="zh-CN" dirty="0" smtClean="0"/>
-                        <a:t>62</a:t>
-                      </a:r>
-                      <a:endParaRPr lang="zh-CN" altLang="en-US" dirty="0"/>
-                    </a:p>
-                  </a:txBody>
-                  <a:tcPr/>
-                </a:tc>
-                <a:extLst>
-                  <a:ext uri="{0D108BD9-81ED-4DB2-BD59-A6C34878D82A}">
-                    <a16:rowId xmlns:a16="http://schemas.microsoft.com/office/drawing/2014/main" val="10005"/>
-                  </a:ext>
-                </a:extLst>
-              </a:tr>
-              <a:tr h="366839">
-                <a:tc>
-                  <a:txBody>
-                    <a:bodyPr/>
-                    <a:lstStyle/>
-                    <a:p>
-                      <a:r>
-                        <a:rPr lang="en-US" altLang="zh-CN" dirty="0" smtClean="0"/>
-                        <a:t>63</a:t>
-                      </a:r>
-                      <a:endParaRPr lang="zh-CN" altLang="en-US" dirty="0"/>
-                    </a:p>
-                  </a:txBody>
-                  <a:tcPr/>
-                </a:tc>
-                <a:extLst>
-                  <a:ext uri="{0D108BD9-81ED-4DB2-BD59-A6C34878D82A}">
-                    <a16:rowId xmlns:a16="http://schemas.microsoft.com/office/drawing/2014/main" val="10006"/>
-                  </a:ext>
-                </a:extLst>
-              </a:tr>
-              <a:tr h="366839">
-                <a:tc>
-                  <a:txBody>
-                    <a:bodyPr/>
-                    <a:lstStyle/>
-                    <a:p>
-                      <a:r>
-                        <a:rPr lang="en-US" altLang="zh-CN" dirty="0" smtClean="0"/>
-                        <a:t>64</a:t>
-                      </a:r>
-                      <a:endParaRPr lang="zh-CN" altLang="en-US" dirty="0"/>
-                    </a:p>
-                  </a:txBody>
-                  <a:tcPr/>
-                </a:tc>
-                <a:extLst>
-                  <a:ext uri="{0D108BD9-81ED-4DB2-BD59-A6C34878D82A}">
-                    <a16:rowId xmlns:a16="http://schemas.microsoft.com/office/drawing/2014/main" val="10007"/>
-                  </a:ext>
-                </a:extLst>
-              </a:tr>
-              <a:tr h="366839">
-                <a:tc>
-                  <a:txBody>
-                    <a:bodyPr/>
-                    <a:lstStyle/>
-                    <a:p>
-                      <a:r>
-                        <a:rPr lang="en-US" altLang="zh-CN" dirty="0" smtClean="0"/>
-                        <a:t>65</a:t>
-                      </a:r>
-                      <a:endParaRPr lang="zh-CN" altLang="en-US" dirty="0"/>
-                    </a:p>
-                  </a:txBody>
-                  <a:tcPr/>
-                </a:tc>
-                <a:extLst>
-                  <a:ext uri="{0D108BD9-81ED-4DB2-BD59-A6C34878D82A}">
-                    <a16:rowId xmlns:a16="http://schemas.microsoft.com/office/drawing/2014/main" val="10008"/>
-                  </a:ext>
-                </a:extLst>
-              </a:tr>
-              <a:tr h="366839">
-                <a:tc>
-                  <a:txBody>
-                    <a:bodyPr/>
-                    <a:lstStyle/>
-                    <a:p>
-                      <a:r>
-                        <a:rPr lang="en-US" altLang="zh-CN" dirty="0" smtClean="0"/>
-                        <a:t>66</a:t>
-                      </a:r>
-                      <a:endParaRPr lang="zh-CN" altLang="en-US" dirty="0"/>
-                    </a:p>
-                  </a:txBody>
-                  <a:tcPr/>
-                </a:tc>
-                <a:extLst>
-                  <a:ext uri="{0D108BD9-81ED-4DB2-BD59-A6C34878D82A}">
-                    <a16:rowId xmlns:a16="http://schemas.microsoft.com/office/drawing/2014/main" val="10009"/>
-                  </a:ext>
-                </a:extLst>
-              </a:tr>
-              <a:tr h="366839">
-                <a:tc>
-                  <a:txBody>
-                    <a:bodyPr/>
-                    <a:lstStyle/>
-                    <a:p>
-                      <a:r>
-                        <a:rPr lang="en-US" altLang="zh-CN" dirty="0" smtClean="0"/>
-                        <a:t>67</a:t>
-                      </a:r>
-                      <a:endParaRPr lang="zh-CN" altLang="en-US" dirty="0"/>
-                    </a:p>
-                  </a:txBody>
-                  <a:tcPr/>
-                </a:tc>
-                <a:extLst>
-                  <a:ext uri="{0D108BD9-81ED-4DB2-BD59-A6C34878D82A}">
-                    <a16:rowId xmlns:a16="http://schemas.microsoft.com/office/drawing/2014/main" val="10010"/>
-                  </a:ext>
-                </a:extLst>
-              </a:tr>
-              <a:tr h="366839">
-                <a:tc>
-                  <a:txBody>
-                    <a:bodyPr/>
-                    <a:lstStyle/>
-                    <a:p>
-                      <a:r>
-                        <a:rPr lang="en-US" altLang="zh-CN" dirty="0" smtClean="0"/>
-                        <a:t>68</a:t>
-                      </a:r>
-                      <a:endParaRPr lang="zh-CN" altLang="en-US" dirty="0"/>
-                    </a:p>
-                  </a:txBody>
-                  <a:tcPr/>
-                </a:tc>
-                <a:extLst>
-                  <a:ext uri="{0D108BD9-81ED-4DB2-BD59-A6C34878D82A}">
-                    <a16:rowId xmlns:a16="http://schemas.microsoft.com/office/drawing/2014/main" val="10011"/>
-                  </a:ext>
-                </a:extLst>
-              </a:tr>
-              <a:tr h="366839">
-                <a:tc>
-                  <a:txBody>
-                    <a:bodyPr/>
-                    <a:lstStyle/>
-                    <a:p>
-                      <a:r>
-                        <a:rPr lang="en-US" altLang="zh-CN" dirty="0" smtClean="0"/>
-                        <a:t>69</a:t>
-                      </a:r>
-                      <a:endParaRPr lang="zh-CN" altLang="en-US" dirty="0"/>
-                    </a:p>
-                  </a:txBody>
-                  <a:tcPr/>
-                </a:tc>
-                <a:extLst>
-                  <a:ext uri="{0D108BD9-81ED-4DB2-BD59-A6C34878D82A}">
-                    <a16:rowId xmlns:a16="http://schemas.microsoft.com/office/drawing/2014/main" val="10012"/>
-                  </a:ext>
-                </a:extLst>
-              </a:tr>
-              <a:tr h="366839">
-                <a:tc>
-                  <a:txBody>
-                    <a:bodyPr/>
-                    <a:lstStyle/>
-                    <a:p>
-                      <a:r>
-                        <a:rPr lang="en-US" altLang="zh-CN" dirty="0" smtClean="0"/>
-                        <a:t>70</a:t>
-                      </a:r>
-                      <a:endParaRPr lang="zh-CN" altLang="en-US" dirty="0"/>
-                    </a:p>
-                  </a:txBody>
-                  <a:tcPr/>
-                </a:tc>
-                <a:extLst>
-                  <a:ext uri="{0D108BD9-81ED-4DB2-BD59-A6C34878D82A}">
-                    <a16:rowId xmlns:a16="http://schemas.microsoft.com/office/drawing/2014/main" val="10013"/>
-                  </a:ext>
-                </a:extLst>
-              </a:tr>
-              <a:tr h="366839">
-                <a:tc>
-                  <a:txBody>
-                    <a:bodyPr/>
-                    <a:lstStyle/>
-                    <a:p>
-                      <a:r>
-                        <a:rPr lang="en-US" altLang="zh-CN" dirty="0" smtClean="0"/>
-                        <a:t>71</a:t>
-                      </a:r>
-                      <a:endParaRPr lang="zh-CN" altLang="en-US" dirty="0"/>
-                    </a:p>
-                  </a:txBody>
-                  <a:tcPr/>
-                </a:tc>
-                <a:extLst>
-                  <a:ext uri="{0D108BD9-81ED-4DB2-BD59-A6C34878D82A}">
-                    <a16:rowId xmlns:a16="http://schemas.microsoft.com/office/drawing/2014/main" val="10014"/>
-                  </a:ext>
-                </a:extLst>
-              </a:tr>
-              <a:tr h="366839">
-                <a:tc>
-                  <a:txBody>
-                    <a:bodyPr/>
-                    <a:lstStyle/>
-                    <a:p>
-                      <a:r>
-                        <a:rPr lang="en-US" altLang="zh-CN" dirty="0" smtClean="0"/>
-                        <a:t>72</a:t>
-                      </a:r>
-                      <a:endParaRPr lang="zh-CN" altLang="en-US" dirty="0"/>
-                    </a:p>
-                  </a:txBody>
-                  <a:tcPr/>
-                </a:tc>
-                <a:extLst>
-                  <a:ext uri="{0D108BD9-81ED-4DB2-BD59-A6C34878D82A}">
-                    <a16:rowId xmlns:a16="http://schemas.microsoft.com/office/drawing/2014/main" val="10015"/>
-                  </a:ext>
-                </a:extLst>
-              </a:tr>
-            </a:tbl>
-          </a:graphicData>
-        </a:graphic>
-      </p:graphicFrame>
-      <p:graphicFrame>
-        <p:nvGraphicFramePr>
-          <p:cNvPr id="3" name="对象 2"/>
-          <p:cNvGraphicFramePr>
-            <a:graphicFrameLocks noChangeAspect="1"/>
-          </p:cNvGraphicFramePr>
-          <p:nvPr>
-            <p:extLst>
-              <p:ext uri="{D42A27DB-BD31-4B8C-83A1-F6EECF244321}">
-                <p14:modId xmlns:p14="http://schemas.microsoft.com/office/powerpoint/2010/main" val="2062340521"/>
-              </p:ext>
-            </p:extLst>
-          </p:nvPr>
-        </p:nvGraphicFramePr>
-        <p:xfrm>
-          <a:off x="6107113" y="4143006"/>
-          <a:ext cx="1507941" cy="444966"/>
-        </p:xfrm>
-        <a:graphic>
-          <a:graphicData uri="http://schemas.openxmlformats.org/presentationml/2006/ole">
-            <mc:AlternateContent xmlns:mc="http://schemas.openxmlformats.org/markup-compatibility/2006">
-              <mc:Choice xmlns:v="urn:schemas-microsoft-com:vml" Requires="v">
-                <p:oleObj spid="_x0000_s1157" name="Equation" r:id="rId7" imgW="774360" imgH="228600" progId="Equation.DSMT4">
-                  <p:embed/>
-                </p:oleObj>
-              </mc:Choice>
-              <mc:Fallback>
-                <p:oleObj name="Equation" r:id="rId7" imgW="774360" imgH="228600" progId="Equation.DSMT4">
-                  <p:embed/>
-                  <p:pic>
-                    <p:nvPicPr>
-                      <p:cNvPr id="0" name=""/>
-                      <p:cNvPicPr/>
-                      <p:nvPr/>
-                    </p:nvPicPr>
-                    <p:blipFill>
-                      <a:blip r:embed="rId8"/>
-                      <a:stretch>
-                        <a:fillRect/>
-                      </a:stretch>
-                    </p:blipFill>
-                    <p:spPr>
-                      <a:xfrm>
-                        <a:off x="6107113" y="4143006"/>
-                        <a:ext cx="1507941" cy="444966"/>
-                      </a:xfrm>
-                      <a:prstGeom prst="rect">
-                        <a:avLst/>
-                      </a:prstGeom>
-                    </p:spPr>
-                  </p:pic>
-                </p:oleObj>
-              </mc:Fallback>
-            </mc:AlternateContent>
-          </a:graphicData>
-        </a:graphic>
-      </p:graphicFrame>
-      <p:graphicFrame>
-        <p:nvGraphicFramePr>
-          <p:cNvPr id="6" name="表格 5"/>
-          <p:cNvGraphicFramePr>
-            <a:graphicFrameLocks noGrp="1"/>
-          </p:cNvGraphicFramePr>
-          <p:nvPr>
-            <p:extLst>
-              <p:ext uri="{D42A27DB-BD31-4B8C-83A1-F6EECF244321}">
-                <p14:modId xmlns:p14="http://schemas.microsoft.com/office/powerpoint/2010/main" val="1347915770"/>
-              </p:ext>
-            </p:extLst>
-          </p:nvPr>
-        </p:nvGraphicFramePr>
-        <p:xfrm>
-          <a:off x="9085063" y="226555"/>
-          <a:ext cx="1372348" cy="5868345"/>
-        </p:xfrm>
-        <a:graphic>
-          <a:graphicData uri="http://schemas.openxmlformats.org/drawingml/2006/table">
-            <a:tbl>
-              <a:tblPr firstRow="1" bandRow="1">
-                <a:tableStyleId>{22838BEF-8BB2-4498-84A7-C5851F593DF1}</a:tableStyleId>
-              </a:tblPr>
-              <a:tblGrid>
-                <a:gridCol w="1372348">
-                  <a:extLst>
-                    <a:ext uri="{9D8B030D-6E8A-4147-A177-3AD203B41FA5}">
-                      <a16:colId xmlns:a16="http://schemas.microsoft.com/office/drawing/2014/main" val="3537717664"/>
-                    </a:ext>
-                  </a:extLst>
-                </a:gridCol>
-              </a:tblGrid>
-              <a:tr h="357784">
-                <a:tc>
-                  <a:txBody>
-                    <a:bodyPr/>
-                    <a:lstStyle/>
-                    <a:p>
-                      <a:r>
-                        <a:rPr lang="en-US" altLang="zh-CN" dirty="0" smtClean="0"/>
-                        <a:t>Weight</a:t>
-                      </a:r>
-                      <a:endParaRPr lang="zh-CN" altLang="en-US" dirty="0"/>
-                    </a:p>
-                  </a:txBody>
-                  <a:tcPr/>
-                </a:tc>
-                <a:extLst>
-                  <a:ext uri="{0D108BD9-81ED-4DB2-BD59-A6C34878D82A}">
-                    <a16:rowId xmlns:a16="http://schemas.microsoft.com/office/drawing/2014/main" val="3448382111"/>
-                  </a:ext>
-                </a:extLst>
-              </a:tr>
-              <a:tr h="366839">
-                <a:tc>
-                  <a:txBody>
-                    <a:bodyPr/>
-                    <a:lstStyle/>
-                    <a:p>
-                      <a:r>
-                        <a:rPr lang="en-US" altLang="zh-CN" dirty="0" smtClean="0"/>
-                        <a:t>115</a:t>
-                      </a:r>
-                      <a:endParaRPr lang="zh-CN" altLang="en-US" dirty="0"/>
-                    </a:p>
-                  </a:txBody>
-                  <a:tcPr/>
-                </a:tc>
-                <a:extLst>
-                  <a:ext uri="{0D108BD9-81ED-4DB2-BD59-A6C34878D82A}">
-                    <a16:rowId xmlns:a16="http://schemas.microsoft.com/office/drawing/2014/main" val="2945705875"/>
-                  </a:ext>
-                </a:extLst>
-              </a:tr>
-              <a:tr h="366839">
-                <a:tc>
-                  <a:txBody>
-                    <a:bodyPr/>
-                    <a:lstStyle/>
-                    <a:p>
-                      <a:r>
-                        <a:rPr lang="en-US" altLang="zh-CN" dirty="0" smtClean="0"/>
-                        <a:t>117</a:t>
-                      </a:r>
-                      <a:endParaRPr lang="zh-CN" altLang="en-US" dirty="0"/>
-                    </a:p>
-                  </a:txBody>
-                  <a:tcPr/>
-                </a:tc>
-                <a:extLst>
-                  <a:ext uri="{0D108BD9-81ED-4DB2-BD59-A6C34878D82A}">
-                    <a16:rowId xmlns:a16="http://schemas.microsoft.com/office/drawing/2014/main" val="3140793807"/>
-                  </a:ext>
-                </a:extLst>
-              </a:tr>
-              <a:tr h="366839">
-                <a:tc>
-                  <a:txBody>
-                    <a:bodyPr/>
-                    <a:lstStyle/>
-                    <a:p>
-                      <a:r>
-                        <a:rPr lang="en-US" altLang="zh-CN" dirty="0" smtClean="0"/>
-                        <a:t>120</a:t>
-                      </a:r>
-                      <a:endParaRPr lang="zh-CN" altLang="en-US" dirty="0"/>
-                    </a:p>
-                  </a:txBody>
-                  <a:tcPr/>
-                </a:tc>
-                <a:extLst>
-                  <a:ext uri="{0D108BD9-81ED-4DB2-BD59-A6C34878D82A}">
-                    <a16:rowId xmlns:a16="http://schemas.microsoft.com/office/drawing/2014/main" val="1176960965"/>
-                  </a:ext>
-                </a:extLst>
-              </a:tr>
-              <a:tr h="366839">
-                <a:tc>
-                  <a:txBody>
-                    <a:bodyPr/>
-                    <a:lstStyle/>
-                    <a:p>
-                      <a:r>
-                        <a:rPr lang="en-US" altLang="zh-CN" dirty="0" smtClean="0"/>
-                        <a:t>123</a:t>
-                      </a:r>
-                      <a:endParaRPr lang="zh-CN" altLang="en-US" dirty="0"/>
-                    </a:p>
-                  </a:txBody>
-                  <a:tcPr/>
-                </a:tc>
-                <a:extLst>
-                  <a:ext uri="{0D108BD9-81ED-4DB2-BD59-A6C34878D82A}">
-                    <a16:rowId xmlns:a16="http://schemas.microsoft.com/office/drawing/2014/main" val="663607452"/>
-                  </a:ext>
-                </a:extLst>
-              </a:tr>
-              <a:tr h="366839">
-                <a:tc>
-                  <a:txBody>
-                    <a:bodyPr/>
-                    <a:lstStyle/>
-                    <a:p>
-                      <a:r>
-                        <a:rPr lang="en-US" altLang="zh-CN" dirty="0" smtClean="0"/>
-                        <a:t>126</a:t>
-                      </a:r>
-                      <a:endParaRPr lang="zh-CN" altLang="en-US" dirty="0"/>
-                    </a:p>
-                  </a:txBody>
-                  <a:tcPr/>
-                </a:tc>
-                <a:extLst>
-                  <a:ext uri="{0D108BD9-81ED-4DB2-BD59-A6C34878D82A}">
-                    <a16:rowId xmlns:a16="http://schemas.microsoft.com/office/drawing/2014/main" val="4171460277"/>
-                  </a:ext>
-                </a:extLst>
-              </a:tr>
-              <a:tr h="366839">
-                <a:tc>
-                  <a:txBody>
-                    <a:bodyPr/>
-                    <a:lstStyle/>
-                    <a:p>
-                      <a:r>
-                        <a:rPr lang="en-US" altLang="zh-CN" dirty="0" smtClean="0"/>
-                        <a:t>129</a:t>
-                      </a:r>
-                      <a:endParaRPr lang="zh-CN" altLang="en-US" dirty="0"/>
-                    </a:p>
-                  </a:txBody>
-                  <a:tcPr/>
-                </a:tc>
-                <a:extLst>
-                  <a:ext uri="{0D108BD9-81ED-4DB2-BD59-A6C34878D82A}">
-                    <a16:rowId xmlns:a16="http://schemas.microsoft.com/office/drawing/2014/main" val="2323818673"/>
-                  </a:ext>
-                </a:extLst>
-              </a:tr>
-              <a:tr h="366839">
-                <a:tc>
-                  <a:txBody>
-                    <a:bodyPr/>
-                    <a:lstStyle/>
-                    <a:p>
-                      <a:r>
-                        <a:rPr lang="en-US" altLang="zh-CN" dirty="0" smtClean="0"/>
-                        <a:t>132</a:t>
-                      </a:r>
-                      <a:endParaRPr lang="zh-CN" altLang="en-US" dirty="0"/>
-                    </a:p>
-                  </a:txBody>
-                  <a:tcPr/>
-                </a:tc>
-                <a:extLst>
-                  <a:ext uri="{0D108BD9-81ED-4DB2-BD59-A6C34878D82A}">
-                    <a16:rowId xmlns:a16="http://schemas.microsoft.com/office/drawing/2014/main" val="1167533712"/>
-                  </a:ext>
-                </a:extLst>
-              </a:tr>
-              <a:tr h="366839">
-                <a:tc>
-                  <a:txBody>
-                    <a:bodyPr/>
-                    <a:lstStyle/>
-                    <a:p>
-                      <a:r>
-                        <a:rPr lang="en-US" altLang="zh-CN" dirty="0" smtClean="0"/>
-                        <a:t>135</a:t>
-                      </a:r>
-                      <a:endParaRPr lang="zh-CN" altLang="en-US" dirty="0"/>
-                    </a:p>
-                  </a:txBody>
-                  <a:tcPr/>
-                </a:tc>
-                <a:extLst>
-                  <a:ext uri="{0D108BD9-81ED-4DB2-BD59-A6C34878D82A}">
-                    <a16:rowId xmlns:a16="http://schemas.microsoft.com/office/drawing/2014/main" val="376633296"/>
-                  </a:ext>
-                </a:extLst>
-              </a:tr>
-              <a:tr h="366839">
-                <a:tc>
-                  <a:txBody>
-                    <a:bodyPr/>
-                    <a:lstStyle/>
-                    <a:p>
-                      <a:r>
-                        <a:rPr lang="en-US" altLang="zh-CN" dirty="0" smtClean="0"/>
-                        <a:t>139</a:t>
-                      </a:r>
-                      <a:endParaRPr lang="zh-CN" altLang="en-US" dirty="0"/>
-                    </a:p>
-                  </a:txBody>
-                  <a:tcPr/>
-                </a:tc>
-                <a:extLst>
-                  <a:ext uri="{0D108BD9-81ED-4DB2-BD59-A6C34878D82A}">
-                    <a16:rowId xmlns:a16="http://schemas.microsoft.com/office/drawing/2014/main" val="2846835865"/>
-                  </a:ext>
-                </a:extLst>
-              </a:tr>
-              <a:tr h="366839">
-                <a:tc>
-                  <a:txBody>
-                    <a:bodyPr/>
-                    <a:lstStyle/>
-                    <a:p>
-                      <a:r>
-                        <a:rPr lang="en-US" altLang="zh-CN" dirty="0" smtClean="0"/>
-                        <a:t>142</a:t>
-                      </a:r>
-                      <a:endParaRPr lang="zh-CN" altLang="en-US" dirty="0"/>
-                    </a:p>
-                  </a:txBody>
-                  <a:tcPr/>
-                </a:tc>
-                <a:extLst>
-                  <a:ext uri="{0D108BD9-81ED-4DB2-BD59-A6C34878D82A}">
-                    <a16:rowId xmlns:a16="http://schemas.microsoft.com/office/drawing/2014/main" val="122752985"/>
-                  </a:ext>
-                </a:extLst>
-              </a:tr>
-              <a:tr h="366839">
-                <a:tc>
-                  <a:txBody>
-                    <a:bodyPr/>
-                    <a:lstStyle/>
-                    <a:p>
-                      <a:r>
-                        <a:rPr lang="en-US" altLang="zh-CN" dirty="0" smtClean="0"/>
-                        <a:t>146</a:t>
-                      </a:r>
-                      <a:endParaRPr lang="zh-CN" altLang="en-US" dirty="0"/>
-                    </a:p>
-                  </a:txBody>
-                  <a:tcPr/>
-                </a:tc>
-                <a:extLst>
-                  <a:ext uri="{0D108BD9-81ED-4DB2-BD59-A6C34878D82A}">
-                    <a16:rowId xmlns:a16="http://schemas.microsoft.com/office/drawing/2014/main" val="2815350792"/>
-                  </a:ext>
-                </a:extLst>
-              </a:tr>
-              <a:tr h="366839">
-                <a:tc>
-                  <a:txBody>
-                    <a:bodyPr/>
-                    <a:lstStyle/>
-                    <a:p>
-                      <a:r>
-                        <a:rPr lang="en-US" altLang="zh-CN" dirty="0" smtClean="0"/>
-                        <a:t>150</a:t>
-                      </a:r>
-                      <a:endParaRPr lang="zh-CN" altLang="en-US" dirty="0"/>
-                    </a:p>
-                  </a:txBody>
-                  <a:tcPr/>
-                </a:tc>
-                <a:extLst>
-                  <a:ext uri="{0D108BD9-81ED-4DB2-BD59-A6C34878D82A}">
-                    <a16:rowId xmlns:a16="http://schemas.microsoft.com/office/drawing/2014/main" val="35502093"/>
-                  </a:ext>
-                </a:extLst>
-              </a:tr>
-              <a:tr h="366839">
-                <a:tc>
-                  <a:txBody>
-                    <a:bodyPr/>
-                    <a:lstStyle/>
-                    <a:p>
-                      <a:r>
-                        <a:rPr lang="en-US" altLang="zh-CN" dirty="0" smtClean="0"/>
-                        <a:t>154</a:t>
-                      </a:r>
-                      <a:endParaRPr lang="zh-CN" altLang="en-US" dirty="0"/>
-                    </a:p>
-                  </a:txBody>
-                  <a:tcPr/>
-                </a:tc>
-                <a:extLst>
-                  <a:ext uri="{0D108BD9-81ED-4DB2-BD59-A6C34878D82A}">
-                    <a16:rowId xmlns:a16="http://schemas.microsoft.com/office/drawing/2014/main" val="3547394110"/>
-                  </a:ext>
-                </a:extLst>
-              </a:tr>
-              <a:tr h="366839">
-                <a:tc>
-                  <a:txBody>
-                    <a:bodyPr/>
-                    <a:lstStyle/>
-                    <a:p>
-                      <a:r>
-                        <a:rPr lang="en-US" altLang="zh-CN" dirty="0" smtClean="0"/>
-                        <a:t>159</a:t>
-                      </a:r>
-                      <a:endParaRPr lang="zh-CN" altLang="en-US" dirty="0"/>
-                    </a:p>
-                  </a:txBody>
-                  <a:tcPr/>
-                </a:tc>
-                <a:extLst>
-                  <a:ext uri="{0D108BD9-81ED-4DB2-BD59-A6C34878D82A}">
-                    <a16:rowId xmlns:a16="http://schemas.microsoft.com/office/drawing/2014/main" val="2455459162"/>
-                  </a:ext>
-                </a:extLst>
-              </a:tr>
-              <a:tr h="366839">
-                <a:tc>
-                  <a:txBody>
-                    <a:bodyPr/>
-                    <a:lstStyle/>
-                    <a:p>
-                      <a:r>
-                        <a:rPr lang="en-US" altLang="zh-CN" dirty="0" smtClean="0"/>
-                        <a:t>164</a:t>
-                      </a:r>
-                      <a:endParaRPr lang="zh-CN" altLang="en-US" dirty="0"/>
-                    </a:p>
-                  </a:txBody>
-                  <a:tcPr/>
-                </a:tc>
-                <a:extLst>
-                  <a:ext uri="{0D108BD9-81ED-4DB2-BD59-A6C34878D82A}">
-                    <a16:rowId xmlns:a16="http://schemas.microsoft.com/office/drawing/2014/main" val="247318940"/>
-                  </a:ext>
-                </a:extLst>
-              </a:tr>
-            </a:tbl>
-          </a:graphicData>
-        </a:graphic>
-      </p:graphicFrame>
-    </p:spTree>
-    <p:extLst>
-      <p:ext uri="{BB962C8B-B14F-4D97-AF65-F5344CB8AC3E}">
-        <p14:creationId xmlns:p14="http://schemas.microsoft.com/office/powerpoint/2010/main" val="585881149"/>
-      </p:ext>
-    </p:extLst>
-  </p:cSld>
-  <p:clrMapOvr>
-    <a:masterClrMapping/>
-  </p:clrMapOvr>
-  <p:timing>
-    <p:tnLst>
-      <p:par>
-        <p:cTn id="1" dur="indefinite" restart="never" nodeType="tmRoot">
-          <p:childTnLst>
-            <p:seq concurrent="1" nextAc="seek">
-              <p:cTn id="2" dur="indefinite" nodeType="mainSeq">
-                <p:childTnLst>
-                  <p:par>
-                    <p:cTn id="3" fill="hold">
-                      <p:stCondLst>
-                        <p:cond delay="indefinite"/>
-                        <p:cond evt="onBegin" delay="0">
-                          <p:tn val="2"/>
-                        </p:cond>
-                      </p:stCondLst>
-                      <p:childTnLst>
-                        <p:par>
-                          <p:cTn id="4" fill="hold">
-                            <p:stCondLst>
-                              <p:cond delay="0"/>
-                            </p:stCondLst>
-                            <p:childTnLst>
-                              <p:par>
-                                <p:cTn id="5" presetID="22" presetClass="entr" presetSubtype="1" fill="hold" nodeType="withEffect">
-                                  <p:stCondLst>
-                                    <p:cond delay="0"/>
-                                  </p:stCondLst>
-                                  <p:childTnLst>
-                                    <p:set>
-                                      <p:cBhvr>
-                                        <p:cTn id="6" dur="1" fill="hold">
-                                          <p:stCondLst>
-                                            <p:cond delay="0"/>
-                                          </p:stCondLst>
-                                        </p:cTn>
-                                        <p:tgtEl>
-                                          <p:spTgt spid="12"/>
-                                        </p:tgtEl>
-                                        <p:attrNameLst>
-                                          <p:attrName>style.visibility</p:attrName>
-                                        </p:attrNameLst>
-                                      </p:cBhvr>
-                                      <p:to>
-                                        <p:strVal val="visible"/>
-                                      </p:to>
-                                    </p:set>
-                                    <p:animEffect transition="in" filter="wipe(up)">
-                                      <p:cBhvr>
-                                        <p:cTn id="7" dur="500"/>
-                                        <p:tgtEl>
-                                          <p:spTgt spid="12"/>
-                                        </p:tgtEl>
-                                      </p:cBhvr>
-                                    </p:animEffect>
-                                  </p:childTnLst>
-                                </p:cTn>
-                              </p:par>
-                            </p:childTnLst>
-                          </p:cTn>
-                        </p:par>
-                      </p:childTnLst>
-                    </p:cTn>
-                  </p:par>
-                  <p:par>
-                    <p:cTn id="8" fill="hold">
-                      <p:stCondLst>
-                        <p:cond delay="indefinite"/>
-                      </p:stCondLst>
-                      <p:childTnLst>
-                        <p:par>
-                          <p:cTn id="9" fill="hold">
-                            <p:stCondLst>
-                              <p:cond delay="0"/>
-                            </p:stCondLst>
-                            <p:childTnLst>
-                              <p:par>
-                                <p:cTn id="10" presetID="22" presetClass="entr" presetSubtype="4" fill="hold" nodeType="clickEffect">
-                                  <p:stCondLst>
-                                    <p:cond delay="0"/>
-                                  </p:stCondLst>
-                                  <p:childTnLst>
-                                    <p:set>
-                                      <p:cBhvr>
-                                        <p:cTn id="11" dur="1" fill="hold">
-                                          <p:stCondLst>
-                                            <p:cond delay="0"/>
-                                          </p:stCondLst>
-                                        </p:cTn>
-                                        <p:tgtEl>
-                                          <p:spTgt spid="16"/>
-                                        </p:tgtEl>
-                                        <p:attrNameLst>
-                                          <p:attrName>style.visibility</p:attrName>
-                                        </p:attrNameLst>
-                                      </p:cBhvr>
-                                      <p:to>
-                                        <p:strVal val="visible"/>
-                                      </p:to>
-                                    </p:set>
-                                    <p:animEffect transition="in" filter="wipe(down)">
-                                      <p:cBhvr>
-                                        <p:cTn id="12" dur="500"/>
-                                        <p:tgtEl>
-                                          <p:spTgt spid="16"/>
-                                        </p:tgtEl>
-                                      </p:cBhvr>
-                                    </p:animEffect>
-                                  </p:childTnLst>
-                                </p:cTn>
-                              </p:par>
-                            </p:childTnLst>
-                          </p:cTn>
-                        </p:par>
-                      </p:childTnLst>
-                    </p:cTn>
-                  </p:par>
-                  <p:par>
-                    <p:cTn id="13" fill="hold">
-                      <p:stCondLst>
-                        <p:cond delay="indefinite"/>
-                      </p:stCondLst>
-                      <p:childTnLst>
-                        <p:par>
-                          <p:cTn id="14" fill="hold">
-                            <p:stCondLst>
-                              <p:cond delay="0"/>
-                            </p:stCondLst>
-                            <p:childTnLst>
-                              <p:par>
-                                <p:cTn id="15" presetID="10" presetClass="entr" presetSubtype="0" fill="hold" nodeType="clickEffect">
-                                  <p:stCondLst>
-                                    <p:cond delay="0"/>
-                                  </p:stCondLst>
-                                  <p:childTnLst>
-                                    <p:set>
-                                      <p:cBhvr>
-                                        <p:cTn id="16" dur="1" fill="hold">
-                                          <p:stCondLst>
-                                            <p:cond delay="0"/>
-                                          </p:stCondLst>
-                                        </p:cTn>
-                                        <p:tgtEl>
-                                          <p:spTgt spid="11"/>
-                                        </p:tgtEl>
-                                        <p:attrNameLst>
-                                          <p:attrName>style.visibility</p:attrName>
-                                        </p:attrNameLst>
-                                      </p:cBhvr>
-                                      <p:to>
-                                        <p:strVal val="visible"/>
-                                      </p:to>
-                                    </p:set>
-                                    <p:animEffect transition="in" filter="fade">
-                                      <p:cBhvr>
-                                        <p:cTn id="17" dur="500"/>
-                                        <p:tgtEl>
-                                          <p:spTgt spid="11"/>
-                                        </p:tgtEl>
-                                      </p:cBhvr>
-                                    </p:animEffect>
-                                  </p:childTnLst>
-                                </p:cTn>
-                              </p:par>
-                            </p:childTnLst>
-                          </p:cTn>
-                        </p:par>
-                      </p:childTnLst>
-                    </p:cTn>
-                  </p:par>
-                </p:childTnLst>
-              </p:cTn>
-              <p:prevCondLst>
-                <p:cond evt="onPrev" delay="0">
-                  <p:tgtEl>
-                    <p:sldTgt/>
-                  </p:tgtEl>
-                </p:cond>
-              </p:prevCondLst>
-              <p:nextCondLst>
-                <p:cond evt="onNext" delay="0">
-                  <p:tgtEl>
-                    <p:sldTgt/>
-                  </p:tgtEl>
-                </p:cond>
-              </p:nextCondLst>
-            </p:seq>
-          </p:childTnLst>
-        </p:cTn>
-      </p:par>
-    </p:tnLst>
-  </p:timing>
-</p:sld>
-</file>
-
-<file path=ppt/slides/slide7.xml><?xml version="1.0" encoding="utf-8"?>
-<p:sld xmlns:a="http://schemas.openxmlformats.org/drawingml/2006/main" xmlns:r="http://schemas.openxmlformats.org/officeDocument/2006/relationships" xmlns:p="http://schemas.openxmlformats.org/presentationml/2006/main">
-  <p:cSld>
-    <p:spTree>
-      <p:nvGrpSpPr>
-        <p:cNvPr id="1" name=""/>
-        <p:cNvGrpSpPr/>
-        <p:nvPr/>
-      </p:nvGrpSpPr>
-      <p:grpSpPr>
-        <a:xfrm>
-          <a:off x="0" y="0"/>
-          <a:ext cx="0" cy="0"/>
-          <a:chOff x="0" y="0"/>
-          <a:chExt cx="0" cy="0"/>
-        </a:xfrm>
-      </p:grpSpPr>
-      <p:sp>
-        <p:nvSpPr>
           <p:cNvPr id="4" name="标题 3"/>
           <p:cNvSpPr>
             <a:spLocks noGrp="1"/>
@@ -9236,7 +8448,7 @@
           <a:graphicData uri="http://schemas.openxmlformats.org/presentationml/2006/ole">
             <mc:AlternateContent xmlns:mc="http://schemas.openxmlformats.org/markup-compatibility/2006">
               <mc:Choice xmlns:v="urn:schemas-microsoft-com:vml" Requires="v">
-                <p:oleObj spid="_x0000_s2230" name="Equation" r:id="rId3" imgW="1434960" imgH="1371600" progId="Equation.DSMT4">
+                <p:oleObj spid="_x0000_s2254" name="Equation" r:id="rId3" imgW="1434960" imgH="1371600" progId="Equation.DSMT4">
                   <p:embed/>
                 </p:oleObj>
               </mc:Choice>
@@ -9297,7 +8509,7 @@
           <a:graphicData uri="http://schemas.openxmlformats.org/presentationml/2006/ole">
             <mc:AlternateContent xmlns:mc="http://schemas.openxmlformats.org/markup-compatibility/2006">
               <mc:Choice xmlns:v="urn:schemas-microsoft-com:vml" Requires="v">
-                <p:oleObj spid="_x0000_s2231" name="Equation" r:id="rId5" imgW="1091880" imgH="228600" progId="Equation.DSMT4">
+                <p:oleObj spid="_x0000_s2255" name="Equation" r:id="rId5" imgW="1091880" imgH="228600" progId="Equation.DSMT4">
                   <p:embed/>
                 </p:oleObj>
               </mc:Choice>
@@ -9962,7 +9174,7 @@
           <a:graphicData uri="http://schemas.openxmlformats.org/presentationml/2006/ole">
             <mc:AlternateContent xmlns:mc="http://schemas.openxmlformats.org/markup-compatibility/2006">
               <mc:Choice xmlns:v="urn:schemas-microsoft-com:vml" Requires="v">
-                <p:oleObj spid="_x0000_s2232" name="Equation" r:id="rId7" imgW="495000" imgH="482400" progId="Equation.DSMT4">
+                <p:oleObj spid="_x0000_s2256" name="Equation" r:id="rId7" imgW="495000" imgH="482400" progId="Equation.DSMT4">
                   <p:embed/>
                 </p:oleObj>
               </mc:Choice>
@@ -10206,6 +9418,1250 @@
 </p:sld>
 </file>
 
+<file path=ppt/slides/slide7.xml><?xml version="1.0" encoding="utf-8"?>
+<p:sld xmlns:a="http://schemas.openxmlformats.org/drawingml/2006/main" xmlns:r="http://schemas.openxmlformats.org/officeDocument/2006/relationships" xmlns:p="http://schemas.openxmlformats.org/presentationml/2006/main">
+  <p:cSld>
+    <p:spTree>
+      <p:nvGrpSpPr>
+        <p:cNvPr id="1" name=""/>
+        <p:cNvGrpSpPr/>
+        <p:nvPr/>
+      </p:nvGrpSpPr>
+      <p:grpSpPr>
+        <a:xfrm>
+          <a:off x="0" y="0"/>
+          <a:ext cx="0" cy="0"/>
+          <a:chOff x="0" y="0"/>
+          <a:chExt cx="0" cy="0"/>
+        </a:xfrm>
+      </p:grpSpPr>
+      <p:sp>
+        <p:nvSpPr>
+          <p:cNvPr id="2" name="标题 1"/>
+          <p:cNvSpPr>
+            <a:spLocks noGrp="1"/>
+          </p:cNvSpPr>
+          <p:nvPr>
+            <p:ph type="title"/>
+          </p:nvPr>
+        </p:nvSpPr>
+        <p:spPr/>
+        <p:txBody>
+          <a:bodyPr/>
+          <a:lstStyle/>
+          <a:p>
+            <a:r>
+              <a:rPr lang="zh-CN" altLang="en-US" dirty="0" smtClean="0"/>
+              <a:t>回归模型</a:t>
+            </a:r>
+            <a:endParaRPr lang="zh-CN" altLang="en-US" dirty="0"/>
+          </a:p>
+        </p:txBody>
+      </p:sp>
+      <p:sp>
+        <p:nvSpPr>
+          <p:cNvPr id="8" name="文本占位符 7"/>
+          <p:cNvSpPr>
+            <a:spLocks noGrp="1"/>
+          </p:cNvSpPr>
+          <p:nvPr>
+            <p:ph type="body" idx="1"/>
+          </p:nvPr>
+        </p:nvSpPr>
+        <p:spPr/>
+        <p:txBody>
+          <a:bodyPr/>
+          <a:lstStyle/>
+          <a:p>
+            <a:r>
+              <a:rPr lang="zh-CN" altLang="en-US" dirty="0" smtClean="0"/>
+              <a:t>右侧的实例</a:t>
+            </a:r>
+            <a:endParaRPr lang="zh-CN" altLang="en-US" dirty="0"/>
+          </a:p>
+        </p:txBody>
+      </p:sp>
+      <p:pic>
+        <p:nvPicPr>
+          <p:cNvPr id="5" name="内容占位符 4"/>
+          <p:cNvPicPr>
+            <a:picLocks noGrp="1" noChangeAspect="1"/>
+          </p:cNvPicPr>
+          <p:nvPr>
+            <p:ph sz="half" idx="2"/>
+          </p:nvPr>
+        </p:nvPicPr>
+        <p:blipFill>
+          <a:blip r:embed="rId3">
+            <a:extLst>
+              <a:ext uri="{28A0092B-C50C-407E-A947-70E740481C1C}">
+                <a14:useLocalDpi xmlns:a14="http://schemas.microsoft.com/office/drawing/2010/main" val="0"/>
+              </a:ext>
+            </a:extLst>
+          </a:blip>
+          <a:stretch>
+            <a:fillRect/>
+          </a:stretch>
+        </p:blipFill>
+        <p:spPr>
+          <a:xfrm>
+            <a:off x="418881" y="1846052"/>
+            <a:ext cx="5569505" cy="4114482"/>
+          </a:xfrm>
+        </p:spPr>
+      </p:pic>
+      <p:sp>
+        <p:nvSpPr>
+          <p:cNvPr id="9" name="内容占位符 8"/>
+          <p:cNvSpPr>
+            <a:spLocks noGrp="1"/>
+          </p:cNvSpPr>
+          <p:nvPr>
+            <p:ph sz="quarter" idx="4"/>
+          </p:nvPr>
+        </p:nvSpPr>
+        <p:spPr>
+          <a:xfrm>
+            <a:off x="6203107" y="2106043"/>
+            <a:ext cx="2868465" cy="1645634"/>
+          </a:xfrm>
+        </p:spPr>
+        <p:txBody>
+          <a:bodyPr/>
+          <a:lstStyle/>
+          <a:p>
+            <a:r>
+              <a:rPr lang="zh-CN" altLang="en-US" dirty="0" smtClean="0"/>
+              <a:t>一组调研数据（女性身高与体重）</a:t>
+            </a:r>
+            <a:endParaRPr lang="en-US" altLang="zh-CN" dirty="0" smtClean="0"/>
+          </a:p>
+          <a:p>
+            <a:r>
+              <a:rPr lang="en-US" altLang="zh-CN" dirty="0" smtClean="0"/>
+              <a:t>Y</a:t>
+            </a:r>
+            <a:r>
+              <a:rPr lang="zh-CN" altLang="en-US" dirty="0" smtClean="0"/>
+              <a:t>：体重 输出数据</a:t>
+            </a:r>
+            <a:endParaRPr lang="en-US" altLang="zh-CN" dirty="0" smtClean="0"/>
+          </a:p>
+          <a:p>
+            <a:r>
+              <a:rPr lang="en-US" altLang="zh-CN" dirty="0" smtClean="0"/>
+              <a:t>X</a:t>
+            </a:r>
+            <a:r>
+              <a:rPr lang="zh-CN" altLang="en-US" dirty="0" smtClean="0"/>
+              <a:t>：身高 输入数据</a:t>
+            </a:r>
+            <a:endParaRPr lang="en-US" altLang="zh-CN" dirty="0" smtClean="0"/>
+          </a:p>
+          <a:p>
+            <a:endParaRPr lang="zh-CN" altLang="en-US" dirty="0"/>
+          </a:p>
+        </p:txBody>
+      </p:sp>
+      <p:pic>
+        <p:nvPicPr>
+          <p:cNvPr id="16" name="图片 15"/>
+          <p:cNvPicPr>
+            <a:picLocks noChangeAspect="1"/>
+          </p:cNvPicPr>
+          <p:nvPr/>
+        </p:nvPicPr>
+        <p:blipFill>
+          <a:blip r:embed="rId4">
+            <a:extLst>
+              <a:ext uri="{28A0092B-C50C-407E-A947-70E740481C1C}">
+                <a14:useLocalDpi xmlns:a14="http://schemas.microsoft.com/office/drawing/2010/main" val="0"/>
+              </a:ext>
+            </a:extLst>
+          </a:blip>
+          <a:stretch>
+            <a:fillRect/>
+          </a:stretch>
+        </p:blipFill>
+        <p:spPr>
+          <a:xfrm>
+            <a:off x="465901" y="1786415"/>
+            <a:ext cx="5690186" cy="4233755"/>
+          </a:xfrm>
+          <a:prstGeom prst="rect">
+            <a:avLst/>
+          </a:prstGeom>
+        </p:spPr>
+      </p:pic>
+      <p:graphicFrame>
+        <p:nvGraphicFramePr>
+          <p:cNvPr id="11" name="对象 10"/>
+          <p:cNvGraphicFramePr>
+            <a:graphicFrameLocks noChangeAspect="1"/>
+          </p:cNvGraphicFramePr>
+          <p:nvPr>
+            <p:extLst>
+              <p:ext uri="{D42A27DB-BD31-4B8C-83A1-F6EECF244321}">
+                <p14:modId xmlns:p14="http://schemas.microsoft.com/office/powerpoint/2010/main" val="3706970307"/>
+              </p:ext>
+            </p:extLst>
+          </p:nvPr>
+        </p:nvGraphicFramePr>
+        <p:xfrm>
+          <a:off x="6107113" y="4838700"/>
+          <a:ext cx="1844675" cy="487363"/>
+        </p:xfrm>
+        <a:graphic>
+          <a:graphicData uri="http://schemas.openxmlformats.org/presentationml/2006/ole">
+            <mc:AlternateContent xmlns:mc="http://schemas.openxmlformats.org/markup-compatibility/2006">
+              <mc:Choice xmlns:v="urn:schemas-microsoft-com:vml" Requires="v">
+                <p:oleObj spid="_x0000_s1174" name="Equation" r:id="rId5" imgW="1091880" imgH="253800" progId="Equation.DSMT4">
+                  <p:embed/>
+                </p:oleObj>
+              </mc:Choice>
+              <mc:Fallback>
+                <p:oleObj name="Equation" r:id="rId5" imgW="1091880" imgH="253800" progId="Equation.DSMT4">
+                  <p:embed/>
+                  <p:pic>
+                    <p:nvPicPr>
+                      <p:cNvPr id="0" name=""/>
+                      <p:cNvPicPr>
+                        <a:picLocks noChangeAspect="1" noChangeArrowheads="1"/>
+                      </p:cNvPicPr>
+                      <p:nvPr/>
+                    </p:nvPicPr>
+                    <p:blipFill>
+                      <a:blip r:embed="rId6"/>
+                      <a:srcRect/>
+                      <a:stretch>
+                        <a:fillRect/>
+                      </a:stretch>
+                    </p:blipFill>
+                    <p:spPr bwMode="auto">
+                      <a:xfrm>
+                        <a:off x="6107113" y="4838700"/>
+                        <a:ext cx="1844675" cy="487363"/>
+                      </a:xfrm>
+                      <a:prstGeom prst="rect">
+                        <a:avLst/>
+                      </a:prstGeom>
+                      <a:noFill/>
+                    </p:spPr>
+                  </p:pic>
+                </p:oleObj>
+              </mc:Fallback>
+            </mc:AlternateContent>
+          </a:graphicData>
+        </a:graphic>
+      </p:graphicFrame>
+      <p:graphicFrame>
+        <p:nvGraphicFramePr>
+          <p:cNvPr id="12" name="内容占位符 6"/>
+          <p:cNvGraphicFramePr>
+            <a:graphicFrameLocks/>
+          </p:cNvGraphicFramePr>
+          <p:nvPr>
+            <p:extLst>
+              <p:ext uri="{D42A27DB-BD31-4B8C-83A1-F6EECF244321}">
+                <p14:modId xmlns:p14="http://schemas.microsoft.com/office/powerpoint/2010/main" val="2337274546"/>
+              </p:ext>
+            </p:extLst>
+          </p:nvPr>
+        </p:nvGraphicFramePr>
+        <p:xfrm>
+          <a:off x="10530030" y="226555"/>
+          <a:ext cx="1372348" cy="5868345"/>
+        </p:xfrm>
+        <a:graphic>
+          <a:graphicData uri="http://schemas.openxmlformats.org/drawingml/2006/table">
+            <a:tbl>
+              <a:tblPr firstRow="1" bandRow="1">
+                <a:tableStyleId>{22838BEF-8BB2-4498-84A7-C5851F593DF1}</a:tableStyleId>
+              </a:tblPr>
+              <a:tblGrid>
+                <a:gridCol w="1372348">
+                  <a:extLst>
+                    <a:ext uri="{9D8B030D-6E8A-4147-A177-3AD203B41FA5}">
+                      <a16:colId xmlns:a16="http://schemas.microsoft.com/office/drawing/2014/main" val="20000"/>
+                    </a:ext>
+                  </a:extLst>
+                </a:gridCol>
+              </a:tblGrid>
+              <a:tr h="357784">
+                <a:tc>
+                  <a:txBody>
+                    <a:bodyPr/>
+                    <a:lstStyle/>
+                    <a:p>
+                      <a:r>
+                        <a:rPr lang="en-US" altLang="zh-CN" dirty="0" smtClean="0"/>
+                        <a:t>Height</a:t>
+                      </a:r>
+                      <a:endParaRPr lang="zh-CN" altLang="en-US" dirty="0"/>
+                    </a:p>
+                  </a:txBody>
+                  <a:tcPr/>
+                </a:tc>
+                <a:extLst>
+                  <a:ext uri="{0D108BD9-81ED-4DB2-BD59-A6C34878D82A}">
+                    <a16:rowId xmlns:a16="http://schemas.microsoft.com/office/drawing/2014/main" val="10000"/>
+                  </a:ext>
+                </a:extLst>
+              </a:tr>
+              <a:tr h="366839">
+                <a:tc>
+                  <a:txBody>
+                    <a:bodyPr/>
+                    <a:lstStyle/>
+                    <a:p>
+                      <a:r>
+                        <a:rPr lang="en-US" altLang="zh-CN" dirty="0" smtClean="0"/>
+                        <a:t>58</a:t>
+                      </a:r>
+                      <a:endParaRPr lang="zh-CN" altLang="en-US" dirty="0"/>
+                    </a:p>
+                  </a:txBody>
+                  <a:tcPr/>
+                </a:tc>
+                <a:extLst>
+                  <a:ext uri="{0D108BD9-81ED-4DB2-BD59-A6C34878D82A}">
+                    <a16:rowId xmlns:a16="http://schemas.microsoft.com/office/drawing/2014/main" val="10001"/>
+                  </a:ext>
+                </a:extLst>
+              </a:tr>
+              <a:tr h="366839">
+                <a:tc>
+                  <a:txBody>
+                    <a:bodyPr/>
+                    <a:lstStyle/>
+                    <a:p>
+                      <a:r>
+                        <a:rPr lang="en-US" altLang="zh-CN" dirty="0" smtClean="0"/>
+                        <a:t>59</a:t>
+                      </a:r>
+                      <a:endParaRPr lang="zh-CN" altLang="en-US" dirty="0"/>
+                    </a:p>
+                  </a:txBody>
+                  <a:tcPr/>
+                </a:tc>
+                <a:extLst>
+                  <a:ext uri="{0D108BD9-81ED-4DB2-BD59-A6C34878D82A}">
+                    <a16:rowId xmlns:a16="http://schemas.microsoft.com/office/drawing/2014/main" val="10002"/>
+                  </a:ext>
+                </a:extLst>
+              </a:tr>
+              <a:tr h="366839">
+                <a:tc>
+                  <a:txBody>
+                    <a:bodyPr/>
+                    <a:lstStyle/>
+                    <a:p>
+                      <a:r>
+                        <a:rPr lang="en-US" altLang="zh-CN" dirty="0" smtClean="0"/>
+                        <a:t>60</a:t>
+                      </a:r>
+                      <a:endParaRPr lang="zh-CN" altLang="en-US" dirty="0"/>
+                    </a:p>
+                  </a:txBody>
+                  <a:tcPr/>
+                </a:tc>
+                <a:extLst>
+                  <a:ext uri="{0D108BD9-81ED-4DB2-BD59-A6C34878D82A}">
+                    <a16:rowId xmlns:a16="http://schemas.microsoft.com/office/drawing/2014/main" val="10003"/>
+                  </a:ext>
+                </a:extLst>
+              </a:tr>
+              <a:tr h="366839">
+                <a:tc>
+                  <a:txBody>
+                    <a:bodyPr/>
+                    <a:lstStyle/>
+                    <a:p>
+                      <a:r>
+                        <a:rPr lang="en-US" altLang="zh-CN" dirty="0" smtClean="0"/>
+                        <a:t>61</a:t>
+                      </a:r>
+                      <a:endParaRPr lang="zh-CN" altLang="en-US" dirty="0"/>
+                    </a:p>
+                  </a:txBody>
+                  <a:tcPr/>
+                </a:tc>
+                <a:extLst>
+                  <a:ext uri="{0D108BD9-81ED-4DB2-BD59-A6C34878D82A}">
+                    <a16:rowId xmlns:a16="http://schemas.microsoft.com/office/drawing/2014/main" val="10004"/>
+                  </a:ext>
+                </a:extLst>
+              </a:tr>
+              <a:tr h="366839">
+                <a:tc>
+                  <a:txBody>
+                    <a:bodyPr/>
+                    <a:lstStyle/>
+                    <a:p>
+                      <a:r>
+                        <a:rPr lang="en-US" altLang="zh-CN" dirty="0" smtClean="0"/>
+                        <a:t>62</a:t>
+                      </a:r>
+                      <a:endParaRPr lang="zh-CN" altLang="en-US" dirty="0"/>
+                    </a:p>
+                  </a:txBody>
+                  <a:tcPr/>
+                </a:tc>
+                <a:extLst>
+                  <a:ext uri="{0D108BD9-81ED-4DB2-BD59-A6C34878D82A}">
+                    <a16:rowId xmlns:a16="http://schemas.microsoft.com/office/drawing/2014/main" val="10005"/>
+                  </a:ext>
+                </a:extLst>
+              </a:tr>
+              <a:tr h="366839">
+                <a:tc>
+                  <a:txBody>
+                    <a:bodyPr/>
+                    <a:lstStyle/>
+                    <a:p>
+                      <a:r>
+                        <a:rPr lang="en-US" altLang="zh-CN" dirty="0" smtClean="0"/>
+                        <a:t>63</a:t>
+                      </a:r>
+                      <a:endParaRPr lang="zh-CN" altLang="en-US" dirty="0"/>
+                    </a:p>
+                  </a:txBody>
+                  <a:tcPr/>
+                </a:tc>
+                <a:extLst>
+                  <a:ext uri="{0D108BD9-81ED-4DB2-BD59-A6C34878D82A}">
+                    <a16:rowId xmlns:a16="http://schemas.microsoft.com/office/drawing/2014/main" val="10006"/>
+                  </a:ext>
+                </a:extLst>
+              </a:tr>
+              <a:tr h="366839">
+                <a:tc>
+                  <a:txBody>
+                    <a:bodyPr/>
+                    <a:lstStyle/>
+                    <a:p>
+                      <a:r>
+                        <a:rPr lang="en-US" altLang="zh-CN" dirty="0" smtClean="0"/>
+                        <a:t>64</a:t>
+                      </a:r>
+                      <a:endParaRPr lang="zh-CN" altLang="en-US" dirty="0"/>
+                    </a:p>
+                  </a:txBody>
+                  <a:tcPr/>
+                </a:tc>
+                <a:extLst>
+                  <a:ext uri="{0D108BD9-81ED-4DB2-BD59-A6C34878D82A}">
+                    <a16:rowId xmlns:a16="http://schemas.microsoft.com/office/drawing/2014/main" val="10007"/>
+                  </a:ext>
+                </a:extLst>
+              </a:tr>
+              <a:tr h="366839">
+                <a:tc>
+                  <a:txBody>
+                    <a:bodyPr/>
+                    <a:lstStyle/>
+                    <a:p>
+                      <a:r>
+                        <a:rPr lang="en-US" altLang="zh-CN" dirty="0" smtClean="0"/>
+                        <a:t>65</a:t>
+                      </a:r>
+                      <a:endParaRPr lang="zh-CN" altLang="en-US" dirty="0"/>
+                    </a:p>
+                  </a:txBody>
+                  <a:tcPr/>
+                </a:tc>
+                <a:extLst>
+                  <a:ext uri="{0D108BD9-81ED-4DB2-BD59-A6C34878D82A}">
+                    <a16:rowId xmlns:a16="http://schemas.microsoft.com/office/drawing/2014/main" val="10008"/>
+                  </a:ext>
+                </a:extLst>
+              </a:tr>
+              <a:tr h="366839">
+                <a:tc>
+                  <a:txBody>
+                    <a:bodyPr/>
+                    <a:lstStyle/>
+                    <a:p>
+                      <a:r>
+                        <a:rPr lang="en-US" altLang="zh-CN" dirty="0" smtClean="0"/>
+                        <a:t>66</a:t>
+                      </a:r>
+                      <a:endParaRPr lang="zh-CN" altLang="en-US" dirty="0"/>
+                    </a:p>
+                  </a:txBody>
+                  <a:tcPr/>
+                </a:tc>
+                <a:extLst>
+                  <a:ext uri="{0D108BD9-81ED-4DB2-BD59-A6C34878D82A}">
+                    <a16:rowId xmlns:a16="http://schemas.microsoft.com/office/drawing/2014/main" val="10009"/>
+                  </a:ext>
+                </a:extLst>
+              </a:tr>
+              <a:tr h="366839">
+                <a:tc>
+                  <a:txBody>
+                    <a:bodyPr/>
+                    <a:lstStyle/>
+                    <a:p>
+                      <a:r>
+                        <a:rPr lang="en-US" altLang="zh-CN" dirty="0" smtClean="0"/>
+                        <a:t>67</a:t>
+                      </a:r>
+                      <a:endParaRPr lang="zh-CN" altLang="en-US" dirty="0"/>
+                    </a:p>
+                  </a:txBody>
+                  <a:tcPr/>
+                </a:tc>
+                <a:extLst>
+                  <a:ext uri="{0D108BD9-81ED-4DB2-BD59-A6C34878D82A}">
+                    <a16:rowId xmlns:a16="http://schemas.microsoft.com/office/drawing/2014/main" val="10010"/>
+                  </a:ext>
+                </a:extLst>
+              </a:tr>
+              <a:tr h="366839">
+                <a:tc>
+                  <a:txBody>
+                    <a:bodyPr/>
+                    <a:lstStyle/>
+                    <a:p>
+                      <a:r>
+                        <a:rPr lang="en-US" altLang="zh-CN" dirty="0" smtClean="0"/>
+                        <a:t>68</a:t>
+                      </a:r>
+                      <a:endParaRPr lang="zh-CN" altLang="en-US" dirty="0"/>
+                    </a:p>
+                  </a:txBody>
+                  <a:tcPr/>
+                </a:tc>
+                <a:extLst>
+                  <a:ext uri="{0D108BD9-81ED-4DB2-BD59-A6C34878D82A}">
+                    <a16:rowId xmlns:a16="http://schemas.microsoft.com/office/drawing/2014/main" val="10011"/>
+                  </a:ext>
+                </a:extLst>
+              </a:tr>
+              <a:tr h="366839">
+                <a:tc>
+                  <a:txBody>
+                    <a:bodyPr/>
+                    <a:lstStyle/>
+                    <a:p>
+                      <a:r>
+                        <a:rPr lang="en-US" altLang="zh-CN" dirty="0" smtClean="0"/>
+                        <a:t>69</a:t>
+                      </a:r>
+                      <a:endParaRPr lang="zh-CN" altLang="en-US" dirty="0"/>
+                    </a:p>
+                  </a:txBody>
+                  <a:tcPr/>
+                </a:tc>
+                <a:extLst>
+                  <a:ext uri="{0D108BD9-81ED-4DB2-BD59-A6C34878D82A}">
+                    <a16:rowId xmlns:a16="http://schemas.microsoft.com/office/drawing/2014/main" val="10012"/>
+                  </a:ext>
+                </a:extLst>
+              </a:tr>
+              <a:tr h="366839">
+                <a:tc>
+                  <a:txBody>
+                    <a:bodyPr/>
+                    <a:lstStyle/>
+                    <a:p>
+                      <a:r>
+                        <a:rPr lang="en-US" altLang="zh-CN" dirty="0" smtClean="0"/>
+                        <a:t>70</a:t>
+                      </a:r>
+                      <a:endParaRPr lang="zh-CN" altLang="en-US" dirty="0"/>
+                    </a:p>
+                  </a:txBody>
+                  <a:tcPr/>
+                </a:tc>
+                <a:extLst>
+                  <a:ext uri="{0D108BD9-81ED-4DB2-BD59-A6C34878D82A}">
+                    <a16:rowId xmlns:a16="http://schemas.microsoft.com/office/drawing/2014/main" val="10013"/>
+                  </a:ext>
+                </a:extLst>
+              </a:tr>
+              <a:tr h="366839">
+                <a:tc>
+                  <a:txBody>
+                    <a:bodyPr/>
+                    <a:lstStyle/>
+                    <a:p>
+                      <a:r>
+                        <a:rPr lang="en-US" altLang="zh-CN" dirty="0" smtClean="0"/>
+                        <a:t>71</a:t>
+                      </a:r>
+                      <a:endParaRPr lang="zh-CN" altLang="en-US" dirty="0"/>
+                    </a:p>
+                  </a:txBody>
+                  <a:tcPr/>
+                </a:tc>
+                <a:extLst>
+                  <a:ext uri="{0D108BD9-81ED-4DB2-BD59-A6C34878D82A}">
+                    <a16:rowId xmlns:a16="http://schemas.microsoft.com/office/drawing/2014/main" val="10014"/>
+                  </a:ext>
+                </a:extLst>
+              </a:tr>
+              <a:tr h="366839">
+                <a:tc>
+                  <a:txBody>
+                    <a:bodyPr/>
+                    <a:lstStyle/>
+                    <a:p>
+                      <a:r>
+                        <a:rPr lang="en-US" altLang="zh-CN" dirty="0" smtClean="0"/>
+                        <a:t>72</a:t>
+                      </a:r>
+                      <a:endParaRPr lang="zh-CN" altLang="en-US" dirty="0"/>
+                    </a:p>
+                  </a:txBody>
+                  <a:tcPr/>
+                </a:tc>
+                <a:extLst>
+                  <a:ext uri="{0D108BD9-81ED-4DB2-BD59-A6C34878D82A}">
+                    <a16:rowId xmlns:a16="http://schemas.microsoft.com/office/drawing/2014/main" val="10015"/>
+                  </a:ext>
+                </a:extLst>
+              </a:tr>
+            </a:tbl>
+          </a:graphicData>
+        </a:graphic>
+      </p:graphicFrame>
+      <p:graphicFrame>
+        <p:nvGraphicFramePr>
+          <p:cNvPr id="3" name="对象 2"/>
+          <p:cNvGraphicFramePr>
+            <a:graphicFrameLocks noChangeAspect="1"/>
+          </p:cNvGraphicFramePr>
+          <p:nvPr>
+            <p:extLst>
+              <p:ext uri="{D42A27DB-BD31-4B8C-83A1-F6EECF244321}">
+                <p14:modId xmlns:p14="http://schemas.microsoft.com/office/powerpoint/2010/main" val="1663564025"/>
+              </p:ext>
+            </p:extLst>
+          </p:nvPr>
+        </p:nvGraphicFramePr>
+        <p:xfrm>
+          <a:off x="6045200" y="4119563"/>
+          <a:ext cx="1631950" cy="493712"/>
+        </p:xfrm>
+        <a:graphic>
+          <a:graphicData uri="http://schemas.openxmlformats.org/presentationml/2006/ole">
+            <mc:AlternateContent xmlns:mc="http://schemas.openxmlformats.org/markup-compatibility/2006">
+              <mc:Choice xmlns:v="urn:schemas-microsoft-com:vml" Requires="v">
+                <p:oleObj spid="_x0000_s1175" name="Equation" r:id="rId7" imgW="838080" imgH="253800" progId="Equation.DSMT4">
+                  <p:embed/>
+                </p:oleObj>
+              </mc:Choice>
+              <mc:Fallback>
+                <p:oleObj name="Equation" r:id="rId7" imgW="838080" imgH="253800" progId="Equation.DSMT4">
+                  <p:embed/>
+                  <p:pic>
+                    <p:nvPicPr>
+                      <p:cNvPr id="0" name=""/>
+                      <p:cNvPicPr/>
+                      <p:nvPr/>
+                    </p:nvPicPr>
+                    <p:blipFill>
+                      <a:blip r:embed="rId8"/>
+                      <a:stretch>
+                        <a:fillRect/>
+                      </a:stretch>
+                    </p:blipFill>
+                    <p:spPr>
+                      <a:xfrm>
+                        <a:off x="6045200" y="4119563"/>
+                        <a:ext cx="1631950" cy="493712"/>
+                      </a:xfrm>
+                      <a:prstGeom prst="rect">
+                        <a:avLst/>
+                      </a:prstGeom>
+                    </p:spPr>
+                  </p:pic>
+                </p:oleObj>
+              </mc:Fallback>
+            </mc:AlternateContent>
+          </a:graphicData>
+        </a:graphic>
+      </p:graphicFrame>
+      <p:graphicFrame>
+        <p:nvGraphicFramePr>
+          <p:cNvPr id="6" name="表格 5"/>
+          <p:cNvGraphicFramePr>
+            <a:graphicFrameLocks noGrp="1"/>
+          </p:cNvGraphicFramePr>
+          <p:nvPr>
+            <p:extLst>
+              <p:ext uri="{D42A27DB-BD31-4B8C-83A1-F6EECF244321}">
+                <p14:modId xmlns:p14="http://schemas.microsoft.com/office/powerpoint/2010/main" val="1347915770"/>
+              </p:ext>
+            </p:extLst>
+          </p:nvPr>
+        </p:nvGraphicFramePr>
+        <p:xfrm>
+          <a:off x="9085063" y="226555"/>
+          <a:ext cx="1372348" cy="5868345"/>
+        </p:xfrm>
+        <a:graphic>
+          <a:graphicData uri="http://schemas.openxmlformats.org/drawingml/2006/table">
+            <a:tbl>
+              <a:tblPr firstRow="1" bandRow="1">
+                <a:tableStyleId>{22838BEF-8BB2-4498-84A7-C5851F593DF1}</a:tableStyleId>
+              </a:tblPr>
+              <a:tblGrid>
+                <a:gridCol w="1372348">
+                  <a:extLst>
+                    <a:ext uri="{9D8B030D-6E8A-4147-A177-3AD203B41FA5}">
+                      <a16:colId xmlns:a16="http://schemas.microsoft.com/office/drawing/2014/main" val="3537717664"/>
+                    </a:ext>
+                  </a:extLst>
+                </a:gridCol>
+              </a:tblGrid>
+              <a:tr h="357784">
+                <a:tc>
+                  <a:txBody>
+                    <a:bodyPr/>
+                    <a:lstStyle/>
+                    <a:p>
+                      <a:r>
+                        <a:rPr lang="en-US" altLang="zh-CN" dirty="0" smtClean="0"/>
+                        <a:t>Weight</a:t>
+                      </a:r>
+                      <a:endParaRPr lang="zh-CN" altLang="en-US" dirty="0"/>
+                    </a:p>
+                  </a:txBody>
+                  <a:tcPr/>
+                </a:tc>
+                <a:extLst>
+                  <a:ext uri="{0D108BD9-81ED-4DB2-BD59-A6C34878D82A}">
+                    <a16:rowId xmlns:a16="http://schemas.microsoft.com/office/drawing/2014/main" val="3448382111"/>
+                  </a:ext>
+                </a:extLst>
+              </a:tr>
+              <a:tr h="366839">
+                <a:tc>
+                  <a:txBody>
+                    <a:bodyPr/>
+                    <a:lstStyle/>
+                    <a:p>
+                      <a:r>
+                        <a:rPr lang="en-US" altLang="zh-CN" dirty="0" smtClean="0"/>
+                        <a:t>115</a:t>
+                      </a:r>
+                      <a:endParaRPr lang="zh-CN" altLang="en-US" dirty="0"/>
+                    </a:p>
+                  </a:txBody>
+                  <a:tcPr/>
+                </a:tc>
+                <a:extLst>
+                  <a:ext uri="{0D108BD9-81ED-4DB2-BD59-A6C34878D82A}">
+                    <a16:rowId xmlns:a16="http://schemas.microsoft.com/office/drawing/2014/main" val="2945705875"/>
+                  </a:ext>
+                </a:extLst>
+              </a:tr>
+              <a:tr h="366839">
+                <a:tc>
+                  <a:txBody>
+                    <a:bodyPr/>
+                    <a:lstStyle/>
+                    <a:p>
+                      <a:r>
+                        <a:rPr lang="en-US" altLang="zh-CN" dirty="0" smtClean="0"/>
+                        <a:t>117</a:t>
+                      </a:r>
+                      <a:endParaRPr lang="zh-CN" altLang="en-US" dirty="0"/>
+                    </a:p>
+                  </a:txBody>
+                  <a:tcPr/>
+                </a:tc>
+                <a:extLst>
+                  <a:ext uri="{0D108BD9-81ED-4DB2-BD59-A6C34878D82A}">
+                    <a16:rowId xmlns:a16="http://schemas.microsoft.com/office/drawing/2014/main" val="3140793807"/>
+                  </a:ext>
+                </a:extLst>
+              </a:tr>
+              <a:tr h="366839">
+                <a:tc>
+                  <a:txBody>
+                    <a:bodyPr/>
+                    <a:lstStyle/>
+                    <a:p>
+                      <a:r>
+                        <a:rPr lang="en-US" altLang="zh-CN" dirty="0" smtClean="0"/>
+                        <a:t>120</a:t>
+                      </a:r>
+                      <a:endParaRPr lang="zh-CN" altLang="en-US" dirty="0"/>
+                    </a:p>
+                  </a:txBody>
+                  <a:tcPr/>
+                </a:tc>
+                <a:extLst>
+                  <a:ext uri="{0D108BD9-81ED-4DB2-BD59-A6C34878D82A}">
+                    <a16:rowId xmlns:a16="http://schemas.microsoft.com/office/drawing/2014/main" val="1176960965"/>
+                  </a:ext>
+                </a:extLst>
+              </a:tr>
+              <a:tr h="366839">
+                <a:tc>
+                  <a:txBody>
+                    <a:bodyPr/>
+                    <a:lstStyle/>
+                    <a:p>
+                      <a:r>
+                        <a:rPr lang="en-US" altLang="zh-CN" dirty="0" smtClean="0"/>
+                        <a:t>123</a:t>
+                      </a:r>
+                      <a:endParaRPr lang="zh-CN" altLang="en-US" dirty="0"/>
+                    </a:p>
+                  </a:txBody>
+                  <a:tcPr/>
+                </a:tc>
+                <a:extLst>
+                  <a:ext uri="{0D108BD9-81ED-4DB2-BD59-A6C34878D82A}">
+                    <a16:rowId xmlns:a16="http://schemas.microsoft.com/office/drawing/2014/main" val="663607452"/>
+                  </a:ext>
+                </a:extLst>
+              </a:tr>
+              <a:tr h="366839">
+                <a:tc>
+                  <a:txBody>
+                    <a:bodyPr/>
+                    <a:lstStyle/>
+                    <a:p>
+                      <a:r>
+                        <a:rPr lang="en-US" altLang="zh-CN" dirty="0" smtClean="0"/>
+                        <a:t>126</a:t>
+                      </a:r>
+                      <a:endParaRPr lang="zh-CN" altLang="en-US" dirty="0"/>
+                    </a:p>
+                  </a:txBody>
+                  <a:tcPr/>
+                </a:tc>
+                <a:extLst>
+                  <a:ext uri="{0D108BD9-81ED-4DB2-BD59-A6C34878D82A}">
+                    <a16:rowId xmlns:a16="http://schemas.microsoft.com/office/drawing/2014/main" val="4171460277"/>
+                  </a:ext>
+                </a:extLst>
+              </a:tr>
+              <a:tr h="366839">
+                <a:tc>
+                  <a:txBody>
+                    <a:bodyPr/>
+                    <a:lstStyle/>
+                    <a:p>
+                      <a:r>
+                        <a:rPr lang="en-US" altLang="zh-CN" dirty="0" smtClean="0"/>
+                        <a:t>129</a:t>
+                      </a:r>
+                      <a:endParaRPr lang="zh-CN" altLang="en-US" dirty="0"/>
+                    </a:p>
+                  </a:txBody>
+                  <a:tcPr/>
+                </a:tc>
+                <a:extLst>
+                  <a:ext uri="{0D108BD9-81ED-4DB2-BD59-A6C34878D82A}">
+                    <a16:rowId xmlns:a16="http://schemas.microsoft.com/office/drawing/2014/main" val="2323818673"/>
+                  </a:ext>
+                </a:extLst>
+              </a:tr>
+              <a:tr h="366839">
+                <a:tc>
+                  <a:txBody>
+                    <a:bodyPr/>
+                    <a:lstStyle/>
+                    <a:p>
+                      <a:r>
+                        <a:rPr lang="en-US" altLang="zh-CN" dirty="0" smtClean="0"/>
+                        <a:t>132</a:t>
+                      </a:r>
+                      <a:endParaRPr lang="zh-CN" altLang="en-US" dirty="0"/>
+                    </a:p>
+                  </a:txBody>
+                  <a:tcPr/>
+                </a:tc>
+                <a:extLst>
+                  <a:ext uri="{0D108BD9-81ED-4DB2-BD59-A6C34878D82A}">
+                    <a16:rowId xmlns:a16="http://schemas.microsoft.com/office/drawing/2014/main" val="1167533712"/>
+                  </a:ext>
+                </a:extLst>
+              </a:tr>
+              <a:tr h="366839">
+                <a:tc>
+                  <a:txBody>
+                    <a:bodyPr/>
+                    <a:lstStyle/>
+                    <a:p>
+                      <a:r>
+                        <a:rPr lang="en-US" altLang="zh-CN" dirty="0" smtClean="0"/>
+                        <a:t>135</a:t>
+                      </a:r>
+                      <a:endParaRPr lang="zh-CN" altLang="en-US" dirty="0"/>
+                    </a:p>
+                  </a:txBody>
+                  <a:tcPr/>
+                </a:tc>
+                <a:extLst>
+                  <a:ext uri="{0D108BD9-81ED-4DB2-BD59-A6C34878D82A}">
+                    <a16:rowId xmlns:a16="http://schemas.microsoft.com/office/drawing/2014/main" val="376633296"/>
+                  </a:ext>
+                </a:extLst>
+              </a:tr>
+              <a:tr h="366839">
+                <a:tc>
+                  <a:txBody>
+                    <a:bodyPr/>
+                    <a:lstStyle/>
+                    <a:p>
+                      <a:r>
+                        <a:rPr lang="en-US" altLang="zh-CN" dirty="0" smtClean="0"/>
+                        <a:t>139</a:t>
+                      </a:r>
+                      <a:endParaRPr lang="zh-CN" altLang="en-US" dirty="0"/>
+                    </a:p>
+                  </a:txBody>
+                  <a:tcPr/>
+                </a:tc>
+                <a:extLst>
+                  <a:ext uri="{0D108BD9-81ED-4DB2-BD59-A6C34878D82A}">
+                    <a16:rowId xmlns:a16="http://schemas.microsoft.com/office/drawing/2014/main" val="2846835865"/>
+                  </a:ext>
+                </a:extLst>
+              </a:tr>
+              <a:tr h="366839">
+                <a:tc>
+                  <a:txBody>
+                    <a:bodyPr/>
+                    <a:lstStyle/>
+                    <a:p>
+                      <a:r>
+                        <a:rPr lang="en-US" altLang="zh-CN" dirty="0" smtClean="0"/>
+                        <a:t>142</a:t>
+                      </a:r>
+                      <a:endParaRPr lang="zh-CN" altLang="en-US" dirty="0"/>
+                    </a:p>
+                  </a:txBody>
+                  <a:tcPr/>
+                </a:tc>
+                <a:extLst>
+                  <a:ext uri="{0D108BD9-81ED-4DB2-BD59-A6C34878D82A}">
+                    <a16:rowId xmlns:a16="http://schemas.microsoft.com/office/drawing/2014/main" val="122752985"/>
+                  </a:ext>
+                </a:extLst>
+              </a:tr>
+              <a:tr h="366839">
+                <a:tc>
+                  <a:txBody>
+                    <a:bodyPr/>
+                    <a:lstStyle/>
+                    <a:p>
+                      <a:r>
+                        <a:rPr lang="en-US" altLang="zh-CN" dirty="0" smtClean="0"/>
+                        <a:t>146</a:t>
+                      </a:r>
+                      <a:endParaRPr lang="zh-CN" altLang="en-US" dirty="0"/>
+                    </a:p>
+                  </a:txBody>
+                  <a:tcPr/>
+                </a:tc>
+                <a:extLst>
+                  <a:ext uri="{0D108BD9-81ED-4DB2-BD59-A6C34878D82A}">
+                    <a16:rowId xmlns:a16="http://schemas.microsoft.com/office/drawing/2014/main" val="2815350792"/>
+                  </a:ext>
+                </a:extLst>
+              </a:tr>
+              <a:tr h="366839">
+                <a:tc>
+                  <a:txBody>
+                    <a:bodyPr/>
+                    <a:lstStyle/>
+                    <a:p>
+                      <a:r>
+                        <a:rPr lang="en-US" altLang="zh-CN" dirty="0" smtClean="0"/>
+                        <a:t>150</a:t>
+                      </a:r>
+                      <a:endParaRPr lang="zh-CN" altLang="en-US" dirty="0"/>
+                    </a:p>
+                  </a:txBody>
+                  <a:tcPr/>
+                </a:tc>
+                <a:extLst>
+                  <a:ext uri="{0D108BD9-81ED-4DB2-BD59-A6C34878D82A}">
+                    <a16:rowId xmlns:a16="http://schemas.microsoft.com/office/drawing/2014/main" val="35502093"/>
+                  </a:ext>
+                </a:extLst>
+              </a:tr>
+              <a:tr h="366839">
+                <a:tc>
+                  <a:txBody>
+                    <a:bodyPr/>
+                    <a:lstStyle/>
+                    <a:p>
+                      <a:r>
+                        <a:rPr lang="en-US" altLang="zh-CN" dirty="0" smtClean="0"/>
+                        <a:t>154</a:t>
+                      </a:r>
+                      <a:endParaRPr lang="zh-CN" altLang="en-US" dirty="0"/>
+                    </a:p>
+                  </a:txBody>
+                  <a:tcPr/>
+                </a:tc>
+                <a:extLst>
+                  <a:ext uri="{0D108BD9-81ED-4DB2-BD59-A6C34878D82A}">
+                    <a16:rowId xmlns:a16="http://schemas.microsoft.com/office/drawing/2014/main" val="3547394110"/>
+                  </a:ext>
+                </a:extLst>
+              </a:tr>
+              <a:tr h="366839">
+                <a:tc>
+                  <a:txBody>
+                    <a:bodyPr/>
+                    <a:lstStyle/>
+                    <a:p>
+                      <a:r>
+                        <a:rPr lang="en-US" altLang="zh-CN" dirty="0" smtClean="0"/>
+                        <a:t>159</a:t>
+                      </a:r>
+                      <a:endParaRPr lang="zh-CN" altLang="en-US" dirty="0"/>
+                    </a:p>
+                  </a:txBody>
+                  <a:tcPr/>
+                </a:tc>
+                <a:extLst>
+                  <a:ext uri="{0D108BD9-81ED-4DB2-BD59-A6C34878D82A}">
+                    <a16:rowId xmlns:a16="http://schemas.microsoft.com/office/drawing/2014/main" val="2455459162"/>
+                  </a:ext>
+                </a:extLst>
+              </a:tr>
+              <a:tr h="366839">
+                <a:tc>
+                  <a:txBody>
+                    <a:bodyPr/>
+                    <a:lstStyle/>
+                    <a:p>
+                      <a:r>
+                        <a:rPr lang="en-US" altLang="zh-CN" dirty="0" smtClean="0"/>
+                        <a:t>164</a:t>
+                      </a:r>
+                      <a:endParaRPr lang="zh-CN" altLang="en-US" dirty="0"/>
+                    </a:p>
+                  </a:txBody>
+                  <a:tcPr/>
+                </a:tc>
+                <a:extLst>
+                  <a:ext uri="{0D108BD9-81ED-4DB2-BD59-A6C34878D82A}">
+                    <a16:rowId xmlns:a16="http://schemas.microsoft.com/office/drawing/2014/main" val="247318940"/>
+                  </a:ext>
+                </a:extLst>
+              </a:tr>
+            </a:tbl>
+          </a:graphicData>
+        </a:graphic>
+      </p:graphicFrame>
+    </p:spTree>
+    <p:extLst>
+      <p:ext uri="{BB962C8B-B14F-4D97-AF65-F5344CB8AC3E}">
+        <p14:creationId xmlns:p14="http://schemas.microsoft.com/office/powerpoint/2010/main" val="585881149"/>
+      </p:ext>
+    </p:extLst>
+  </p:cSld>
+  <p:clrMapOvr>
+    <a:masterClrMapping/>
+  </p:clrMapOvr>
+  <p:timing>
+    <p:tnLst>
+      <p:par>
+        <p:cTn id="1" dur="indefinite" restart="never" nodeType="tmRoot">
+          <p:childTnLst>
+            <p:seq concurrent="1" nextAc="seek">
+              <p:cTn id="2" dur="indefinite" nodeType="mainSeq">
+                <p:childTnLst>
+                  <p:par>
+                    <p:cTn id="3" fill="hold">
+                      <p:stCondLst>
+                        <p:cond delay="indefinite"/>
+                        <p:cond evt="onBegin" delay="0">
+                          <p:tn val="2"/>
+                        </p:cond>
+                      </p:stCondLst>
+                      <p:childTnLst>
+                        <p:par>
+                          <p:cTn id="4" fill="hold">
+                            <p:stCondLst>
+                              <p:cond delay="0"/>
+                            </p:stCondLst>
+                            <p:childTnLst>
+                              <p:par>
+                                <p:cTn id="5" presetID="22" presetClass="entr" presetSubtype="1" fill="hold" nodeType="withEffect">
+                                  <p:stCondLst>
+                                    <p:cond delay="0"/>
+                                  </p:stCondLst>
+                                  <p:childTnLst>
+                                    <p:set>
+                                      <p:cBhvr>
+                                        <p:cTn id="6" dur="1" fill="hold">
+                                          <p:stCondLst>
+                                            <p:cond delay="0"/>
+                                          </p:stCondLst>
+                                        </p:cTn>
+                                        <p:tgtEl>
+                                          <p:spTgt spid="12"/>
+                                        </p:tgtEl>
+                                        <p:attrNameLst>
+                                          <p:attrName>style.visibility</p:attrName>
+                                        </p:attrNameLst>
+                                      </p:cBhvr>
+                                      <p:to>
+                                        <p:strVal val="visible"/>
+                                      </p:to>
+                                    </p:set>
+                                    <p:animEffect transition="in" filter="wipe(up)">
+                                      <p:cBhvr>
+                                        <p:cTn id="7" dur="500"/>
+                                        <p:tgtEl>
+                                          <p:spTgt spid="12"/>
+                                        </p:tgtEl>
+                                      </p:cBhvr>
+                                    </p:animEffect>
+                                  </p:childTnLst>
+                                </p:cTn>
+                              </p:par>
+                            </p:childTnLst>
+                          </p:cTn>
+                        </p:par>
+                      </p:childTnLst>
+                    </p:cTn>
+                  </p:par>
+                  <p:par>
+                    <p:cTn id="8" fill="hold">
+                      <p:stCondLst>
+                        <p:cond delay="indefinite"/>
+                      </p:stCondLst>
+                      <p:childTnLst>
+                        <p:par>
+                          <p:cTn id="9" fill="hold">
+                            <p:stCondLst>
+                              <p:cond delay="0"/>
+                            </p:stCondLst>
+                            <p:childTnLst>
+                              <p:par>
+                                <p:cTn id="10" presetID="22" presetClass="entr" presetSubtype="4" fill="hold" nodeType="clickEffect">
+                                  <p:stCondLst>
+                                    <p:cond delay="0"/>
+                                  </p:stCondLst>
+                                  <p:childTnLst>
+                                    <p:set>
+                                      <p:cBhvr>
+                                        <p:cTn id="11" dur="1" fill="hold">
+                                          <p:stCondLst>
+                                            <p:cond delay="0"/>
+                                          </p:stCondLst>
+                                        </p:cTn>
+                                        <p:tgtEl>
+                                          <p:spTgt spid="16"/>
+                                        </p:tgtEl>
+                                        <p:attrNameLst>
+                                          <p:attrName>style.visibility</p:attrName>
+                                        </p:attrNameLst>
+                                      </p:cBhvr>
+                                      <p:to>
+                                        <p:strVal val="visible"/>
+                                      </p:to>
+                                    </p:set>
+                                    <p:animEffect transition="in" filter="wipe(down)">
+                                      <p:cBhvr>
+                                        <p:cTn id="12" dur="500"/>
+                                        <p:tgtEl>
+                                          <p:spTgt spid="16"/>
+                                        </p:tgtEl>
+                                      </p:cBhvr>
+                                    </p:animEffect>
+                                  </p:childTnLst>
+                                </p:cTn>
+                              </p:par>
+                            </p:childTnLst>
+                          </p:cTn>
+                        </p:par>
+                      </p:childTnLst>
+                    </p:cTn>
+                  </p:par>
+                  <p:par>
+                    <p:cTn id="13" fill="hold">
+                      <p:stCondLst>
+                        <p:cond delay="indefinite"/>
+                      </p:stCondLst>
+                      <p:childTnLst>
+                        <p:par>
+                          <p:cTn id="14" fill="hold">
+                            <p:stCondLst>
+                              <p:cond delay="0"/>
+                            </p:stCondLst>
+                            <p:childTnLst>
+                              <p:par>
+                                <p:cTn id="15" presetID="10" presetClass="entr" presetSubtype="0" fill="hold" nodeType="clickEffect">
+                                  <p:stCondLst>
+                                    <p:cond delay="0"/>
+                                  </p:stCondLst>
+                                  <p:childTnLst>
+                                    <p:set>
+                                      <p:cBhvr>
+                                        <p:cTn id="16" dur="1" fill="hold">
+                                          <p:stCondLst>
+                                            <p:cond delay="0"/>
+                                          </p:stCondLst>
+                                        </p:cTn>
+                                        <p:tgtEl>
+                                          <p:spTgt spid="11"/>
+                                        </p:tgtEl>
+                                        <p:attrNameLst>
+                                          <p:attrName>style.visibility</p:attrName>
+                                        </p:attrNameLst>
+                                      </p:cBhvr>
+                                      <p:to>
+                                        <p:strVal val="visible"/>
+                                      </p:to>
+                                    </p:set>
+                                    <p:animEffect transition="in" filter="fade">
+                                      <p:cBhvr>
+                                        <p:cTn id="17" dur="500"/>
+                                        <p:tgtEl>
+                                          <p:spTgt spid="11"/>
+                                        </p:tgtEl>
+                                      </p:cBhvr>
+                                    </p:animEffect>
+                                  </p:childTnLst>
+                                </p:cTn>
+                              </p:par>
+                            </p:childTnLst>
+                          </p:cTn>
+                        </p:par>
+                      </p:childTnLst>
+                    </p:cTn>
+                  </p:par>
+                </p:childTnLst>
+              </p:cTn>
+              <p:prevCondLst>
+                <p:cond evt="onPrev" delay="0">
+                  <p:tgtEl>
+                    <p:sldTgt/>
+                  </p:tgtEl>
+                </p:cond>
+              </p:prevCondLst>
+              <p:nextCondLst>
+                <p:cond evt="onNext" delay="0">
+                  <p:tgtEl>
+                    <p:sldTgt/>
+                  </p:tgtEl>
+                </p:cond>
+              </p:nextCondLst>
+            </p:seq>
+          </p:childTnLst>
+        </p:cTn>
+      </p:par>
+    </p:tnLst>
+  </p:timing>
+</p:sld>
+</file>
+
 <file path=ppt/slides/slide8.xml><?xml version="1.0" encoding="utf-8"?>
 <p:sld xmlns:a="http://schemas.openxmlformats.org/drawingml/2006/main" xmlns:r="http://schemas.openxmlformats.org/officeDocument/2006/relationships" xmlns:p="http://schemas.openxmlformats.org/presentationml/2006/main">
   <p:cSld>
@@ -10223,6 +10679,67 @@
           <a:chExt cx="0" cy="0"/>
         </a:xfrm>
       </p:grpSpPr>
+      <p:pic>
+        <p:nvPicPr>
+          <p:cNvPr id="9" name="图片 8"/>
+          <p:cNvPicPr>
+            <a:picLocks noChangeAspect="1"/>
+          </p:cNvPicPr>
+          <p:nvPr/>
+        </p:nvPicPr>
+        <p:blipFill>
+          <a:blip r:embed="rId2"/>
+          <a:stretch>
+            <a:fillRect/>
+          </a:stretch>
+        </p:blipFill>
+        <p:spPr>
+          <a:xfrm>
+            <a:off x="0" y="0"/>
+            <a:ext cx="12192000" cy="6823506"/>
+          </a:xfrm>
+          <a:prstGeom prst="rect">
+            <a:avLst/>
+          </a:prstGeom>
+        </p:spPr>
+      </p:pic>
+    </p:spTree>
+    <p:extLst>
+      <p:ext uri="{BB962C8B-B14F-4D97-AF65-F5344CB8AC3E}">
+        <p14:creationId xmlns:p14="http://schemas.microsoft.com/office/powerpoint/2010/main" val="103806033"/>
+      </p:ext>
+    </p:extLst>
+  </p:cSld>
+  <p:clrMapOvr>
+    <a:masterClrMapping/>
+  </p:clrMapOvr>
+  <p:timing>
+    <p:tnLst>
+      <p:par>
+        <p:cTn id="1" dur="indefinite" restart="never" nodeType="tmRoot"/>
+      </p:par>
+    </p:tnLst>
+  </p:timing>
+</p:sld>
+</file>
+
+<file path=ppt/slides/slide9.xml><?xml version="1.0" encoding="utf-8"?>
+<p:sld xmlns:a="http://schemas.openxmlformats.org/drawingml/2006/main" xmlns:r="http://schemas.openxmlformats.org/officeDocument/2006/relationships" xmlns:p="http://schemas.openxmlformats.org/presentationml/2006/main">
+  <p:cSld>
+    <p:spTree>
+      <p:nvGrpSpPr>
+        <p:cNvPr id="1" name=""/>
+        <p:cNvGrpSpPr/>
+        <p:nvPr/>
+      </p:nvGrpSpPr>
+      <p:grpSpPr>
+        <a:xfrm>
+          <a:off x="0" y="0"/>
+          <a:ext cx="0" cy="0"/>
+          <a:chOff x="0" y="0"/>
+          <a:chExt cx="0" cy="0"/>
+        </a:xfrm>
+      </p:grpSpPr>
       <p:sp>
         <p:nvSpPr>
           <p:cNvPr id="5" name="标题 4"/>
@@ -10301,7 +10818,7 @@
           <a:graphicData uri="http://schemas.openxmlformats.org/presentationml/2006/ole">
             <mc:AlternateContent xmlns:mc="http://schemas.openxmlformats.org/markup-compatibility/2006">
               <mc:Choice xmlns:v="urn:schemas-microsoft-com:vml" Requires="v">
-                <p:oleObj spid="_x0000_s6272" name="Equation" r:id="rId3" imgW="164880" imgH="228600" progId="Equation.DSMT4">
+                <p:oleObj spid="_x0000_s6336" name="Equation" r:id="rId3" imgW="164880" imgH="228600" progId="Equation.DSMT4">
                   <p:embed/>
                 </p:oleObj>
               </mc:Choice>
@@ -10345,20 +10862,20 @@
           <p:nvPr>
             <p:extLst>
               <p:ext uri="{D42A27DB-BD31-4B8C-83A1-F6EECF244321}">
-                <p14:modId xmlns:p14="http://schemas.microsoft.com/office/powerpoint/2010/main" val="4089550754"/>
+                <p14:modId xmlns:p14="http://schemas.microsoft.com/office/powerpoint/2010/main" val="1942103233"/>
               </p:ext>
             </p:extLst>
           </p:nvPr>
         </p:nvGraphicFramePr>
         <p:xfrm>
-          <a:off x="1275736" y="3204165"/>
+          <a:off x="1276350" y="3203575"/>
           <a:ext cx="2489200" cy="650875"/>
         </p:xfrm>
         <a:graphic>
           <a:graphicData uri="http://schemas.openxmlformats.org/presentationml/2006/ole">
             <mc:AlternateContent xmlns:mc="http://schemas.openxmlformats.org/markup-compatibility/2006">
               <mc:Choice xmlns:v="urn:schemas-microsoft-com:vml" Requires="v">
-                <p:oleObj spid="_x0000_s6273" name="Equation" r:id="rId5" imgW="1650960" imgH="431640" progId="Equation.DSMT4">
+                <p:oleObj spid="_x0000_s6337" name="Equation" r:id="rId5" imgW="1650960" imgH="431640" progId="Equation.DSMT4">
                   <p:embed/>
                 </p:oleObj>
               </mc:Choice>
@@ -10379,7 +10896,7 @@
                     </p:blipFill>
                     <p:spPr>
                       <a:xfrm>
-                        <a:off x="1275736" y="3204165"/>
+                        <a:off x="1276350" y="3203575"/>
                         <a:ext cx="2489200" cy="650875"/>
                       </a:xfrm>
                       <a:prstGeom prst="rect">
@@ -10460,7 +10977,7 @@
           <a:graphicData uri="http://schemas.openxmlformats.org/presentationml/2006/ole">
             <mc:AlternateContent xmlns:mc="http://schemas.openxmlformats.org/markup-compatibility/2006">
               <mc:Choice xmlns:v="urn:schemas-microsoft-com:vml" Requires="v">
-                <p:oleObj spid="_x0000_s6274" name="Equation" r:id="rId7" imgW="1104840" imgH="177480" progId="Equation.DSMT4">
+                <p:oleObj spid="_x0000_s6338" name="Equation" r:id="rId7" imgW="1104840" imgH="177480" progId="Equation.DSMT4">
                   <p:embed/>
                 </p:oleObj>
               </mc:Choice>
@@ -10517,7 +11034,7 @@
           <a:graphicData uri="http://schemas.openxmlformats.org/presentationml/2006/ole">
             <mc:AlternateContent xmlns:mc="http://schemas.openxmlformats.org/markup-compatibility/2006">
               <mc:Choice xmlns:v="urn:schemas-microsoft-com:vml" Requires="v">
-                <p:oleObj spid="_x0000_s6275" name="Equation" r:id="rId9" imgW="1612800" imgH="431640" progId="Equation.DSMT4">
+                <p:oleObj spid="_x0000_s6339" name="Equation" r:id="rId9" imgW="1612800" imgH="431640" progId="Equation.DSMT4">
                   <p:embed/>
                 </p:oleObj>
               </mc:Choice>
@@ -10574,7 +11091,7 @@
           <a:graphicData uri="http://schemas.openxmlformats.org/presentationml/2006/ole">
             <mc:AlternateContent xmlns:mc="http://schemas.openxmlformats.org/markup-compatibility/2006">
               <mc:Choice xmlns:v="urn:schemas-microsoft-com:vml" Requires="v">
-                <p:oleObj spid="_x0000_s6276" name="Equation" r:id="rId11" imgW="1549080" imgH="838080" progId="Equation.DSMT4">
+                <p:oleObj spid="_x0000_s6340" name="Equation" r:id="rId11" imgW="1549080" imgH="838080" progId="Equation.DSMT4">
                   <p:embed/>
                 </p:oleObj>
               </mc:Choice>
@@ -10618,20 +11135,20 @@
           <p:nvPr>
             <p:extLst>
               <p:ext uri="{D42A27DB-BD31-4B8C-83A1-F6EECF244321}">
-                <p14:modId xmlns:p14="http://schemas.microsoft.com/office/powerpoint/2010/main" val="2021762627"/>
+                <p14:modId xmlns:p14="http://schemas.microsoft.com/office/powerpoint/2010/main" val="3836747463"/>
               </p:ext>
             </p:extLst>
           </p:nvPr>
         </p:nvGraphicFramePr>
         <p:xfrm>
-          <a:off x="4882673" y="5089631"/>
+          <a:off x="4799709" y="5089631"/>
           <a:ext cx="2487613" cy="779463"/>
         </p:xfrm>
         <a:graphic>
           <a:graphicData uri="http://schemas.openxmlformats.org/presentationml/2006/ole">
             <mc:AlternateContent xmlns:mc="http://schemas.openxmlformats.org/markup-compatibility/2006">
               <mc:Choice xmlns:v="urn:schemas-microsoft-com:vml" Requires="v">
-                <p:oleObj spid="_x0000_s6277" name="Equation" r:id="rId13" imgW="1333440" imgH="419040" progId="Equation.DSMT4">
+                <p:oleObj spid="_x0000_s6341" name="Equation" r:id="rId13" imgW="1333440" imgH="419040" progId="Equation.DSMT4">
                   <p:embed/>
                 </p:oleObj>
               </mc:Choice>
@@ -10652,7 +11169,7 @@
                     </p:blipFill>
                     <p:spPr>
                       <a:xfrm>
-                        <a:off x="4882673" y="5089631"/>
+                        <a:off x="4799709" y="5089631"/>
                         <a:ext cx="2487613" cy="779463"/>
                       </a:xfrm>
                       <a:prstGeom prst="rect">
@@ -10688,7 +11205,7 @@
           <a:graphicData uri="http://schemas.openxmlformats.org/presentationml/2006/ole">
             <mc:AlternateContent xmlns:mc="http://schemas.openxmlformats.org/markup-compatibility/2006">
               <mc:Choice xmlns:v="urn:schemas-microsoft-com:vml" Requires="v">
-                <p:oleObj spid="_x0000_s6278" name="Equation" r:id="rId15" imgW="1841400" imgH="228600" progId="Equation.DSMT4">
+                <p:oleObj spid="_x0000_s6342" name="Equation" r:id="rId15" imgW="1841400" imgH="228600" progId="Equation.DSMT4">
                   <p:embed/>
                 </p:oleObj>
               </mc:Choice>
@@ -10727,162 +11244,6 @@
     <p:extLst>
       <p:ext uri="{BB962C8B-B14F-4D97-AF65-F5344CB8AC3E}">
         <p14:creationId xmlns:p14="http://schemas.microsoft.com/office/powerpoint/2010/main" val="2835170636"/>
-      </p:ext>
-    </p:extLst>
-  </p:cSld>
-  <p:clrMapOvr>
-    <a:masterClrMapping/>
-  </p:clrMapOvr>
-  <p:timing>
-    <p:tnLst>
-      <p:par>
-        <p:cTn id="1" dur="indefinite" restart="never" nodeType="tmRoot"/>
-      </p:par>
-    </p:tnLst>
-  </p:timing>
-</p:sld>
-</file>
-
-<file path=ppt/slides/slide9.xml><?xml version="1.0" encoding="utf-8"?>
-<p:sld xmlns:a="http://schemas.openxmlformats.org/drawingml/2006/main" xmlns:r="http://schemas.openxmlformats.org/officeDocument/2006/relationships" xmlns:p="http://schemas.openxmlformats.org/presentationml/2006/main">
-  <p:cSld>
-    <p:spTree>
-      <p:nvGrpSpPr>
-        <p:cNvPr id="1" name=""/>
-        <p:cNvGrpSpPr/>
-        <p:nvPr/>
-      </p:nvGrpSpPr>
-      <p:grpSpPr>
-        <a:xfrm>
-          <a:off x="0" y="0"/>
-          <a:ext cx="0" cy="0"/>
-          <a:chOff x="0" y="0"/>
-          <a:chExt cx="0" cy="0"/>
-        </a:xfrm>
-      </p:grpSpPr>
-      <p:sp>
-        <p:nvSpPr>
-          <p:cNvPr id="5" name="标题 4"/>
-          <p:cNvSpPr>
-            <a:spLocks noGrp="1"/>
-          </p:cNvSpPr>
-          <p:nvPr>
-            <p:ph type="title"/>
-          </p:nvPr>
-        </p:nvSpPr>
-        <p:spPr/>
-        <p:txBody>
-          <a:bodyPr/>
-          <a:lstStyle/>
-          <a:p>
-            <a:r>
-              <a:rPr lang="zh-CN" altLang="en-US" dirty="0" smtClean="0"/>
-              <a:t>模型检验</a:t>
-            </a:r>
-            <a:endParaRPr lang="zh-CN" altLang="en-US" dirty="0"/>
-          </a:p>
-        </p:txBody>
-      </p:sp>
-      <p:sp>
-        <p:nvSpPr>
-          <p:cNvPr id="6" name="内容占位符 5"/>
-          <p:cNvSpPr>
-            <a:spLocks noGrp="1"/>
-          </p:cNvSpPr>
-          <p:nvPr>
-            <p:ph idx="1"/>
-          </p:nvPr>
-        </p:nvSpPr>
-        <p:spPr/>
-        <p:txBody>
-          <a:bodyPr/>
-          <a:lstStyle/>
-          <a:p>
-            <a:r>
-              <a:rPr lang="zh-CN" altLang="en-US" dirty="0" smtClean="0"/>
-              <a:t>拟合优度检验</a:t>
-            </a:r>
-            <a:endParaRPr lang="zh-CN" altLang="en-US" dirty="0"/>
-          </a:p>
-        </p:txBody>
-      </p:sp>
-      <p:pic>
-        <p:nvPicPr>
-          <p:cNvPr id="7" name="图片 6"/>
-          <p:cNvPicPr>
-            <a:picLocks noChangeAspect="1"/>
-          </p:cNvPicPr>
-          <p:nvPr/>
-        </p:nvPicPr>
-        <p:blipFill rotWithShape="1">
-          <a:blip r:embed="rId2"/>
-          <a:srcRect b="11824"/>
-          <a:stretch/>
-        </p:blipFill>
-        <p:spPr>
-          <a:xfrm>
-            <a:off x="1665461" y="5834652"/>
-            <a:ext cx="2257425" cy="965859"/>
-          </a:xfrm>
-          <a:prstGeom prst="rect">
-            <a:avLst/>
-          </a:prstGeom>
-        </p:spPr>
-      </p:pic>
-      <p:sp>
-        <p:nvSpPr>
-          <p:cNvPr id="8" name="圆角矩形标注 7"/>
-          <p:cNvSpPr/>
-          <p:nvPr/>
-        </p:nvSpPr>
-        <p:spPr>
-          <a:xfrm>
-            <a:off x="9523801" y="1122030"/>
-            <a:ext cx="1694985" cy="869795"/>
-          </a:xfrm>
-          <a:prstGeom prst="wedgeRoundRectCallout">
-            <a:avLst/>
-          </a:prstGeom>
-        </p:spPr>
-        <p:style>
-          <a:lnRef idx="2">
-            <a:schemeClr val="dk1"/>
-          </a:lnRef>
-          <a:fillRef idx="1">
-            <a:schemeClr val="lt1"/>
-          </a:fillRef>
-          <a:effectRef idx="0">
-            <a:schemeClr val="dk1"/>
-          </a:effectRef>
-          <a:fontRef idx="minor">
-            <a:schemeClr val="dk1"/>
-          </a:fontRef>
-        </p:style>
-        <p:txBody>
-          <a:bodyPr rtlCol="0" anchor="ctr"/>
-          <a:lstStyle/>
-          <a:p>
-            <a:pPr algn="ctr"/>
-            <a:r>
-              <a:rPr lang="en-US" altLang="zh-CN" dirty="0" smtClean="0"/>
-              <a:t>MSE</a:t>
-            </a:r>
-            <a:r>
-              <a:rPr lang="zh-CN" altLang="en-US" dirty="0" smtClean="0"/>
-              <a:t>：</a:t>
-            </a:r>
-            <a:r>
-              <a:rPr lang="en-US" altLang="zh-CN" dirty="0" smtClean="0"/>
-              <a:t>mean squared errors </a:t>
-            </a:r>
-            <a:endParaRPr lang="zh-CN" altLang="en-US" dirty="0"/>
-          </a:p>
-        </p:txBody>
-      </p:sp>
-    </p:spTree>
-    <p:extLst>
-      <p:ext uri="{BB962C8B-B14F-4D97-AF65-F5344CB8AC3E}">
-        <p14:creationId xmlns:p14="http://schemas.microsoft.com/office/powerpoint/2010/main" val="4211316793"/>
       </p:ext>
     </p:extLst>
   </p:cSld>

--- a/数据分析-7-预测.pptx
+++ b/数据分析-7-预测.pptx
@@ -6598,7 +6598,7 @@
           <a:graphicData uri="http://schemas.openxmlformats.org/presentationml/2006/ole">
             <mc:AlternateContent xmlns:mc="http://schemas.openxmlformats.org/markup-compatibility/2006">
               <mc:Choice xmlns:v="urn:schemas-microsoft-com:vml" Requires="v">
-                <p:oleObj spid="_x0000_s11290" name="Equation" r:id="rId3" imgW="1866600" imgH="431640" progId="Equation.DSMT4">
+                <p:oleObj spid="_x0000_s11292" name="Equation" r:id="rId3" imgW="1866600" imgH="431640" progId="Equation.DSMT4">
                   <p:embed/>
                 </p:oleObj>
               </mc:Choice>
@@ -6655,7 +6655,7 @@
           <a:graphicData uri="http://schemas.openxmlformats.org/presentationml/2006/ole">
             <mc:AlternateContent xmlns:mc="http://schemas.openxmlformats.org/markup-compatibility/2006">
               <mc:Choice xmlns:v="urn:schemas-microsoft-com:vml" Requires="v">
-                <p:oleObj spid="_x0000_s11291" name="Equation" r:id="rId5" imgW="2031840" imgH="482400" progId="Equation.DSMT4">
+                <p:oleObj spid="_x0000_s11293" name="Equation" r:id="rId5" imgW="2031840" imgH="482400" progId="Equation.DSMT4">
                   <p:embed/>
                 </p:oleObj>
               </mc:Choice>
@@ -7653,7 +7653,7 @@
           <a:graphicData uri="http://schemas.openxmlformats.org/presentationml/2006/ole">
             <mc:AlternateContent xmlns:mc="http://schemas.openxmlformats.org/markup-compatibility/2006">
               <mc:Choice xmlns:v="urn:schemas-microsoft-com:vml" Requires="v">
-                <p:oleObj spid="_x0000_s13329" name="Equation" r:id="rId3" imgW="1206360" imgH="203040" progId="Equation.DSMT4">
+                <p:oleObj spid="_x0000_s13336" name="Equation" r:id="rId3" imgW="1206360" imgH="203040" progId="Equation.DSMT4">
                   <p:embed/>
                 </p:oleObj>
               </mc:Choice>
@@ -7688,29 +7688,6 @@
           </a:graphicData>
         </a:graphic>
       </p:graphicFrame>
-      <p:pic>
-        <p:nvPicPr>
-          <p:cNvPr id="7" name="图片 6"/>
-          <p:cNvPicPr>
-            <a:picLocks noChangeAspect="1"/>
-          </p:cNvPicPr>
-          <p:nvPr/>
-        </p:nvPicPr>
-        <p:blipFill rotWithShape="1">
-          <a:blip r:embed="rId5"/>
-          <a:srcRect t="-5288" r="6200" b="-1"/>
-          <a:stretch/>
-        </p:blipFill>
-        <p:spPr>
-          <a:xfrm>
-            <a:off x="5093752" y="1737360"/>
-            <a:ext cx="3957857" cy="860874"/>
-          </a:xfrm>
-          <a:prstGeom prst="rect">
-            <a:avLst/>
-          </a:prstGeom>
-        </p:spPr>
-      </p:pic>
       <p:graphicFrame>
         <p:nvGraphicFramePr>
           <p:cNvPr id="8" name="对象 7"/>
@@ -7733,12 +7710,12 @@
           <a:graphicData uri="http://schemas.openxmlformats.org/presentationml/2006/ole">
             <mc:AlternateContent xmlns:mc="http://schemas.openxmlformats.org/markup-compatibility/2006">
               <mc:Choice xmlns:v="urn:schemas-microsoft-com:vml" Requires="v">
-                <p:oleObj spid="_x0000_s13330" name="Equation" r:id="rId6" imgW="1777680" imgH="622080" progId="Equation.DSMT4">
+                <p:oleObj spid="_x0000_s13337" name="Equation" r:id="rId5" imgW="1777680" imgH="622080" progId="Equation.DSMT4">
                   <p:embed/>
                 </p:oleObj>
               </mc:Choice>
               <mc:Fallback>
-                <p:oleObj name="Equation" r:id="rId6" imgW="1777680" imgH="622080" progId="Equation.DSMT4">
+                <p:oleObj name="Equation" r:id="rId5" imgW="1777680" imgH="622080" progId="Equation.DSMT4">
                   <p:embed/>
                   <p:pic>
                     <p:nvPicPr>
@@ -7747,7 +7724,7 @@
                       <p:nvPr/>
                     </p:nvPicPr>
                     <p:blipFill>
-                      <a:blip r:embed="rId7"/>
+                      <a:blip r:embed="rId6"/>
                       <a:stretch>
                         <a:fillRect/>
                       </a:stretch>
@@ -7768,8 +7745,8 @@
           </a:graphicData>
         </a:graphic>
       </p:graphicFrame>
-      <mc:AlternateContent xmlns:mc="http://schemas.openxmlformats.org/markup-compatibility/2006">
-        <mc:Choice xmlns:a14="http://schemas.microsoft.com/office/drawing/2010/main" Requires="a14">
+      <mc:AlternateContent xmlns:mc="http://schemas.openxmlformats.org/markup-compatibility/2006" xmlns:a14="http://schemas.microsoft.com/office/drawing/2010/main">
+        <mc:Choice Requires="a14">
           <p:sp>
             <p:nvSpPr>
               <p:cNvPr id="9" name="矩形 8"/>
@@ -7796,7 +7773,7 @@
                     <m:sSub>
                       <m:sSubPr>
                         <m:ctrlPr>
-                          <a:rPr lang="zh-CN" altLang="en-US">
+                          <a:rPr lang="zh-CN" altLang="en-US" i="1">
                             <a:latin typeface="Cambria Math" panose="02040503050406030204" pitchFamily="18" charset="0"/>
                           </a:rPr>
                         </m:ctrlPr>
@@ -7806,7 +7783,7 @@
                           <m:accPr>
                             <m:chr m:val="̂"/>
                             <m:ctrlPr>
-                              <a:rPr lang="zh-CN" altLang="en-US">
+                              <a:rPr lang="zh-CN" altLang="en-US" i="1">
                                 <a:latin typeface="Cambria Math" panose="02040503050406030204" pitchFamily="18" charset="0"/>
                               </a:rPr>
                             </m:ctrlPr>
@@ -7841,7 +7818,7 @@
             </p:txBody>
           </p:sp>
         </mc:Choice>
-        <mc:Fallback>
+        <mc:Fallback xmlns="">
           <p:sp>
             <p:nvSpPr>
               <p:cNvPr id="9" name="矩形 8"/>
@@ -7902,7 +7879,7 @@
           <a:graphicData uri="http://schemas.openxmlformats.org/presentationml/2006/ole">
             <mc:AlternateContent xmlns:mc="http://schemas.openxmlformats.org/markup-compatibility/2006">
               <mc:Choice xmlns:v="urn:schemas-microsoft-com:vml" Requires="v">
-                <p:oleObj spid="_x0000_s13331" name="Equation" r:id="rId9" imgW="495000" imgH="203040" progId="Equation.DSMT4">
+                <p:oleObj spid="_x0000_s13338" name="Equation" r:id="rId9" imgW="495000" imgH="203040" progId="Equation.DSMT4">
                   <p:embed/>
                 </p:oleObj>
               </mc:Choice>
@@ -7937,8 +7914,8 @@
           </a:graphicData>
         </a:graphic>
       </p:graphicFrame>
-      <mc:AlternateContent xmlns:mc="http://schemas.openxmlformats.org/markup-compatibility/2006">
-        <mc:Choice xmlns:a14="http://schemas.microsoft.com/office/drawing/2010/main" Requires="a14">
+      <mc:AlternateContent xmlns:mc="http://schemas.openxmlformats.org/markup-compatibility/2006" xmlns:a14="http://schemas.microsoft.com/office/drawing/2010/main">
+        <mc:Choice Requires="a14">
           <p:sp>
             <p:nvSpPr>
               <p:cNvPr id="12" name="矩形 11"/>
@@ -7965,7 +7942,7 @@
                     <m:f>
                       <m:fPr>
                         <m:ctrlPr>
-                          <a:rPr lang="zh-CN" altLang="en-US" sz="2400">
+                          <a:rPr lang="zh-CN" altLang="en-US" sz="2400" i="1">
                             <a:latin typeface="Cambria Math" panose="02040503050406030204" pitchFamily="18" charset="0"/>
                           </a:rPr>
                         </m:ctrlPr>
@@ -7974,7 +7951,7 @@
                         <m:sSub>
                           <m:sSubPr>
                             <m:ctrlPr>
-                              <a:rPr lang="zh-CN" altLang="en-US" sz="2400">
+                              <a:rPr lang="zh-CN" altLang="en-US" sz="2400" i="1">
                                 <a:latin typeface="Cambria Math" panose="02040503050406030204" pitchFamily="18" charset="0"/>
                               </a:rPr>
                             </m:ctrlPr>
@@ -8115,7 +8092,7 @@
             </p:txBody>
           </p:sp>
         </mc:Choice>
-        <mc:Fallback>
+        <mc:Fallback xmlns="">
           <p:sp>
             <p:nvSpPr>
               <p:cNvPr id="12" name="矩形 11"/>
@@ -8176,7 +8153,7 @@
           <a:graphicData uri="http://schemas.openxmlformats.org/presentationml/2006/ole">
             <mc:AlternateContent xmlns:mc="http://schemas.openxmlformats.org/markup-compatibility/2006">
               <mc:Choice xmlns:v="urn:schemas-microsoft-com:vml" Requires="v">
-                <p:oleObj spid="_x0000_s13332" name="Equation" r:id="rId12" imgW="1269720" imgH="228600" progId="Equation.DSMT4">
+                <p:oleObj spid="_x0000_s13339" name="Equation" r:id="rId12" imgW="1269720" imgH="228600" progId="Equation.DSMT4">
                   <p:embed/>
                 </p:oleObj>
               </mc:Choice>
@@ -8275,7 +8252,7 @@
           <a:graphicData uri="http://schemas.openxmlformats.org/presentationml/2006/ole">
             <mc:AlternateContent xmlns:mc="http://schemas.openxmlformats.org/markup-compatibility/2006">
               <mc:Choice xmlns:v="urn:schemas-microsoft-com:vml" Requires="v">
-                <p:oleObj spid="_x0000_s13333" name="Equation" r:id="rId14" imgW="850680" imgH="342720" progId="Equation.DSMT4">
+                <p:oleObj spid="_x0000_s13340" name="Equation" r:id="rId14" imgW="850680" imgH="342720" progId="Equation.DSMT4">
                   <p:embed/>
                 </p:oleObj>
               </mc:Choice>
@@ -8345,6 +8322,427 @@
               <a:t>时</a:t>
             </a:r>
             <a:endParaRPr lang="zh-CN" altLang="en-US" dirty="0"/>
+          </a:p>
+        </p:txBody>
+      </p:sp>
+      <p:sp>
+        <p:nvSpPr>
+          <p:cNvPr id="11" name="Rectangle 22"/>
+          <p:cNvSpPr>
+            <a:spLocks noChangeArrowheads="1"/>
+          </p:cNvSpPr>
+          <p:nvPr/>
+        </p:nvSpPr>
+        <p:spPr bwMode="auto">
+          <a:xfrm>
+            <a:off x="3954515" y="1046736"/>
+            <a:ext cx="7201165" cy="738664"/>
+          </a:xfrm>
+          <a:prstGeom prst="rect">
+            <a:avLst/>
+          </a:prstGeom>
+          <a:solidFill>
+            <a:srgbClr val="FFFFFF"/>
+          </a:solidFill>
+          <a:ln>
+            <a:noFill/>
+          </a:ln>
+          <a:effectLst/>
+          <a:extLst>
+            <a:ext uri="{91240B29-F687-4F45-9708-019B960494DF}">
+              <a14:hiddenLine xmlns:a14="http://schemas.microsoft.com/office/drawing/2010/main" w="9525">
+                <a:solidFill>
+                  <a:schemeClr val="tx1"/>
+                </a:solidFill>
+                <a:miter lim="800000"/>
+                <a:headEnd/>
+                <a:tailEnd/>
+              </a14:hiddenLine>
+            </a:ext>
+            <a:ext uri="{AF507438-7753-43E0-B8FC-AC1667EBCBE1}">
+              <a14:hiddenEffects xmlns:a14="http://schemas.microsoft.com/office/drawing/2010/main">
+                <a:effectLst>
+                  <a:outerShdw dist="35921" dir="2700000" algn="ctr" rotWithShape="0">
+                    <a:schemeClr val="bg2"/>
+                  </a:outerShdw>
+                </a:effectLst>
+              </a14:hiddenEffects>
+            </a:ext>
+          </a:extLst>
+        </p:spPr>
+        <p:txBody>
+          <a:bodyPr vert="horz" wrap="square" lIns="0" tIns="0" rIns="0" bIns="0" numCol="1" anchor="ctr" anchorCtr="0" compatLnSpc="1">
+            <a:prstTxWarp prst="textNoShape">
+              <a:avLst/>
+            </a:prstTxWarp>
+            <a:spAutoFit/>
+          </a:bodyPr>
+          <a:lstStyle/>
+          <a:p>
+            <a:pPr marL="0" marR="0" lvl="0" indent="0" algn="l" defTabSz="914400" rtl="0" eaLnBrk="0" fontAlgn="base" latinLnBrk="0" hangingPunct="0">
+              <a:lnSpc>
+                <a:spcPct val="100000"/>
+              </a:lnSpc>
+              <a:spcBef>
+                <a:spcPct val="0"/>
+              </a:spcBef>
+              <a:spcAft>
+                <a:spcPct val="0"/>
+              </a:spcAft>
+              <a:buClrTx/>
+              <a:buSzTx/>
+              <a:buFontTx/>
+              <a:buNone/>
+              <a:tabLst/>
+            </a:pPr>
+            <a:r>
+              <a:rPr kumimoji="0" lang="zh-CN" altLang="zh-CN" sz="1200" b="0" i="0" u="none" strike="noStrike" cap="none" normalizeH="0" baseline="0" dirty="0" smtClean="0">
+                <a:ln>
+                  <a:noFill/>
+                </a:ln>
+                <a:solidFill>
+                  <a:srgbClr val="0000FF"/>
+                </a:solidFill>
+                <a:effectLst/>
+                <a:latin typeface="Lucida Console" panose="020B0609040504020204" pitchFamily="49" charset="0"/>
+              </a:rPr>
+              <a:t>&gt; predict(fit,newdata = data.frame(height=75),interval = "prediction",level=0.95) </a:t>
+            </a:r>
+            <a:endParaRPr kumimoji="0" lang="en-US" altLang="zh-CN" sz="1200" b="0" i="0" u="none" strike="noStrike" cap="none" normalizeH="0" baseline="0" dirty="0" smtClean="0">
+              <a:ln>
+                <a:noFill/>
+              </a:ln>
+              <a:solidFill>
+                <a:srgbClr val="0000FF"/>
+              </a:solidFill>
+              <a:effectLst/>
+              <a:latin typeface="Lucida Console" panose="020B0609040504020204" pitchFamily="49" charset="0"/>
+            </a:endParaRPr>
+          </a:p>
+          <a:p>
+            <a:pPr marL="0" marR="0" lvl="0" indent="0" algn="l" defTabSz="914400" rtl="0" eaLnBrk="0" fontAlgn="base" latinLnBrk="0" hangingPunct="0">
+              <a:lnSpc>
+                <a:spcPct val="100000"/>
+              </a:lnSpc>
+              <a:spcBef>
+                <a:spcPct val="0"/>
+              </a:spcBef>
+              <a:spcAft>
+                <a:spcPct val="0"/>
+              </a:spcAft>
+              <a:buClrTx/>
+              <a:buSzTx/>
+              <a:buFontTx/>
+              <a:buNone/>
+              <a:tabLst/>
+            </a:pPr>
+            <a:r>
+              <a:rPr kumimoji="0" lang="en-US" altLang="zh-CN" sz="1200" b="0" i="0" u="none" strike="noStrike" cap="none" normalizeH="0" baseline="0" dirty="0" smtClean="0">
+                <a:ln>
+                  <a:noFill/>
+                </a:ln>
+                <a:solidFill>
+                  <a:srgbClr val="000000"/>
+                </a:solidFill>
+                <a:effectLst/>
+                <a:latin typeface="Lucida Console" panose="020B0609040504020204" pitchFamily="49" charset="0"/>
+              </a:rPr>
+              <a:t>  </a:t>
+            </a:r>
+            <a:r>
+              <a:rPr kumimoji="0" lang="zh-CN" altLang="zh-CN" sz="1200" b="0" i="0" u="none" strike="noStrike" cap="none" normalizeH="0" baseline="0" dirty="0" smtClean="0">
+                <a:ln>
+                  <a:noFill/>
+                </a:ln>
+                <a:solidFill>
+                  <a:srgbClr val="000000"/>
+                </a:solidFill>
+                <a:effectLst/>
+                <a:latin typeface="Lucida Console" panose="020B0609040504020204" pitchFamily="49" charset="0"/>
+              </a:rPr>
+              <a:t>fit </a:t>
+            </a:r>
+            <a:r>
+              <a:rPr kumimoji="0" lang="en-US" altLang="zh-CN" sz="1200" b="0" i="0" u="none" strike="noStrike" cap="none" normalizeH="0" baseline="0" dirty="0" smtClean="0">
+                <a:ln>
+                  <a:noFill/>
+                </a:ln>
+                <a:solidFill>
+                  <a:srgbClr val="000000"/>
+                </a:solidFill>
+                <a:effectLst/>
+                <a:latin typeface="Lucida Console" panose="020B0609040504020204" pitchFamily="49" charset="0"/>
+              </a:rPr>
+              <a:t>     </a:t>
+            </a:r>
+            <a:r>
+              <a:rPr kumimoji="0" lang="zh-CN" altLang="zh-CN" sz="1200" b="0" i="0" u="none" strike="noStrike" cap="none" normalizeH="0" baseline="0" dirty="0" smtClean="0">
+                <a:ln>
+                  <a:noFill/>
+                </a:ln>
+                <a:solidFill>
+                  <a:srgbClr val="000000"/>
+                </a:solidFill>
+                <a:effectLst/>
+                <a:latin typeface="Lucida Console" panose="020B0609040504020204" pitchFamily="49" charset="0"/>
+              </a:rPr>
+              <a:t>lwr </a:t>
+            </a:r>
+            <a:r>
+              <a:rPr kumimoji="0" lang="en-US" altLang="zh-CN" sz="1200" b="0" i="0" u="none" strike="noStrike" cap="none" normalizeH="0" baseline="0" dirty="0" smtClean="0">
+                <a:ln>
+                  <a:noFill/>
+                </a:ln>
+                <a:solidFill>
+                  <a:srgbClr val="000000"/>
+                </a:solidFill>
+                <a:effectLst/>
+                <a:latin typeface="Lucida Console" panose="020B0609040504020204" pitchFamily="49" charset="0"/>
+              </a:rPr>
+              <a:t>     </a:t>
+            </a:r>
+            <a:r>
+              <a:rPr kumimoji="0" lang="zh-CN" altLang="zh-CN" sz="1200" b="0" i="0" u="none" strike="noStrike" cap="none" normalizeH="0" baseline="0" dirty="0" smtClean="0">
+                <a:ln>
+                  <a:noFill/>
+                </a:ln>
+                <a:solidFill>
+                  <a:srgbClr val="000000"/>
+                </a:solidFill>
+                <a:effectLst/>
+                <a:latin typeface="Lucida Console" panose="020B0609040504020204" pitchFamily="49" charset="0"/>
+              </a:rPr>
+              <a:t>upr </a:t>
+            </a:r>
+            <a:endParaRPr kumimoji="0" lang="en-US" altLang="zh-CN" sz="1200" b="0" i="0" u="none" strike="noStrike" cap="none" normalizeH="0" baseline="0" dirty="0" smtClean="0">
+              <a:ln>
+                <a:noFill/>
+              </a:ln>
+              <a:solidFill>
+                <a:srgbClr val="000000"/>
+              </a:solidFill>
+              <a:effectLst/>
+              <a:latin typeface="Lucida Console" panose="020B0609040504020204" pitchFamily="49" charset="0"/>
+            </a:endParaRPr>
+          </a:p>
+          <a:p>
+            <a:pPr marL="0" marR="0" lvl="0" indent="0" algn="l" defTabSz="914400" rtl="0" eaLnBrk="0" fontAlgn="base" latinLnBrk="0" hangingPunct="0">
+              <a:lnSpc>
+                <a:spcPct val="100000"/>
+              </a:lnSpc>
+              <a:spcBef>
+                <a:spcPct val="0"/>
+              </a:spcBef>
+              <a:spcAft>
+                <a:spcPct val="0"/>
+              </a:spcAft>
+              <a:buClrTx/>
+              <a:buSzTx/>
+              <a:buFontTx/>
+              <a:buNone/>
+              <a:tabLst/>
+            </a:pPr>
+            <a:r>
+              <a:rPr kumimoji="0" lang="zh-CN" altLang="zh-CN" sz="1200" b="0" i="0" u="none" strike="noStrike" cap="none" normalizeH="0" baseline="0" dirty="0" smtClean="0">
+                <a:ln>
+                  <a:noFill/>
+                </a:ln>
+                <a:solidFill>
+                  <a:srgbClr val="000000"/>
+                </a:solidFill>
+                <a:effectLst/>
+                <a:latin typeface="Lucida Console" panose="020B0609040504020204" pitchFamily="49" charset="0"/>
+              </a:rPr>
+              <a:t>1 171.2333 167.3021 175.1645</a:t>
+            </a:r>
+            <a:endParaRPr kumimoji="0" lang="zh-CN" altLang="zh-CN" sz="2800" b="0" i="0" u="none" strike="noStrike" cap="none" normalizeH="0" baseline="0" dirty="0" smtClean="0">
+              <a:ln>
+                <a:noFill/>
+              </a:ln>
+              <a:solidFill>
+                <a:schemeClr val="tx1"/>
+              </a:solidFill>
+              <a:effectLst/>
+              <a:latin typeface="Arial" panose="020B0604020202020204" pitchFamily="34" charset="0"/>
+            </a:endParaRPr>
+          </a:p>
+        </p:txBody>
+      </p:sp>
+      <p:sp>
+        <p:nvSpPr>
+          <p:cNvPr id="17" name="Rectangle 23"/>
+          <p:cNvSpPr>
+            <a:spLocks noChangeArrowheads="1"/>
+          </p:cNvSpPr>
+          <p:nvPr/>
+        </p:nvSpPr>
+        <p:spPr bwMode="auto">
+          <a:xfrm>
+            <a:off x="3954515" y="214775"/>
+            <a:ext cx="5047857" cy="646331"/>
+          </a:xfrm>
+          <a:prstGeom prst="rect">
+            <a:avLst/>
+          </a:prstGeom>
+          <a:solidFill>
+            <a:srgbClr val="FFFFFF"/>
+          </a:solidFill>
+          <a:ln>
+            <a:noFill/>
+          </a:ln>
+          <a:effectLst/>
+          <a:extLst>
+            <a:ext uri="{91240B29-F687-4F45-9708-019B960494DF}">
+              <a14:hiddenLine xmlns:a14="http://schemas.microsoft.com/office/drawing/2010/main" w="9525">
+                <a:solidFill>
+                  <a:schemeClr val="tx1"/>
+                </a:solidFill>
+                <a:miter lim="800000"/>
+                <a:headEnd/>
+                <a:tailEnd/>
+              </a14:hiddenLine>
+            </a:ext>
+            <a:ext uri="{AF507438-7753-43E0-B8FC-AC1667EBCBE1}">
+              <a14:hiddenEffects xmlns:a14="http://schemas.microsoft.com/office/drawing/2010/main">
+                <a:effectLst>
+                  <a:outerShdw dist="35921" dir="2700000" algn="ctr" rotWithShape="0">
+                    <a:schemeClr val="bg2"/>
+                  </a:outerShdw>
+                </a:effectLst>
+              </a14:hiddenEffects>
+            </a:ext>
+          </a:extLst>
+        </p:spPr>
+        <p:txBody>
+          <a:bodyPr vert="horz" wrap="none" lIns="0" tIns="0" rIns="0" bIns="0" numCol="1" anchor="ctr" anchorCtr="0" compatLnSpc="1">
+            <a:prstTxWarp prst="textNoShape">
+              <a:avLst/>
+            </a:prstTxWarp>
+            <a:spAutoFit/>
+          </a:bodyPr>
+          <a:lstStyle/>
+          <a:p>
+            <a:pPr marL="0" marR="0" lvl="0" indent="0" algn="l" defTabSz="914400" rtl="0" eaLnBrk="0" fontAlgn="base" latinLnBrk="0" hangingPunct="0">
+              <a:lnSpc>
+                <a:spcPct val="100000"/>
+              </a:lnSpc>
+              <a:spcBef>
+                <a:spcPct val="0"/>
+              </a:spcBef>
+              <a:spcAft>
+                <a:spcPct val="0"/>
+              </a:spcAft>
+              <a:buClrTx/>
+              <a:buSzTx/>
+              <a:buFontTx/>
+              <a:buNone/>
+              <a:tabLst/>
+            </a:pPr>
+            <a:r>
+              <a:rPr kumimoji="0" lang="zh-CN" altLang="zh-CN" sz="1400" b="0" i="0" u="none" strike="noStrike" cap="none" normalizeH="0" baseline="0" dirty="0" smtClean="0">
+                <a:ln>
+                  <a:noFill/>
+                </a:ln>
+                <a:solidFill>
+                  <a:srgbClr val="0000FF"/>
+                </a:solidFill>
+                <a:effectLst/>
+                <a:latin typeface="Lucida Console" panose="020B0609040504020204" pitchFamily="49" charset="0"/>
+              </a:rPr>
+              <a:t>&gt; predict(fit,newdata = data.frame(height=75)) </a:t>
+            </a:r>
+            <a:endParaRPr kumimoji="0" lang="en-US" altLang="zh-CN" sz="1400" b="0" i="0" u="none" strike="noStrike" cap="none" normalizeH="0" baseline="0" dirty="0" smtClean="0">
+              <a:ln>
+                <a:noFill/>
+              </a:ln>
+              <a:solidFill>
+                <a:srgbClr val="0000FF"/>
+              </a:solidFill>
+              <a:effectLst/>
+              <a:latin typeface="Lucida Console" panose="020B0609040504020204" pitchFamily="49" charset="0"/>
+            </a:endParaRPr>
+          </a:p>
+          <a:p>
+            <a:pPr marL="0" marR="0" lvl="0" indent="0" algn="l" defTabSz="914400" rtl="0" eaLnBrk="0" fontAlgn="base" latinLnBrk="0" hangingPunct="0">
+              <a:lnSpc>
+                <a:spcPct val="100000"/>
+              </a:lnSpc>
+              <a:spcBef>
+                <a:spcPct val="0"/>
+              </a:spcBef>
+              <a:spcAft>
+                <a:spcPct val="0"/>
+              </a:spcAft>
+              <a:buClrTx/>
+              <a:buSzTx/>
+              <a:buFontTx/>
+              <a:buNone/>
+              <a:tabLst/>
+            </a:pPr>
+            <a:r>
+              <a:rPr kumimoji="0" lang="zh-CN" altLang="zh-CN" sz="1400" b="0" i="0" u="none" strike="noStrike" cap="none" normalizeH="0" baseline="0" dirty="0" smtClean="0">
+                <a:ln>
+                  <a:noFill/>
+                </a:ln>
+                <a:solidFill>
+                  <a:srgbClr val="000000"/>
+                </a:solidFill>
+                <a:effectLst/>
+                <a:latin typeface="Lucida Console" panose="020B0609040504020204" pitchFamily="49" charset="0"/>
+              </a:rPr>
+              <a:t>1 </a:t>
+            </a:r>
+            <a:endParaRPr kumimoji="0" lang="en-US" altLang="zh-CN" sz="1400" b="0" i="0" u="none" strike="noStrike" cap="none" normalizeH="0" baseline="0" dirty="0" smtClean="0">
+              <a:ln>
+                <a:noFill/>
+              </a:ln>
+              <a:solidFill>
+                <a:srgbClr val="000000"/>
+              </a:solidFill>
+              <a:effectLst/>
+              <a:latin typeface="Lucida Console" panose="020B0609040504020204" pitchFamily="49" charset="0"/>
+            </a:endParaRPr>
+          </a:p>
+          <a:p>
+            <a:pPr marL="0" marR="0" lvl="0" indent="0" algn="l" defTabSz="914400" rtl="0" eaLnBrk="0" fontAlgn="base" latinLnBrk="0" hangingPunct="0">
+              <a:lnSpc>
+                <a:spcPct val="100000"/>
+              </a:lnSpc>
+              <a:spcBef>
+                <a:spcPct val="0"/>
+              </a:spcBef>
+              <a:spcAft>
+                <a:spcPct val="0"/>
+              </a:spcAft>
+              <a:buClrTx/>
+              <a:buSzTx/>
+              <a:buFontTx/>
+              <a:buNone/>
+              <a:tabLst/>
+            </a:pPr>
+            <a:r>
+              <a:rPr kumimoji="0" lang="zh-CN" altLang="zh-CN" sz="1400" b="0" i="0" u="none" strike="noStrike" cap="none" normalizeH="0" baseline="0" dirty="0" smtClean="0">
+                <a:ln>
+                  <a:noFill/>
+                </a:ln>
+                <a:solidFill>
+                  <a:srgbClr val="000000"/>
+                </a:solidFill>
+                <a:effectLst/>
+                <a:latin typeface="Lucida Console" panose="020B0609040504020204" pitchFamily="49" charset="0"/>
+              </a:rPr>
+              <a:t>171.2333 </a:t>
+            </a:r>
+            <a:endParaRPr kumimoji="0" lang="zh-CN" altLang="zh-CN" sz="3200" b="0" i="0" u="none" strike="noStrike" cap="none" normalizeH="0" baseline="0" dirty="0" smtClean="0">
+              <a:ln>
+                <a:noFill/>
+              </a:ln>
+              <a:solidFill>
+                <a:schemeClr val="tx1"/>
+              </a:solidFill>
+              <a:effectLst/>
+              <a:latin typeface="Arial" panose="020B0604020202020204" pitchFamily="34" charset="0"/>
+            </a:endParaRPr>
           </a:p>
         </p:txBody>
       </p:sp>
@@ -8475,6 +8873,410 @@
                       </p:childTnLst>
                     </p:cTn>
                   </p:par>
+                  <p:par>
+                    <p:cTn id="13" fill="hold">
+                      <p:stCondLst>
+                        <p:cond delay="indefinite"/>
+                      </p:stCondLst>
+                      <p:childTnLst>
+                        <p:par>
+                          <p:cTn id="14" fill="hold">
+                            <p:stCondLst>
+                              <p:cond delay="0"/>
+                            </p:stCondLst>
+                            <p:childTnLst>
+                              <p:par>
+                                <p:cTn id="15" presetID="10" presetClass="entr" presetSubtype="0" fill="hold" grpId="0" nodeType="clickEffect">
+                                  <p:stCondLst>
+                                    <p:cond delay="0"/>
+                                  </p:stCondLst>
+                                  <p:childTnLst>
+                                    <p:set>
+                                      <p:cBhvr>
+                                        <p:cTn id="16" dur="1" fill="hold">
+                                          <p:stCondLst>
+                                            <p:cond delay="0"/>
+                                          </p:stCondLst>
+                                        </p:cTn>
+                                        <p:tgtEl>
+                                          <p:spTgt spid="17"/>
+                                        </p:tgtEl>
+                                        <p:attrNameLst>
+                                          <p:attrName>style.visibility</p:attrName>
+                                        </p:attrNameLst>
+                                      </p:cBhvr>
+                                      <p:to>
+                                        <p:strVal val="visible"/>
+                                      </p:to>
+                                    </p:set>
+                                    <p:animEffect transition="in" filter="fade">
+                                      <p:cBhvr>
+                                        <p:cTn id="17" dur="500"/>
+                                        <p:tgtEl>
+                                          <p:spTgt spid="17"/>
+                                        </p:tgtEl>
+                                      </p:cBhvr>
+                                    </p:animEffect>
+                                  </p:childTnLst>
+                                </p:cTn>
+                              </p:par>
+                            </p:childTnLst>
+                          </p:cTn>
+                        </p:par>
+                      </p:childTnLst>
+                    </p:cTn>
+                  </p:par>
+                  <p:par>
+                    <p:cTn id="18" fill="hold">
+                      <p:stCondLst>
+                        <p:cond delay="indefinite"/>
+                      </p:stCondLst>
+                      <p:childTnLst>
+                        <p:par>
+                          <p:cTn id="19" fill="hold">
+                            <p:stCondLst>
+                              <p:cond delay="0"/>
+                            </p:stCondLst>
+                            <p:childTnLst>
+                              <p:par>
+                                <p:cTn id="20" presetID="10" presetClass="entr" presetSubtype="0" fill="hold" nodeType="clickEffect">
+                                  <p:stCondLst>
+                                    <p:cond delay="0"/>
+                                  </p:stCondLst>
+                                  <p:childTnLst>
+                                    <p:set>
+                                      <p:cBhvr>
+                                        <p:cTn id="21" dur="1" fill="hold">
+                                          <p:stCondLst>
+                                            <p:cond delay="0"/>
+                                          </p:stCondLst>
+                                        </p:cTn>
+                                        <p:tgtEl>
+                                          <p:spTgt spid="8"/>
+                                        </p:tgtEl>
+                                        <p:attrNameLst>
+                                          <p:attrName>style.visibility</p:attrName>
+                                        </p:attrNameLst>
+                                      </p:cBhvr>
+                                      <p:to>
+                                        <p:strVal val="visible"/>
+                                      </p:to>
+                                    </p:set>
+                                    <p:animEffect transition="in" filter="fade">
+                                      <p:cBhvr>
+                                        <p:cTn id="22" dur="500"/>
+                                        <p:tgtEl>
+                                          <p:spTgt spid="8"/>
+                                        </p:tgtEl>
+                                      </p:cBhvr>
+                                    </p:animEffect>
+                                  </p:childTnLst>
+                                </p:cTn>
+                              </p:par>
+                              <p:par>
+                                <p:cTn id="23" presetID="10" presetClass="entr" presetSubtype="0" fill="hold" grpId="0" nodeType="withEffect">
+                                  <p:stCondLst>
+                                    <p:cond delay="0"/>
+                                  </p:stCondLst>
+                                  <p:childTnLst>
+                                    <p:set>
+                                      <p:cBhvr>
+                                        <p:cTn id="24" dur="1" fill="hold">
+                                          <p:stCondLst>
+                                            <p:cond delay="0"/>
+                                          </p:stCondLst>
+                                        </p:cTn>
+                                        <p:tgtEl>
+                                          <p:spTgt spid="9"/>
+                                        </p:tgtEl>
+                                        <p:attrNameLst>
+                                          <p:attrName>style.visibility</p:attrName>
+                                        </p:attrNameLst>
+                                      </p:cBhvr>
+                                      <p:to>
+                                        <p:strVal val="visible"/>
+                                      </p:to>
+                                    </p:set>
+                                    <p:animEffect transition="in" filter="fade">
+                                      <p:cBhvr>
+                                        <p:cTn id="25" dur="500"/>
+                                        <p:tgtEl>
+                                          <p:spTgt spid="9"/>
+                                        </p:tgtEl>
+                                      </p:cBhvr>
+                                    </p:animEffect>
+                                  </p:childTnLst>
+                                </p:cTn>
+                              </p:par>
+                              <p:par>
+                                <p:cTn id="26" presetID="10" presetClass="entr" presetSubtype="0" fill="hold" nodeType="withEffect">
+                                  <p:stCondLst>
+                                    <p:cond delay="0"/>
+                                  </p:stCondLst>
+                                  <p:childTnLst>
+                                    <p:set>
+                                      <p:cBhvr>
+                                        <p:cTn id="27" dur="1" fill="hold">
+                                          <p:stCondLst>
+                                            <p:cond delay="0"/>
+                                          </p:stCondLst>
+                                        </p:cTn>
+                                        <p:tgtEl>
+                                          <p:spTgt spid="10"/>
+                                        </p:tgtEl>
+                                        <p:attrNameLst>
+                                          <p:attrName>style.visibility</p:attrName>
+                                        </p:attrNameLst>
+                                      </p:cBhvr>
+                                      <p:to>
+                                        <p:strVal val="visible"/>
+                                      </p:to>
+                                    </p:set>
+                                    <p:animEffect transition="in" filter="fade">
+                                      <p:cBhvr>
+                                        <p:cTn id="28" dur="500"/>
+                                        <p:tgtEl>
+                                          <p:spTgt spid="10"/>
+                                        </p:tgtEl>
+                                      </p:cBhvr>
+                                    </p:animEffect>
+                                  </p:childTnLst>
+                                </p:cTn>
+                              </p:par>
+                              <p:par>
+                                <p:cTn id="29" presetID="10" presetClass="entr" presetSubtype="0" fill="hold" grpId="0" nodeType="withEffect">
+                                  <p:stCondLst>
+                                    <p:cond delay="0"/>
+                                  </p:stCondLst>
+                                  <p:childTnLst>
+                                    <p:set>
+                                      <p:cBhvr>
+                                        <p:cTn id="30" dur="1" fill="hold">
+                                          <p:stCondLst>
+                                            <p:cond delay="0"/>
+                                          </p:stCondLst>
+                                        </p:cTn>
+                                        <p:tgtEl>
+                                          <p:spTgt spid="12"/>
+                                        </p:tgtEl>
+                                        <p:attrNameLst>
+                                          <p:attrName>style.visibility</p:attrName>
+                                        </p:attrNameLst>
+                                      </p:cBhvr>
+                                      <p:to>
+                                        <p:strVal val="visible"/>
+                                      </p:to>
+                                    </p:set>
+                                    <p:animEffect transition="in" filter="fade">
+                                      <p:cBhvr>
+                                        <p:cTn id="31" dur="500"/>
+                                        <p:tgtEl>
+                                          <p:spTgt spid="12"/>
+                                        </p:tgtEl>
+                                      </p:cBhvr>
+                                    </p:animEffect>
+                                  </p:childTnLst>
+                                </p:cTn>
+                              </p:par>
+                              <p:par>
+                                <p:cTn id="32" presetID="10" presetClass="entr" presetSubtype="0" fill="hold" nodeType="withEffect">
+                                  <p:stCondLst>
+                                    <p:cond delay="0"/>
+                                  </p:stCondLst>
+                                  <p:childTnLst>
+                                    <p:set>
+                                      <p:cBhvr>
+                                        <p:cTn id="33" dur="1" fill="hold">
+                                          <p:stCondLst>
+                                            <p:cond delay="0"/>
+                                          </p:stCondLst>
+                                        </p:cTn>
+                                        <p:tgtEl>
+                                          <p:spTgt spid="13"/>
+                                        </p:tgtEl>
+                                        <p:attrNameLst>
+                                          <p:attrName>style.visibility</p:attrName>
+                                        </p:attrNameLst>
+                                      </p:cBhvr>
+                                      <p:to>
+                                        <p:strVal val="visible"/>
+                                      </p:to>
+                                    </p:set>
+                                    <p:animEffect transition="in" filter="fade">
+                                      <p:cBhvr>
+                                        <p:cTn id="34" dur="500"/>
+                                        <p:tgtEl>
+                                          <p:spTgt spid="13"/>
+                                        </p:tgtEl>
+                                      </p:cBhvr>
+                                    </p:animEffect>
+                                  </p:childTnLst>
+                                </p:cTn>
+                              </p:par>
+                              <p:par>
+                                <p:cTn id="35" presetID="10" presetClass="entr" presetSubtype="0" fill="hold" grpId="0" nodeType="withEffect">
+                                  <p:stCondLst>
+                                    <p:cond delay="0"/>
+                                  </p:stCondLst>
+                                  <p:childTnLst>
+                                    <p:set>
+                                      <p:cBhvr>
+                                        <p:cTn id="36" dur="1" fill="hold">
+                                          <p:stCondLst>
+                                            <p:cond delay="0"/>
+                                          </p:stCondLst>
+                                        </p:cTn>
+                                        <p:tgtEl>
+                                          <p:spTgt spid="14"/>
+                                        </p:tgtEl>
+                                        <p:attrNameLst>
+                                          <p:attrName>style.visibility</p:attrName>
+                                        </p:attrNameLst>
+                                      </p:cBhvr>
+                                      <p:to>
+                                        <p:strVal val="visible"/>
+                                      </p:to>
+                                    </p:set>
+                                    <p:animEffect transition="in" filter="fade">
+                                      <p:cBhvr>
+                                        <p:cTn id="37" dur="500"/>
+                                        <p:tgtEl>
+                                          <p:spTgt spid="14"/>
+                                        </p:tgtEl>
+                                      </p:cBhvr>
+                                    </p:animEffect>
+                                  </p:childTnLst>
+                                </p:cTn>
+                              </p:par>
+                              <p:par>
+                                <p:cTn id="38" presetID="10" presetClass="entr" presetSubtype="0" fill="hold" nodeType="withEffect">
+                                  <p:stCondLst>
+                                    <p:cond delay="0"/>
+                                  </p:stCondLst>
+                                  <p:childTnLst>
+                                    <p:set>
+                                      <p:cBhvr>
+                                        <p:cTn id="39" dur="1" fill="hold">
+                                          <p:stCondLst>
+                                            <p:cond delay="0"/>
+                                          </p:stCondLst>
+                                        </p:cTn>
+                                        <p:tgtEl>
+                                          <p:spTgt spid="15"/>
+                                        </p:tgtEl>
+                                        <p:attrNameLst>
+                                          <p:attrName>style.visibility</p:attrName>
+                                        </p:attrNameLst>
+                                      </p:cBhvr>
+                                      <p:to>
+                                        <p:strVal val="visible"/>
+                                      </p:to>
+                                    </p:set>
+                                    <p:animEffect transition="in" filter="fade">
+                                      <p:cBhvr>
+                                        <p:cTn id="40" dur="500"/>
+                                        <p:tgtEl>
+                                          <p:spTgt spid="15"/>
+                                        </p:tgtEl>
+                                      </p:cBhvr>
+                                    </p:animEffect>
+                                  </p:childTnLst>
+                                </p:cTn>
+                              </p:par>
+                              <p:par>
+                                <p:cTn id="41" presetID="10" presetClass="entr" presetSubtype="0" fill="hold" grpId="0" nodeType="withEffect">
+                                  <p:stCondLst>
+                                    <p:cond delay="0"/>
+                                  </p:stCondLst>
+                                  <p:childTnLst>
+                                    <p:set>
+                                      <p:cBhvr>
+                                        <p:cTn id="42" dur="1" fill="hold">
+                                          <p:stCondLst>
+                                            <p:cond delay="0"/>
+                                          </p:stCondLst>
+                                        </p:cTn>
+                                        <p:tgtEl>
+                                          <p:spTgt spid="16"/>
+                                        </p:tgtEl>
+                                        <p:attrNameLst>
+                                          <p:attrName>style.visibility</p:attrName>
+                                        </p:attrNameLst>
+                                      </p:cBhvr>
+                                      <p:to>
+                                        <p:strVal val="visible"/>
+                                      </p:to>
+                                    </p:set>
+                                    <p:animEffect transition="in" filter="fade">
+                                      <p:cBhvr>
+                                        <p:cTn id="43" dur="500"/>
+                                        <p:tgtEl>
+                                          <p:spTgt spid="16"/>
+                                        </p:tgtEl>
+                                      </p:cBhvr>
+                                    </p:animEffect>
+                                  </p:childTnLst>
+                                </p:cTn>
+                              </p:par>
+                            </p:childTnLst>
+                          </p:cTn>
+                        </p:par>
+                      </p:childTnLst>
+                    </p:cTn>
+                  </p:par>
+                  <p:par>
+                    <p:cTn id="44" fill="hold">
+                      <p:stCondLst>
+                        <p:cond delay="indefinite"/>
+                      </p:stCondLst>
+                      <p:childTnLst>
+                        <p:par>
+                          <p:cTn id="45" fill="hold">
+                            <p:stCondLst>
+                              <p:cond delay="0"/>
+                            </p:stCondLst>
+                            <p:childTnLst>
+                              <p:par>
+                                <p:cTn id="46" presetID="10" presetClass="entr" presetSubtype="0" fill="hold" grpId="0" nodeType="clickEffect">
+                                  <p:stCondLst>
+                                    <p:cond delay="0"/>
+                                  </p:stCondLst>
+                                  <p:childTnLst>
+                                    <p:set>
+                                      <p:cBhvr>
+                                        <p:cTn id="47" dur="1" fill="hold">
+                                          <p:stCondLst>
+                                            <p:cond delay="0"/>
+                                          </p:stCondLst>
+                                        </p:cTn>
+                                        <p:tgtEl>
+                                          <p:spTgt spid="11"/>
+                                        </p:tgtEl>
+                                        <p:attrNameLst>
+                                          <p:attrName>style.visibility</p:attrName>
+                                        </p:attrNameLst>
+                                      </p:cBhvr>
+                                      <p:to>
+                                        <p:strVal val="visible"/>
+                                      </p:to>
+                                    </p:set>
+                                    <p:animEffect transition="in" filter="fade">
+                                      <p:cBhvr>
+                                        <p:cTn id="48" dur="500"/>
+                                        <p:tgtEl>
+                                          <p:spTgt spid="11"/>
+                                        </p:tgtEl>
+                                      </p:cBhvr>
+                                    </p:animEffect>
+                                  </p:childTnLst>
+                                </p:cTn>
+                              </p:par>
+                            </p:childTnLst>
+                          </p:cTn>
+                        </p:par>
+                      </p:childTnLst>
+                    </p:cTn>
+                  </p:par>
                 </p:childTnLst>
               </p:cTn>
               <p:prevCondLst>
@@ -8496,6 +9298,14 @@
         </p:cTn>
       </p:par>
     </p:tnLst>
+    <p:bldLst>
+      <p:bldP spid="9" grpId="0"/>
+      <p:bldP spid="12" grpId="0"/>
+      <p:bldP spid="14" grpId="0"/>
+      <p:bldP spid="16" grpId="0"/>
+      <p:bldP spid="11" grpId="0" animBg="1"/>
+      <p:bldP spid="17" grpId="0" animBg="1"/>
+    </p:bldLst>
   </p:timing>
 </p:sld>
 </file>
@@ -8899,7 +9709,7 @@
           <a:graphicData uri="http://schemas.openxmlformats.org/presentationml/2006/ole">
             <mc:AlternateContent xmlns:mc="http://schemas.openxmlformats.org/markup-compatibility/2006">
               <mc:Choice xmlns:v="urn:schemas-microsoft-com:vml" Requires="v">
-                <p:oleObj spid="_x0000_s9260" name="Equation" r:id="rId4" imgW="1091880" imgH="228600" progId="Equation.DSMT4">
+                <p:oleObj spid="_x0000_s9262" name="Equation" r:id="rId4" imgW="1091880" imgH="228600" progId="Equation.DSMT4">
                   <p:embed/>
                 </p:oleObj>
               </mc:Choice>
@@ -8990,7 +9800,7 @@
           <a:graphicData uri="http://schemas.openxmlformats.org/presentationml/2006/ole">
             <mc:AlternateContent xmlns:mc="http://schemas.openxmlformats.org/markup-compatibility/2006">
               <mc:Choice xmlns:v="urn:schemas-microsoft-com:vml" Requires="v">
-                <p:oleObj spid="_x0000_s9261" name="Equation" r:id="rId6" imgW="1460160" imgH="241200" progId="Equation.DSMT4">
+                <p:oleObj spid="_x0000_s9263" name="Equation" r:id="rId6" imgW="1460160" imgH="241200" progId="Equation.DSMT4">
                   <p:embed/>
                 </p:oleObj>
               </mc:Choice>
@@ -9596,7 +10406,7 @@
           <a:graphicData uri="http://schemas.openxmlformats.org/presentationml/2006/ole">
             <mc:AlternateContent xmlns:mc="http://schemas.openxmlformats.org/markup-compatibility/2006">
               <mc:Choice xmlns:v="urn:schemas-microsoft-com:vml" Requires="v">
-                <p:oleObj spid="_x0000_s8217" name="Equation" r:id="rId3" imgW="1511280" imgH="203040" progId="Equation.DSMT4">
+                <p:oleObj spid="_x0000_s8218" name="Equation" r:id="rId3" imgW="1511280" imgH="203040" progId="Equation.DSMT4">
                   <p:embed/>
                 </p:oleObj>
               </mc:Choice>
@@ -9800,7 +10610,7 @@
           <a:graphicData uri="http://schemas.openxmlformats.org/presentationml/2006/ole">
             <mc:AlternateContent xmlns:mc="http://schemas.openxmlformats.org/markup-compatibility/2006">
               <mc:Choice xmlns:v="urn:schemas-microsoft-com:vml" Requires="v">
-                <p:oleObj spid="_x0000_s14344" name="Equation" r:id="rId3" imgW="1574640" imgH="228600" progId="Equation.DSMT4">
+                <p:oleObj spid="_x0000_s14347" name="Equation" r:id="rId3" imgW="1574640" imgH="228600" progId="Equation.DSMT4">
                   <p:embed/>
                 </p:oleObj>
               </mc:Choice>
@@ -9857,7 +10667,7 @@
           <a:graphicData uri="http://schemas.openxmlformats.org/presentationml/2006/ole">
             <mc:AlternateContent xmlns:mc="http://schemas.openxmlformats.org/markup-compatibility/2006">
               <mc:Choice xmlns:v="urn:schemas-microsoft-com:vml" Requires="v">
-                <p:oleObj spid="_x0000_s14345" name="Equation" r:id="rId5" imgW="482400" imgH="203040" progId="Equation.DSMT4">
+                <p:oleObj spid="_x0000_s14348" name="Equation" r:id="rId5" imgW="482400" imgH="203040" progId="Equation.DSMT4">
                   <p:embed/>
                 </p:oleObj>
               </mc:Choice>
@@ -9892,8 +10702,8 @@
           </a:graphicData>
         </a:graphic>
       </p:graphicFrame>
-      <mc:AlternateContent xmlns:mc="http://schemas.openxmlformats.org/markup-compatibility/2006">
-        <mc:Choice xmlns:a14="http://schemas.microsoft.com/office/drawing/2010/main" Requires="a14">
+      <mc:AlternateContent xmlns:mc="http://schemas.openxmlformats.org/markup-compatibility/2006" xmlns:a14="http://schemas.microsoft.com/office/drawing/2010/main">
+        <mc:Choice Requires="a14">
           <p:sp>
             <p:nvSpPr>
               <p:cNvPr id="7" name="矩形 6"/>
@@ -9920,7 +10730,7 @@
                     <m:f>
                       <m:fPr>
                         <m:ctrlPr>
-                          <a:rPr lang="zh-CN" altLang="en-US" sz="2400">
+                          <a:rPr lang="zh-CN" altLang="en-US" sz="2400" i="1">
                             <a:latin typeface="Cambria Math" panose="02040503050406030204" pitchFamily="18" charset="0"/>
                           </a:rPr>
                         </m:ctrlPr>
@@ -9929,7 +10739,7 @@
                         <m:sSub>
                           <m:sSubPr>
                             <m:ctrlPr>
-                              <a:rPr lang="zh-CN" altLang="en-US" sz="2400">
+                              <a:rPr lang="zh-CN" altLang="en-US" sz="2400" i="1">
                                 <a:latin typeface="Cambria Math" panose="02040503050406030204" pitchFamily="18" charset="0"/>
                               </a:rPr>
                             </m:ctrlPr>
@@ -10070,7 +10880,7 @@
             </p:txBody>
           </p:sp>
         </mc:Choice>
-        <mc:Fallback>
+        <mc:Fallback xmlns="">
           <p:sp>
             <p:nvSpPr>
               <p:cNvPr id="7" name="矩形 6"/>
@@ -10131,7 +10941,7 @@
           <a:graphicData uri="http://schemas.openxmlformats.org/presentationml/2006/ole">
             <mc:AlternateContent xmlns:mc="http://schemas.openxmlformats.org/markup-compatibility/2006">
               <mc:Choice xmlns:v="urn:schemas-microsoft-com:vml" Requires="v">
-                <p:oleObj spid="_x0000_s14346" name="Equation" r:id="rId8" imgW="1257120" imgH="228600" progId="Equation.DSMT4">
+                <p:oleObj spid="_x0000_s14349" name="Equation" r:id="rId8" imgW="1257120" imgH="228600" progId="Equation.DSMT4">
                   <p:embed/>
                 </p:oleObj>
               </mc:Choice>
@@ -10795,7 +11605,7 @@
           <a:graphicData uri="http://schemas.openxmlformats.org/presentationml/2006/ole">
             <mc:AlternateContent xmlns:mc="http://schemas.openxmlformats.org/markup-compatibility/2006">
               <mc:Choice xmlns:v="urn:schemas-microsoft-com:vml" Requires="v">
-                <p:oleObj spid="_x0000_s10265" name="Equation" r:id="rId3" imgW="1942920" imgH="203040" progId="Equation.DSMT4">
+                <p:oleObj spid="_x0000_s10267" name="Equation" r:id="rId3" imgW="1942920" imgH="203040" progId="Equation.DSMT4">
                   <p:embed/>
                 </p:oleObj>
               </mc:Choice>
@@ -11164,7 +11974,7 @@
             <a:graphicData uri="http://schemas.openxmlformats.org/presentationml/2006/ole">
               <mc:AlternateContent xmlns:mc="http://schemas.openxmlformats.org/markup-compatibility/2006">
                 <mc:Choice xmlns:v="urn:schemas-microsoft-com:vml" Requires="v">
-                  <p:oleObj spid="_x0000_s10266" name="Equation" r:id="rId5" imgW="901440" imgH="203040" progId="Equation.DSMT4">
+                  <p:oleObj spid="_x0000_s10268" name="Equation" r:id="rId5" imgW="901440" imgH="203040" progId="Equation.DSMT4">
                     <p:embed/>
                   </p:oleObj>
                 </mc:Choice>
@@ -11965,7 +12775,7 @@
           <a:graphicData uri="http://schemas.openxmlformats.org/presentationml/2006/ole">
             <mc:AlternateContent xmlns:mc="http://schemas.openxmlformats.org/markup-compatibility/2006">
               <mc:Choice xmlns:v="urn:schemas-microsoft-com:vml" Requires="v">
-                <p:oleObj spid="_x0000_s7224" name="Equation" r:id="rId3" imgW="1028520" imgH="228600" progId="Equation.DSMT4">
+                <p:oleObj spid="_x0000_s7226" name="Equation" r:id="rId3" imgW="1028520" imgH="228600" progId="Equation.DSMT4">
                   <p:embed/>
                 </p:oleObj>
               </mc:Choice>
@@ -12022,7 +12832,7 @@
           <a:graphicData uri="http://schemas.openxmlformats.org/presentationml/2006/ole">
             <mc:AlternateContent xmlns:mc="http://schemas.openxmlformats.org/markup-compatibility/2006">
               <mc:Choice xmlns:v="urn:schemas-microsoft-com:vml" Requires="v">
-                <p:oleObj spid="_x0000_s7225" name="Equation" r:id="rId5" imgW="2082600" imgH="241200" progId="Equation.DSMT4">
+                <p:oleObj spid="_x0000_s7227" name="Equation" r:id="rId5" imgW="2082600" imgH="241200" progId="Equation.DSMT4">
                   <p:embed/>
                 </p:oleObj>
               </mc:Choice>
@@ -12217,7 +13027,7 @@
           <a:graphicData uri="http://schemas.openxmlformats.org/presentationml/2006/ole">
             <mc:AlternateContent xmlns:mc="http://schemas.openxmlformats.org/markup-compatibility/2006">
               <mc:Choice xmlns:v="urn:schemas-microsoft-com:vml" Requires="v">
-                <p:oleObj spid="_x0000_s12296" name="Equation" r:id="rId3" imgW="1346040" imgH="228600" progId="Equation.DSMT4">
+                <p:oleObj spid="_x0000_s12300" name="Equation" r:id="rId3" imgW="1346040" imgH="228600" progId="Equation.DSMT4">
                   <p:embed/>
                 </p:oleObj>
               </mc:Choice>
@@ -12274,7 +13084,7 @@
           <a:graphicData uri="http://schemas.openxmlformats.org/presentationml/2006/ole">
             <mc:AlternateContent xmlns:mc="http://schemas.openxmlformats.org/markup-compatibility/2006">
               <mc:Choice xmlns:v="urn:schemas-microsoft-com:vml" Requires="v">
-                <p:oleObj spid="_x0000_s12297" name="Equation" r:id="rId5" imgW="1650960" imgH="393480" progId="Equation.DSMT4">
+                <p:oleObj spid="_x0000_s12301" name="Equation" r:id="rId5" imgW="1650960" imgH="393480" progId="Equation.DSMT4">
                   <p:embed/>
                 </p:oleObj>
               </mc:Choice>
@@ -12331,7 +13141,7 @@
           <a:graphicData uri="http://schemas.openxmlformats.org/presentationml/2006/ole">
             <mc:AlternateContent xmlns:mc="http://schemas.openxmlformats.org/markup-compatibility/2006">
               <mc:Choice xmlns:v="urn:schemas-microsoft-com:vml" Requires="v">
-                <p:oleObj spid="_x0000_s12298" name="Equation" r:id="rId7" imgW="2425680" imgH="228600" progId="Equation.DSMT4">
+                <p:oleObj spid="_x0000_s12302" name="Equation" r:id="rId7" imgW="2425680" imgH="228600" progId="Equation.DSMT4">
                   <p:embed/>
                 </p:oleObj>
               </mc:Choice>
@@ -12388,7 +13198,7 @@
           <a:graphicData uri="http://schemas.openxmlformats.org/presentationml/2006/ole">
             <mc:AlternateContent xmlns:mc="http://schemas.openxmlformats.org/markup-compatibility/2006">
               <mc:Choice xmlns:v="urn:schemas-microsoft-com:vml" Requires="v">
-                <p:oleObj spid="_x0000_s12299" name="Equation" r:id="rId9" imgW="2463480" imgH="228600" progId="Equation.DSMT4">
+                <p:oleObj spid="_x0000_s12303" name="Equation" r:id="rId9" imgW="2463480" imgH="228600" progId="Equation.DSMT4">
                   <p:embed/>
                 </p:oleObj>
               </mc:Choice>
@@ -13071,7 +13881,7 @@
           <a:graphicData uri="http://schemas.openxmlformats.org/presentationml/2006/ole">
             <mc:AlternateContent xmlns:mc="http://schemas.openxmlformats.org/markup-compatibility/2006">
               <mc:Choice xmlns:v="urn:schemas-microsoft-com:vml" Requires="v">
-                <p:oleObj spid="_x0000_s3224" name="Equation" r:id="rId5" imgW="1104840" imgH="228600" progId="Equation.DSMT4">
+                <p:oleObj spid="_x0000_s3227" name="Equation" r:id="rId5" imgW="1104840" imgH="228600" progId="Equation.DSMT4">
                   <p:embed/>
                 </p:oleObj>
               </mc:Choice>
@@ -13128,7 +13938,7 @@
           <a:graphicData uri="http://schemas.openxmlformats.org/presentationml/2006/ole">
             <mc:AlternateContent xmlns:mc="http://schemas.openxmlformats.org/markup-compatibility/2006">
               <mc:Choice xmlns:v="urn:schemas-microsoft-com:vml" Requires="v">
-                <p:oleObj spid="_x0000_s3225" name="Equation" r:id="rId7" imgW="1218960" imgH="228600" progId="Equation.DSMT4">
+                <p:oleObj spid="_x0000_s3228" name="Equation" r:id="rId7" imgW="1218960" imgH="228600" progId="Equation.DSMT4">
                   <p:embed/>
                 </p:oleObj>
               </mc:Choice>
@@ -13189,7 +13999,7 @@
           <a:graphicData uri="http://schemas.openxmlformats.org/presentationml/2006/ole">
             <mc:AlternateContent xmlns:mc="http://schemas.openxmlformats.org/markup-compatibility/2006">
               <mc:Choice xmlns:v="urn:schemas-microsoft-com:vml" Requires="v">
-                <p:oleObj spid="_x0000_s3226" name="Equation" r:id="rId9" imgW="774360" imgH="228600" progId="Equation.DSMT4">
+                <p:oleObj spid="_x0000_s3229" name="Equation" r:id="rId9" imgW="774360" imgH="228600" progId="Equation.DSMT4">
                   <p:embed/>
                 </p:oleObj>
               </mc:Choice>
@@ -14101,7 +14911,7 @@
           <a:graphicData uri="http://schemas.openxmlformats.org/presentationml/2006/ole">
             <mc:AlternateContent xmlns:mc="http://schemas.openxmlformats.org/markup-compatibility/2006">
               <mc:Choice xmlns:v="urn:schemas-microsoft-com:vml" Requires="v">
-                <p:oleObj spid="_x0000_s4149" name="Equation" r:id="rId4" imgW="431640" imgH="164880" progId="Equation.DSMT4">
+                <p:oleObj spid="_x0000_s4150" name="Equation" r:id="rId4" imgW="431640" imgH="164880" progId="Equation.DSMT4">
                   <p:embed/>
                 </p:oleObj>
               </mc:Choice>
@@ -14410,7 +15220,7 @@
           <a:graphicData uri="http://schemas.openxmlformats.org/presentationml/2006/ole">
             <mc:AlternateContent xmlns:mc="http://schemas.openxmlformats.org/markup-compatibility/2006">
               <mc:Choice xmlns:v="urn:schemas-microsoft-com:vml" Requires="v">
-                <p:oleObj spid="_x0000_s5251" name="Equation" r:id="rId5" imgW="622080" imgH="431640" progId="Equation.DSMT4">
+                <p:oleObj spid="_x0000_s5254" name="Equation" r:id="rId5" imgW="622080" imgH="431640" progId="Equation.DSMT4">
                   <p:embed/>
                 </p:oleObj>
               </mc:Choice>
@@ -14471,7 +15281,7 @@
           <a:graphicData uri="http://schemas.openxmlformats.org/presentationml/2006/ole">
             <mc:AlternateContent xmlns:mc="http://schemas.openxmlformats.org/markup-compatibility/2006">
               <mc:Choice xmlns:v="urn:schemas-microsoft-com:vml" Requires="v">
-                <p:oleObj spid="_x0000_s5252" name="Equation" r:id="rId7" imgW="622080" imgH="1117440" progId="Equation.DSMT4">
+                <p:oleObj spid="_x0000_s5255" name="Equation" r:id="rId7" imgW="622080" imgH="1117440" progId="Equation.DSMT4">
                   <p:embed/>
                 </p:oleObj>
               </mc:Choice>
@@ -14532,7 +15342,7 @@
           <a:graphicData uri="http://schemas.openxmlformats.org/presentationml/2006/ole">
             <mc:AlternateContent xmlns:mc="http://schemas.openxmlformats.org/markup-compatibility/2006">
               <mc:Choice xmlns:v="urn:schemas-microsoft-com:vml" Requires="v">
-                <p:oleObj spid="_x0000_s5253" name="Equation" r:id="rId9" imgW="1218960" imgH="228600" progId="Equation.DSMT4">
+                <p:oleObj spid="_x0000_s5256" name="Equation" r:id="rId9" imgW="1218960" imgH="228600" progId="Equation.DSMT4">
                   <p:embed/>
                 </p:oleObj>
               </mc:Choice>
@@ -15171,7 +15981,7 @@
           <a:graphicData uri="http://schemas.openxmlformats.org/presentationml/2006/ole">
             <mc:AlternateContent xmlns:mc="http://schemas.openxmlformats.org/markup-compatibility/2006">
               <mc:Choice xmlns:v="urn:schemas-microsoft-com:vml" Requires="v">
-                <p:oleObj spid="_x0000_s1192" name="Equation" r:id="rId5" imgW="1091880" imgH="253800" progId="Equation.DSMT4">
+                <p:oleObj spid="_x0000_s1194" name="Equation" r:id="rId5" imgW="1091880" imgH="253800" progId="Equation.DSMT4">
                   <p:embed/>
                 </p:oleObj>
               </mc:Choice>
@@ -15605,7 +16415,7 @@
           <a:graphicData uri="http://schemas.openxmlformats.org/presentationml/2006/ole">
             <mc:AlternateContent xmlns:mc="http://schemas.openxmlformats.org/markup-compatibility/2006">
               <mc:Choice xmlns:v="urn:schemas-microsoft-com:vml" Requires="v">
-                <p:oleObj spid="_x0000_s1193" name="Equation" r:id="rId7" imgW="838080" imgH="253800" progId="Equation.DSMT4">
+                <p:oleObj spid="_x0000_s1195" name="Equation" r:id="rId7" imgW="838080" imgH="253800" progId="Equation.DSMT4">
                   <p:embed/>
                 </p:oleObj>
               </mc:Choice>
@@ -16280,7 +17090,7 @@
           <a:graphicData uri="http://schemas.openxmlformats.org/presentationml/2006/ole">
             <mc:AlternateContent xmlns:mc="http://schemas.openxmlformats.org/markup-compatibility/2006">
               <mc:Choice xmlns:v="urn:schemas-microsoft-com:vml" Requires="v">
-                <p:oleObj spid="_x0000_s2286" name="Equation" r:id="rId3" imgW="1434960" imgH="1371600" progId="Equation.DSMT4">
+                <p:oleObj spid="_x0000_s2290" name="Equation" r:id="rId3" imgW="1434960" imgH="1371600" progId="Equation.DSMT4">
                   <p:embed/>
                 </p:oleObj>
               </mc:Choice>
@@ -16341,7 +17151,7 @@
           <a:graphicData uri="http://schemas.openxmlformats.org/presentationml/2006/ole">
             <mc:AlternateContent xmlns:mc="http://schemas.openxmlformats.org/markup-compatibility/2006">
               <mc:Choice xmlns:v="urn:schemas-microsoft-com:vml" Requires="v">
-                <p:oleObj spid="_x0000_s2287" name="Equation" r:id="rId5" imgW="1091880" imgH="228600" progId="Equation.DSMT4">
+                <p:oleObj spid="_x0000_s2291" name="Equation" r:id="rId5" imgW="1091880" imgH="228600" progId="Equation.DSMT4">
                   <p:embed/>
                 </p:oleObj>
               </mc:Choice>
@@ -16402,7 +17212,7 @@
           <a:graphicData uri="http://schemas.openxmlformats.org/presentationml/2006/ole">
             <mc:AlternateContent xmlns:mc="http://schemas.openxmlformats.org/markup-compatibility/2006">
               <mc:Choice xmlns:v="urn:schemas-microsoft-com:vml" Requires="v">
-                <p:oleObj spid="_x0000_s2288" name="Equation" r:id="rId7" imgW="495000" imgH="482400" progId="Equation.DSMT4">
+                <p:oleObj spid="_x0000_s2292" name="Equation" r:id="rId7" imgW="495000" imgH="482400" progId="Equation.DSMT4">
                   <p:embed/>
                 </p:oleObj>
               </mc:Choice>
@@ -17307,7 +18117,7 @@
           <a:graphicData uri="http://schemas.openxmlformats.org/presentationml/2006/ole">
             <mc:AlternateContent xmlns:mc="http://schemas.openxmlformats.org/markup-compatibility/2006">
               <mc:Choice xmlns:v="urn:schemas-microsoft-com:vml" Requires="v">
-                <p:oleObj spid="_x0000_s2289" name="Equation" r:id="rId10" imgW="1015920" imgH="203040" progId="Equation.DSMT4">
+                <p:oleObj spid="_x0000_s2293" name="Equation" r:id="rId10" imgW="1015920" imgH="203040" progId="Equation.DSMT4">
                   <p:embed/>
                 </p:oleObj>
               </mc:Choice>
@@ -17735,7 +18545,7 @@
           <a:graphicData uri="http://schemas.openxmlformats.org/presentationml/2006/ole">
             <mc:AlternateContent xmlns:mc="http://schemas.openxmlformats.org/markup-compatibility/2006">
               <mc:Choice xmlns:v="urn:schemas-microsoft-com:vml" Requires="v">
-                <p:oleObj spid="_x0000_s6413" name="Equation" r:id="rId3" imgW="164880" imgH="228600" progId="Equation.DSMT4">
+                <p:oleObj spid="_x0000_s6420" name="Equation" r:id="rId3" imgW="164880" imgH="228600" progId="Equation.DSMT4">
                   <p:embed/>
                 </p:oleObj>
               </mc:Choice>
@@ -17792,7 +18602,7 @@
           <a:graphicData uri="http://schemas.openxmlformats.org/presentationml/2006/ole">
             <mc:AlternateContent xmlns:mc="http://schemas.openxmlformats.org/markup-compatibility/2006">
               <mc:Choice xmlns:v="urn:schemas-microsoft-com:vml" Requires="v">
-                <p:oleObj spid="_x0000_s6414" name="Equation" r:id="rId5" imgW="1650960" imgH="431640" progId="Equation.DSMT4">
+                <p:oleObj spid="_x0000_s6421" name="Equation" r:id="rId5" imgW="1650960" imgH="431640" progId="Equation.DSMT4">
                   <p:embed/>
                 </p:oleObj>
               </mc:Choice>
@@ -17894,7 +18704,7 @@
           <a:graphicData uri="http://schemas.openxmlformats.org/presentationml/2006/ole">
             <mc:AlternateContent xmlns:mc="http://schemas.openxmlformats.org/markup-compatibility/2006">
               <mc:Choice xmlns:v="urn:schemas-microsoft-com:vml" Requires="v">
-                <p:oleObj spid="_x0000_s6415" name="Equation" r:id="rId7" imgW="1104840" imgH="177480" progId="Equation.DSMT4">
+                <p:oleObj spid="_x0000_s6422" name="Equation" r:id="rId7" imgW="1104840" imgH="177480" progId="Equation.DSMT4">
                   <p:embed/>
                 </p:oleObj>
               </mc:Choice>
@@ -17951,7 +18761,7 @@
           <a:graphicData uri="http://schemas.openxmlformats.org/presentationml/2006/ole">
             <mc:AlternateContent xmlns:mc="http://schemas.openxmlformats.org/markup-compatibility/2006">
               <mc:Choice xmlns:v="urn:schemas-microsoft-com:vml" Requires="v">
-                <p:oleObj spid="_x0000_s6416" name="Equation" r:id="rId9" imgW="1612800" imgH="431640" progId="Equation.DSMT4">
+                <p:oleObj spid="_x0000_s6423" name="Equation" r:id="rId9" imgW="1612800" imgH="431640" progId="Equation.DSMT4">
                   <p:embed/>
                 </p:oleObj>
               </mc:Choice>
@@ -18008,7 +18818,7 @@
           <a:graphicData uri="http://schemas.openxmlformats.org/presentationml/2006/ole">
             <mc:AlternateContent xmlns:mc="http://schemas.openxmlformats.org/markup-compatibility/2006">
               <mc:Choice xmlns:v="urn:schemas-microsoft-com:vml" Requires="v">
-                <p:oleObj spid="_x0000_s6417" name="Equation" r:id="rId11" imgW="1549080" imgH="838080" progId="Equation.DSMT4">
+                <p:oleObj spid="_x0000_s6424" name="Equation" r:id="rId11" imgW="1549080" imgH="838080" progId="Equation.DSMT4">
                   <p:embed/>
                 </p:oleObj>
               </mc:Choice>
@@ -18065,7 +18875,7 @@
           <a:graphicData uri="http://schemas.openxmlformats.org/presentationml/2006/ole">
             <mc:AlternateContent xmlns:mc="http://schemas.openxmlformats.org/markup-compatibility/2006">
               <mc:Choice xmlns:v="urn:schemas-microsoft-com:vml" Requires="v">
-                <p:oleObj spid="_x0000_s6418" name="Equation" r:id="rId13" imgW="1333440" imgH="419040" progId="Equation.DSMT4">
+                <p:oleObj spid="_x0000_s6425" name="Equation" r:id="rId13" imgW="1333440" imgH="419040" progId="Equation.DSMT4">
                   <p:embed/>
                 </p:oleObj>
               </mc:Choice>
@@ -18122,7 +18932,7 @@
           <a:graphicData uri="http://schemas.openxmlformats.org/presentationml/2006/ole">
             <mc:AlternateContent xmlns:mc="http://schemas.openxmlformats.org/markup-compatibility/2006">
               <mc:Choice xmlns:v="urn:schemas-microsoft-com:vml" Requires="v">
-                <p:oleObj spid="_x0000_s6419" name="Equation" r:id="rId15" imgW="1841400" imgH="228600" progId="Equation.DSMT4">
+                <p:oleObj spid="_x0000_s6426" name="Equation" r:id="rId15" imgW="1841400" imgH="228600" progId="Equation.DSMT4">
                   <p:embed/>
                 </p:oleObj>
               </mc:Choice>

--- a/数据分析-7-预测.pptx
+++ b/数据分析-7-预测.pptx
@@ -6598,7 +6598,7 @@
           <a:graphicData uri="http://schemas.openxmlformats.org/presentationml/2006/ole">
             <mc:AlternateContent xmlns:mc="http://schemas.openxmlformats.org/markup-compatibility/2006">
               <mc:Choice xmlns:v="urn:schemas-microsoft-com:vml" Requires="v">
-                <p:oleObj spid="_x0000_s11292" name="Equation" r:id="rId3" imgW="1866600" imgH="431640" progId="Equation.DSMT4">
+                <p:oleObj spid="_x0000_s11300" name="Equation" r:id="rId3" imgW="1866600" imgH="431640" progId="Equation.DSMT4">
                   <p:embed/>
                 </p:oleObj>
               </mc:Choice>
@@ -6655,7 +6655,7 @@
           <a:graphicData uri="http://schemas.openxmlformats.org/presentationml/2006/ole">
             <mc:AlternateContent xmlns:mc="http://schemas.openxmlformats.org/markup-compatibility/2006">
               <mc:Choice xmlns:v="urn:schemas-microsoft-com:vml" Requires="v">
-                <p:oleObj spid="_x0000_s11293" name="Equation" r:id="rId5" imgW="2031840" imgH="482400" progId="Equation.DSMT4">
+                <p:oleObj spid="_x0000_s11301" name="Equation" r:id="rId5" imgW="2031840" imgH="482400" progId="Equation.DSMT4">
                   <p:embed/>
                 </p:oleObj>
               </mc:Choice>
@@ -7653,7 +7653,7 @@
           <a:graphicData uri="http://schemas.openxmlformats.org/presentationml/2006/ole">
             <mc:AlternateContent xmlns:mc="http://schemas.openxmlformats.org/markup-compatibility/2006">
               <mc:Choice xmlns:v="urn:schemas-microsoft-com:vml" Requires="v">
-                <p:oleObj spid="_x0000_s13336" name="Equation" r:id="rId3" imgW="1206360" imgH="203040" progId="Equation.DSMT4">
+                <p:oleObj spid="_x0000_s13356" name="Equation" r:id="rId3" imgW="1206360" imgH="203040" progId="Equation.DSMT4">
                   <p:embed/>
                 </p:oleObj>
               </mc:Choice>
@@ -7710,7 +7710,7 @@
           <a:graphicData uri="http://schemas.openxmlformats.org/presentationml/2006/ole">
             <mc:AlternateContent xmlns:mc="http://schemas.openxmlformats.org/markup-compatibility/2006">
               <mc:Choice xmlns:v="urn:schemas-microsoft-com:vml" Requires="v">
-                <p:oleObj spid="_x0000_s13337" name="Equation" r:id="rId5" imgW="1777680" imgH="622080" progId="Equation.DSMT4">
+                <p:oleObj spid="_x0000_s13357" name="Equation" r:id="rId5" imgW="1777680" imgH="622080" progId="Equation.DSMT4">
                   <p:embed/>
                 </p:oleObj>
               </mc:Choice>
@@ -7879,7 +7879,7 @@
           <a:graphicData uri="http://schemas.openxmlformats.org/presentationml/2006/ole">
             <mc:AlternateContent xmlns:mc="http://schemas.openxmlformats.org/markup-compatibility/2006">
               <mc:Choice xmlns:v="urn:schemas-microsoft-com:vml" Requires="v">
-                <p:oleObj spid="_x0000_s13338" name="Equation" r:id="rId9" imgW="495000" imgH="203040" progId="Equation.DSMT4">
+                <p:oleObj spid="_x0000_s13358" name="Equation" r:id="rId9" imgW="495000" imgH="203040" progId="Equation.DSMT4">
                   <p:embed/>
                 </p:oleObj>
               </mc:Choice>
@@ -8153,7 +8153,7 @@
           <a:graphicData uri="http://schemas.openxmlformats.org/presentationml/2006/ole">
             <mc:AlternateContent xmlns:mc="http://schemas.openxmlformats.org/markup-compatibility/2006">
               <mc:Choice xmlns:v="urn:schemas-microsoft-com:vml" Requires="v">
-                <p:oleObj spid="_x0000_s13339" name="Equation" r:id="rId12" imgW="1269720" imgH="228600" progId="Equation.DSMT4">
+                <p:oleObj spid="_x0000_s13359" name="Equation" r:id="rId12" imgW="1269720" imgH="228600" progId="Equation.DSMT4">
                   <p:embed/>
                 </p:oleObj>
               </mc:Choice>
@@ -8252,7 +8252,7 @@
           <a:graphicData uri="http://schemas.openxmlformats.org/presentationml/2006/ole">
             <mc:AlternateContent xmlns:mc="http://schemas.openxmlformats.org/markup-compatibility/2006">
               <mc:Choice xmlns:v="urn:schemas-microsoft-com:vml" Requires="v">
-                <p:oleObj spid="_x0000_s13340" name="Equation" r:id="rId14" imgW="850680" imgH="342720" progId="Equation.DSMT4">
+                <p:oleObj spid="_x0000_s13360" name="Equation" r:id="rId14" imgW="850680" imgH="342720" progId="Equation.DSMT4">
                   <p:embed/>
                 </p:oleObj>
               </mc:Choice>
@@ -9709,7 +9709,7 @@
           <a:graphicData uri="http://schemas.openxmlformats.org/presentationml/2006/ole">
             <mc:AlternateContent xmlns:mc="http://schemas.openxmlformats.org/markup-compatibility/2006">
               <mc:Choice xmlns:v="urn:schemas-microsoft-com:vml" Requires="v">
-                <p:oleObj spid="_x0000_s9262" name="Equation" r:id="rId4" imgW="1091880" imgH="228600" progId="Equation.DSMT4">
+                <p:oleObj spid="_x0000_s9270" name="Equation" r:id="rId4" imgW="1091880" imgH="228600" progId="Equation.DSMT4">
                   <p:embed/>
                 </p:oleObj>
               </mc:Choice>
@@ -9800,7 +9800,7 @@
           <a:graphicData uri="http://schemas.openxmlformats.org/presentationml/2006/ole">
             <mc:AlternateContent xmlns:mc="http://schemas.openxmlformats.org/markup-compatibility/2006">
               <mc:Choice xmlns:v="urn:schemas-microsoft-com:vml" Requires="v">
-                <p:oleObj spid="_x0000_s9263" name="Equation" r:id="rId6" imgW="1460160" imgH="241200" progId="Equation.DSMT4">
+                <p:oleObj spid="_x0000_s9271" name="Equation" r:id="rId6" imgW="1460160" imgH="241200" progId="Equation.DSMT4">
                   <p:embed/>
                 </p:oleObj>
               </mc:Choice>
@@ -10406,7 +10406,7 @@
           <a:graphicData uri="http://schemas.openxmlformats.org/presentationml/2006/ole">
             <mc:AlternateContent xmlns:mc="http://schemas.openxmlformats.org/markup-compatibility/2006">
               <mc:Choice xmlns:v="urn:schemas-microsoft-com:vml" Requires="v">
-                <p:oleObj spid="_x0000_s8218" name="Equation" r:id="rId3" imgW="1511280" imgH="203040" progId="Equation.DSMT4">
+                <p:oleObj spid="_x0000_s8222" name="Equation" r:id="rId3" imgW="1511280" imgH="203040" progId="Equation.DSMT4">
                   <p:embed/>
                 </p:oleObj>
               </mc:Choice>
@@ -10610,7 +10610,7 @@
           <a:graphicData uri="http://schemas.openxmlformats.org/presentationml/2006/ole">
             <mc:AlternateContent xmlns:mc="http://schemas.openxmlformats.org/markup-compatibility/2006">
               <mc:Choice xmlns:v="urn:schemas-microsoft-com:vml" Requires="v">
-                <p:oleObj spid="_x0000_s14347" name="Equation" r:id="rId3" imgW="1574640" imgH="228600" progId="Equation.DSMT4">
+                <p:oleObj spid="_x0000_s14359" name="Equation" r:id="rId3" imgW="1574640" imgH="228600" progId="Equation.DSMT4">
                   <p:embed/>
                 </p:oleObj>
               </mc:Choice>
@@ -10667,7 +10667,7 @@
           <a:graphicData uri="http://schemas.openxmlformats.org/presentationml/2006/ole">
             <mc:AlternateContent xmlns:mc="http://schemas.openxmlformats.org/markup-compatibility/2006">
               <mc:Choice xmlns:v="urn:schemas-microsoft-com:vml" Requires="v">
-                <p:oleObj spid="_x0000_s14348" name="Equation" r:id="rId5" imgW="482400" imgH="203040" progId="Equation.DSMT4">
+                <p:oleObj spid="_x0000_s14360" name="Equation" r:id="rId5" imgW="482400" imgH="203040" progId="Equation.DSMT4">
                   <p:embed/>
                 </p:oleObj>
               </mc:Choice>
@@ -10941,7 +10941,7 @@
           <a:graphicData uri="http://schemas.openxmlformats.org/presentationml/2006/ole">
             <mc:AlternateContent xmlns:mc="http://schemas.openxmlformats.org/markup-compatibility/2006">
               <mc:Choice xmlns:v="urn:schemas-microsoft-com:vml" Requires="v">
-                <p:oleObj spid="_x0000_s14349" name="Equation" r:id="rId8" imgW="1257120" imgH="228600" progId="Equation.DSMT4">
+                <p:oleObj spid="_x0000_s14361" name="Equation" r:id="rId8" imgW="1257120" imgH="228600" progId="Equation.DSMT4">
                   <p:embed/>
                 </p:oleObj>
               </mc:Choice>
@@ -11592,25 +11592,25 @@
           <p:nvPr>
             <p:extLst>
               <p:ext uri="{D42A27DB-BD31-4B8C-83A1-F6EECF244321}">
-                <p14:modId xmlns:p14="http://schemas.microsoft.com/office/powerpoint/2010/main" val="819041527"/>
+                <p14:modId xmlns:p14="http://schemas.microsoft.com/office/powerpoint/2010/main" val="1825035466"/>
               </p:ext>
             </p:extLst>
           </p:nvPr>
         </p:nvGraphicFramePr>
         <p:xfrm>
-          <a:off x="2239985" y="4535408"/>
-          <a:ext cx="3171825" cy="330200"/>
+          <a:off x="2209800" y="4535488"/>
+          <a:ext cx="3233738" cy="330200"/>
         </p:xfrm>
         <a:graphic>
           <a:graphicData uri="http://schemas.openxmlformats.org/presentationml/2006/ole">
             <mc:AlternateContent xmlns:mc="http://schemas.openxmlformats.org/markup-compatibility/2006">
               <mc:Choice xmlns:v="urn:schemas-microsoft-com:vml" Requires="v">
-                <p:oleObj spid="_x0000_s10267" name="Equation" r:id="rId3" imgW="1942920" imgH="203040" progId="Equation.DSMT4">
+                <p:oleObj spid="_x0000_s10275" name="Equation" r:id="rId3" imgW="1981080" imgH="203040" progId="Equation.DSMT4">
                   <p:embed/>
                 </p:oleObj>
               </mc:Choice>
               <mc:Fallback>
-                <p:oleObj name="Equation" r:id="rId3" imgW="1942920" imgH="203040" progId="Equation.DSMT4">
+                <p:oleObj name="Equation" r:id="rId3" imgW="1981080" imgH="203040" progId="Equation.DSMT4">
                   <p:embed/>
                   <p:pic>
                     <p:nvPicPr>
@@ -11626,8 +11626,8 @@
                     </p:blipFill>
                     <p:spPr>
                       <a:xfrm>
-                        <a:off x="2239985" y="4535408"/>
-                        <a:ext cx="3171825" cy="330200"/>
+                        <a:off x="2209800" y="4535488"/>
+                        <a:ext cx="3233738" cy="330200"/>
                       </a:xfrm>
                       <a:prstGeom prst="rect">
                         <a:avLst/>
@@ -11649,7 +11649,7 @@
           <p:nvPr>
             <p:extLst>
               <p:ext uri="{D42A27DB-BD31-4B8C-83A1-F6EECF244321}">
-                <p14:modId xmlns:p14="http://schemas.microsoft.com/office/powerpoint/2010/main" val="2301840546"/>
+                <p14:modId xmlns:p14="http://schemas.microsoft.com/office/powerpoint/2010/main" val="1625188310"/>
               </p:ext>
             </p:extLst>
           </p:nvPr>
@@ -11772,7 +11772,7 @@
                     <a:p>
                       <a:r>
                         <a:rPr lang="en-US" altLang="zh-CN" dirty="0" smtClean="0"/>
-                        <a:t>I</a:t>
+                        <a:t>C</a:t>
                       </a:r>
                       <a:endParaRPr lang="zh-CN" altLang="en-US" dirty="0"/>
                     </a:p>
@@ -11798,7 +11798,7 @@
           <p:nvPr>
             <p:extLst>
               <p:ext uri="{D42A27DB-BD31-4B8C-83A1-F6EECF244321}">
-                <p14:modId xmlns:p14="http://schemas.microsoft.com/office/powerpoint/2010/main" val="2236825474"/>
+                <p14:modId xmlns:p14="http://schemas.microsoft.com/office/powerpoint/2010/main" val="239758544"/>
               </p:ext>
             </p:extLst>
           </p:nvPr>
@@ -11921,7 +11921,7 @@
                     <a:p>
                       <a:r>
                         <a:rPr lang="en-US" altLang="zh-CN" dirty="0" smtClean="0"/>
-                        <a:t>ln(I)</a:t>
+                        <a:t>ln(C)</a:t>
                       </a:r>
                       <a:endParaRPr lang="zh-CN" altLang="en-US" dirty="0"/>
                     </a:p>
@@ -11946,10 +11946,10 @@
         </p:nvGrpSpPr>
         <p:grpSpPr>
           <a:xfrm>
-            <a:off x="0" y="3417563"/>
-            <a:ext cx="3402283" cy="2272638"/>
-            <a:chOff x="0" y="3417563"/>
-            <a:chExt cx="3402283" cy="2272638"/>
+            <a:off x="0" y="3417888"/>
+            <a:ext cx="3422650" cy="2272313"/>
+            <a:chOff x="0" y="3417888"/>
+            <a:chExt cx="3422650" cy="2272313"/>
           </a:xfrm>
         </p:grpSpPr>
         <p:graphicFrame>
@@ -11961,25 +11961,25 @@
             <p:nvPr>
               <p:extLst>
                 <p:ext uri="{D42A27DB-BD31-4B8C-83A1-F6EECF244321}">
-                  <p14:modId xmlns:p14="http://schemas.microsoft.com/office/powerpoint/2010/main" val="1733470392"/>
+                  <p14:modId xmlns:p14="http://schemas.microsoft.com/office/powerpoint/2010/main" val="3754130689"/>
                 </p:ext>
               </p:extLst>
             </p:nvPr>
           </p:nvGraphicFramePr>
           <p:xfrm>
-            <a:off x="1931354" y="3417563"/>
-            <a:ext cx="1470929" cy="331477"/>
+            <a:off x="1911350" y="3417888"/>
+            <a:ext cx="1511300" cy="331787"/>
           </p:xfrm>
           <a:graphic>
             <a:graphicData uri="http://schemas.openxmlformats.org/presentationml/2006/ole">
               <mc:AlternateContent xmlns:mc="http://schemas.openxmlformats.org/markup-compatibility/2006">
                 <mc:Choice xmlns:v="urn:schemas-microsoft-com:vml" Requires="v">
-                  <p:oleObj spid="_x0000_s10268" name="Equation" r:id="rId5" imgW="901440" imgH="203040" progId="Equation.DSMT4">
+                  <p:oleObj spid="_x0000_s10276" name="Equation" r:id="rId5" imgW="927000" imgH="203040" progId="Equation.DSMT4">
                     <p:embed/>
                   </p:oleObj>
                 </mc:Choice>
                 <mc:Fallback>
-                  <p:oleObj name="Equation" r:id="rId5" imgW="901440" imgH="203040" progId="Equation.DSMT4">
+                  <p:oleObj name="Equation" r:id="rId5" imgW="927000" imgH="203040" progId="Equation.DSMT4">
                     <p:embed/>
                     <p:pic>
                       <p:nvPicPr>
@@ -11995,8 +11995,8 @@
                       </p:blipFill>
                       <p:spPr>
                         <a:xfrm>
-                          <a:off x="1931354" y="3417563"/>
-                          <a:ext cx="1470929" cy="331477"/>
+                          <a:off x="1911350" y="3417888"/>
+                          <a:ext cx="1511300" cy="331787"/>
                         </a:xfrm>
                         <a:prstGeom prst="rect">
                           <a:avLst/>
@@ -12775,7 +12775,7 @@
           <a:graphicData uri="http://schemas.openxmlformats.org/presentationml/2006/ole">
             <mc:AlternateContent xmlns:mc="http://schemas.openxmlformats.org/markup-compatibility/2006">
               <mc:Choice xmlns:v="urn:schemas-microsoft-com:vml" Requires="v">
-                <p:oleObj spid="_x0000_s7226" name="Equation" r:id="rId3" imgW="1028520" imgH="228600" progId="Equation.DSMT4">
+                <p:oleObj spid="_x0000_s7234" name="Equation" r:id="rId3" imgW="1028520" imgH="228600" progId="Equation.DSMT4">
                   <p:embed/>
                 </p:oleObj>
               </mc:Choice>
@@ -12832,7 +12832,7 @@
           <a:graphicData uri="http://schemas.openxmlformats.org/presentationml/2006/ole">
             <mc:AlternateContent xmlns:mc="http://schemas.openxmlformats.org/markup-compatibility/2006">
               <mc:Choice xmlns:v="urn:schemas-microsoft-com:vml" Requires="v">
-                <p:oleObj spid="_x0000_s7227" name="Equation" r:id="rId5" imgW="2082600" imgH="241200" progId="Equation.DSMT4">
+                <p:oleObj spid="_x0000_s7235" name="Equation" r:id="rId5" imgW="2082600" imgH="241200" progId="Equation.DSMT4">
                   <p:embed/>
                 </p:oleObj>
               </mc:Choice>
@@ -13027,7 +13027,7 @@
           <a:graphicData uri="http://schemas.openxmlformats.org/presentationml/2006/ole">
             <mc:AlternateContent xmlns:mc="http://schemas.openxmlformats.org/markup-compatibility/2006">
               <mc:Choice xmlns:v="urn:schemas-microsoft-com:vml" Requires="v">
-                <p:oleObj spid="_x0000_s12300" name="Equation" r:id="rId3" imgW="1346040" imgH="228600" progId="Equation.DSMT4">
+                <p:oleObj spid="_x0000_s12316" name="Equation" r:id="rId3" imgW="1346040" imgH="228600" progId="Equation.DSMT4">
                   <p:embed/>
                 </p:oleObj>
               </mc:Choice>
@@ -13084,7 +13084,7 @@
           <a:graphicData uri="http://schemas.openxmlformats.org/presentationml/2006/ole">
             <mc:AlternateContent xmlns:mc="http://schemas.openxmlformats.org/markup-compatibility/2006">
               <mc:Choice xmlns:v="urn:schemas-microsoft-com:vml" Requires="v">
-                <p:oleObj spid="_x0000_s12301" name="Equation" r:id="rId5" imgW="1650960" imgH="393480" progId="Equation.DSMT4">
+                <p:oleObj spid="_x0000_s12317" name="Equation" r:id="rId5" imgW="1650960" imgH="393480" progId="Equation.DSMT4">
                   <p:embed/>
                 </p:oleObj>
               </mc:Choice>
@@ -13141,7 +13141,7 @@
           <a:graphicData uri="http://schemas.openxmlformats.org/presentationml/2006/ole">
             <mc:AlternateContent xmlns:mc="http://schemas.openxmlformats.org/markup-compatibility/2006">
               <mc:Choice xmlns:v="urn:schemas-microsoft-com:vml" Requires="v">
-                <p:oleObj spid="_x0000_s12302" name="Equation" r:id="rId7" imgW="2425680" imgH="228600" progId="Equation.DSMT4">
+                <p:oleObj spid="_x0000_s12318" name="Equation" r:id="rId7" imgW="2425680" imgH="228600" progId="Equation.DSMT4">
                   <p:embed/>
                 </p:oleObj>
               </mc:Choice>
@@ -13198,7 +13198,7 @@
           <a:graphicData uri="http://schemas.openxmlformats.org/presentationml/2006/ole">
             <mc:AlternateContent xmlns:mc="http://schemas.openxmlformats.org/markup-compatibility/2006">
               <mc:Choice xmlns:v="urn:schemas-microsoft-com:vml" Requires="v">
-                <p:oleObj spid="_x0000_s12303" name="Equation" r:id="rId9" imgW="2463480" imgH="228600" progId="Equation.DSMT4">
+                <p:oleObj spid="_x0000_s12319" name="Equation" r:id="rId9" imgW="2463480" imgH="228600" progId="Equation.DSMT4">
                   <p:embed/>
                 </p:oleObj>
               </mc:Choice>
@@ -13309,21 +13309,29 @@
           <a:lstStyle/>
           <a:p>
             <a:r>
-              <a:rPr lang="en-US" altLang="zh-CN" dirty="0"/>
-              <a:t>Introduction to statistical learning with </a:t>
-            </a:r>
-            <a:r>
               <a:rPr lang="en-US" altLang="zh-CN" dirty="0" smtClean="0"/>
-              <a:t>R:</a:t>
-            </a:r>
-          </a:p>
-          <a:p>
-            <a:pPr lvl="1"/>
+              <a:t>Sanford Weisberg. Applied linear regression[M]. Wiley &amp; Sons, 2005</a:t>
+            </a:r>
+          </a:p>
+          <a:p>
+            <a:pPr marL="0" indent="0">
+              <a:buNone/>
+            </a:pPr>
+            <a:r>
+              <a:rPr lang="en-US" altLang="zh-CN" dirty="0" smtClean="0"/>
+              <a:t>    Rob J Hyndman. </a:t>
+            </a:r>
+            <a:r>
+              <a:rPr lang="en-US" altLang="zh-CN" dirty="0" smtClean="0">
+                <a:hlinkClick r:id="rId2"/>
+              </a:rPr>
+              <a:t>https</a:t>
+            </a:r>
             <a:r>
               <a:rPr lang="en-US" altLang="zh-CN" dirty="0">
                 <a:hlinkClick r:id="rId2"/>
               </a:rPr>
-              <a:t>http://www-bcf.usc.edu/~gareth/ISL</a:t>
+              <a:t>://robjhyndman.com/seminars/uwa2017</a:t>
             </a:r>
             <a:r>
               <a:rPr lang="en-US" altLang="zh-CN" dirty="0" smtClean="0">
@@ -13331,33 +13339,45 @@
               </a:rPr>
               <a:t>/</a:t>
             </a:r>
-            <a:endParaRPr lang="en-US" altLang="zh-CN" dirty="0" smtClean="0"/>
-          </a:p>
-          <a:p>
             <a:r>
               <a:rPr lang="en-US" altLang="zh-CN" dirty="0" smtClean="0"/>
-              <a:t>Sanford Weisberg. Applied linear regression[M]. Wiley &amp; Sons, 2005</a:t>
-            </a:r>
+              <a:t>    </a:t>
+            </a:r>
+            <a:r>
+              <a:rPr lang="zh-CN" altLang="en-US" sz="1800" dirty="0" smtClean="0"/>
+              <a:t>（电子教材、</a:t>
+            </a:r>
+            <a:r>
+              <a:rPr lang="en-US" altLang="zh-CN" sz="1800" dirty="0" smtClean="0"/>
+              <a:t>PPT</a:t>
+            </a:r>
+            <a:r>
+              <a:rPr lang="zh-CN" altLang="en-US" sz="1800" dirty="0" smtClean="0"/>
+              <a:t>、案例数据）</a:t>
+            </a:r>
+            <a:endParaRPr lang="en-US" altLang="zh-CN" sz="1800" dirty="0" smtClean="0"/>
           </a:p>
           <a:p>
             <a:pPr marL="0" indent="0">
               <a:buNone/>
             </a:pPr>
             <a:r>
+              <a:rPr lang="en-US" altLang="zh-CN" dirty="0"/>
+              <a:t>    </a:t>
+            </a:r>
+            <a:r>
+              <a:rPr lang="zh-CN" altLang="en-US" dirty="0" smtClean="0"/>
+              <a:t>电子书网页版 </a:t>
+            </a:r>
+            <a:r>
               <a:rPr lang="en-US" altLang="zh-CN" dirty="0" smtClean="0"/>
-              <a:t>    Rob J Hyndman. </a:t>
-            </a:r>
-            <a:r>
-              <a:rPr lang="en-US" altLang="zh-CN" dirty="0" smtClean="0">
-                <a:hlinkClick r:id="rId3"/>
-              </a:rPr>
-              <a:t>https</a:t>
+              <a:t>   </a:t>
             </a:r>
             <a:r>
               <a:rPr lang="en-US" altLang="zh-CN" dirty="0">
                 <a:hlinkClick r:id="rId3"/>
               </a:rPr>
-              <a:t>://robjhyndman.com/seminars/uwa2017</a:t>
+              <a:t>https://www.otexts.org/fpp2</a:t>
             </a:r>
             <a:r>
               <a:rPr lang="en-US" altLang="zh-CN" dirty="0" smtClean="0">
@@ -13365,59 +13385,23 @@
               </a:rPr>
               <a:t>/</a:t>
             </a:r>
+            <a:endParaRPr lang="en-US" altLang="zh-CN" dirty="0" smtClean="0"/>
+          </a:p>
+          <a:p>
             <a:r>
               <a:rPr lang="en-US" altLang="zh-CN" dirty="0" smtClean="0"/>
-              <a:t>    </a:t>
-            </a:r>
-            <a:r>
-              <a:rPr lang="zh-CN" altLang="en-US" sz="1800" dirty="0" smtClean="0"/>
-              <a:t>（电子教材、</a:t>
-            </a:r>
-            <a:r>
-              <a:rPr lang="en-US" altLang="zh-CN" sz="1800" dirty="0" smtClean="0"/>
-              <a:t>PPT</a:t>
-            </a:r>
-            <a:r>
-              <a:rPr lang="zh-CN" altLang="en-US" sz="1800" dirty="0" smtClean="0"/>
-              <a:t>、案例数据）</a:t>
-            </a:r>
-            <a:endParaRPr lang="en-US" altLang="zh-CN" sz="1800" dirty="0" smtClean="0"/>
-          </a:p>
-          <a:p>
-            <a:pPr marL="0" indent="0">
-              <a:buNone/>
-            </a:pPr>
-            <a:r>
-              <a:rPr lang="en-US" altLang="zh-CN" dirty="0"/>
-              <a:t>    </a:t>
-            </a:r>
-            <a:r>
-              <a:rPr lang="zh-CN" altLang="en-US" dirty="0" smtClean="0"/>
-              <a:t>电子书网页版 </a:t>
-            </a:r>
-            <a:r>
-              <a:rPr lang="en-US" altLang="zh-CN" dirty="0" smtClean="0"/>
-              <a:t>   </a:t>
-            </a:r>
-            <a:r>
-              <a:rPr lang="en-US" altLang="zh-CN" dirty="0">
-                <a:hlinkClick r:id="rId4"/>
-              </a:rPr>
-              <a:t>https://www.otexts.org/fpp2</a:t>
-            </a:r>
+              <a:t>Introduction to statistical learning with R:</a:t>
+            </a:r>
+          </a:p>
+          <a:p>
+            <a:pPr lvl="1"/>
             <a:r>
               <a:rPr lang="en-US" altLang="zh-CN" dirty="0" smtClean="0">
                 <a:hlinkClick r:id="rId4"/>
               </a:rPr>
-              <a:t>/</a:t>
+              <a:t>http://www-bcf.usc.edu/~gareth/ISL/</a:t>
             </a:r>
             <a:endParaRPr lang="en-US" altLang="zh-CN" dirty="0" smtClean="0"/>
-          </a:p>
-          <a:p>
-            <a:pPr marL="0" indent="0">
-              <a:buNone/>
-            </a:pPr>
-            <a:endParaRPr lang="zh-CN" altLang="en-US" dirty="0"/>
           </a:p>
           <a:p>
             <a:pPr marL="0" indent="0">
@@ -13435,7 +13419,7 @@
         </p:nvSpPr>
         <p:spPr>
           <a:xfrm>
-            <a:off x="1021080" y="3098800"/>
+            <a:off x="957580" y="2295912"/>
             <a:ext cx="279400" cy="241300"/>
           </a:xfrm>
           <a:prstGeom prst="star5">
@@ -13585,6 +13569,94 @@
           </a:extLst>
         </p:spPr>
       </p:pic>
+      <p:sp>
+        <p:nvSpPr>
+          <p:cNvPr id="2" name="文本框 1"/>
+          <p:cNvSpPr txBox="1"/>
+          <p:nvPr/>
+        </p:nvSpPr>
+        <p:spPr>
+          <a:xfrm>
+            <a:off x="144967" y="998920"/>
+            <a:ext cx="997389" cy="3416320"/>
+          </a:xfrm>
+          <a:prstGeom prst="rect">
+            <a:avLst/>
+          </a:prstGeom>
+          <a:noFill/>
+        </p:spPr>
+        <p:txBody>
+          <a:bodyPr wrap="none" rtlCol="0">
+            <a:spAutoFit/>
+          </a:bodyPr>
+          <a:lstStyle/>
+          <a:p>
+            <a:pPr>
+              <a:lnSpc>
+                <a:spcPct val="300000"/>
+              </a:lnSpc>
+            </a:pPr>
+            <a:r>
+              <a:rPr lang="en-US" altLang="zh-CN" dirty="0" smtClean="0">
+                <a:solidFill>
+                  <a:srgbClr val="FF0000"/>
+                </a:solidFill>
+              </a:rPr>
+              <a:t>pattern</a:t>
+            </a:r>
+          </a:p>
+          <a:p>
+            <a:pPr>
+              <a:lnSpc>
+                <a:spcPct val="300000"/>
+              </a:lnSpc>
+            </a:pPr>
+            <a:r>
+              <a:rPr lang="en-US" altLang="zh-CN" dirty="0" smtClean="0">
+                <a:solidFill>
+                  <a:srgbClr val="FF0000"/>
+                </a:solidFill>
+              </a:rPr>
+              <a:t>seasonal</a:t>
+            </a:r>
+          </a:p>
+          <a:p>
+            <a:pPr>
+              <a:lnSpc>
+                <a:spcPct val="300000"/>
+              </a:lnSpc>
+            </a:pPr>
+            <a:r>
+              <a:rPr lang="en-US" altLang="zh-CN" dirty="0" smtClean="0">
+                <a:solidFill>
+                  <a:srgbClr val="FF0000"/>
+                </a:solidFill>
+              </a:rPr>
+              <a:t>cycle</a:t>
+            </a:r>
+          </a:p>
+          <a:p>
+            <a:pPr>
+              <a:lnSpc>
+                <a:spcPct val="300000"/>
+              </a:lnSpc>
+            </a:pPr>
+            <a:r>
+              <a:rPr lang="en-US" altLang="zh-CN" dirty="0" smtClean="0">
+                <a:solidFill>
+                  <a:srgbClr val="FF0000"/>
+                </a:solidFill>
+              </a:rPr>
+              <a:t>noise</a:t>
+            </a:r>
+            <a:endParaRPr lang="zh-CN" altLang="en-US" dirty="0">
+              <a:solidFill>
+                <a:srgbClr val="FF0000"/>
+              </a:solidFill>
+            </a:endParaRPr>
+          </a:p>
+        </p:txBody>
+      </p:sp>
     </p:spTree>
     <p:extLst>
       <p:ext uri="{BB962C8B-B14F-4D97-AF65-F5344CB8AC3E}">
@@ -13773,10 +13845,10 @@
                       </m:e>
                       <m:sub>
                         <m:r>
-                          <a:rPr lang="zh-CN" altLang="en-US">
+                          <a:rPr lang="en-US" altLang="zh-CN" b="0" i="0" smtClean="0">
                             <a:latin typeface="Cambria Math" panose="02040503050406030204" pitchFamily="18" charset="0"/>
                           </a:rPr>
-                          <m:t>1</m:t>
+                          <m:t>0</m:t>
                         </m:r>
                       </m:sub>
                     </m:sSub>
@@ -13881,7 +13953,7 @@
           <a:graphicData uri="http://schemas.openxmlformats.org/presentationml/2006/ole">
             <mc:AlternateContent xmlns:mc="http://schemas.openxmlformats.org/markup-compatibility/2006">
               <mc:Choice xmlns:v="urn:schemas-microsoft-com:vml" Requires="v">
-                <p:oleObj spid="_x0000_s3227" name="Equation" r:id="rId5" imgW="1104840" imgH="228600" progId="Equation.DSMT4">
+                <p:oleObj spid="_x0000_s3239" name="Equation" r:id="rId5" imgW="1104840" imgH="228600" progId="Equation.DSMT4">
                   <p:embed/>
                 </p:oleObj>
               </mc:Choice>
@@ -13938,7 +14010,7 @@
           <a:graphicData uri="http://schemas.openxmlformats.org/presentationml/2006/ole">
             <mc:AlternateContent xmlns:mc="http://schemas.openxmlformats.org/markup-compatibility/2006">
               <mc:Choice xmlns:v="urn:schemas-microsoft-com:vml" Requires="v">
-                <p:oleObj spid="_x0000_s3228" name="Equation" r:id="rId7" imgW="1218960" imgH="228600" progId="Equation.DSMT4">
+                <p:oleObj spid="_x0000_s3240" name="Equation" r:id="rId7" imgW="1218960" imgH="228600" progId="Equation.DSMT4">
                   <p:embed/>
                 </p:oleObj>
               </mc:Choice>
@@ -13999,7 +14071,7 @@
           <a:graphicData uri="http://schemas.openxmlformats.org/presentationml/2006/ole">
             <mc:AlternateContent xmlns:mc="http://schemas.openxmlformats.org/markup-compatibility/2006">
               <mc:Choice xmlns:v="urn:schemas-microsoft-com:vml" Requires="v">
-                <p:oleObj spid="_x0000_s3229" name="Equation" r:id="rId9" imgW="774360" imgH="228600" progId="Equation.DSMT4">
+                <p:oleObj spid="_x0000_s3241" name="Equation" r:id="rId9" imgW="774360" imgH="228600" progId="Equation.DSMT4">
                   <p:embed/>
                 </p:oleObj>
               </mc:Choice>
@@ -14579,6 +14651,49 @@
                                   </p:childTnLst>
                                 </p:cTn>
                               </p:par>
+                              <p:par>
+                                <p:cTn id="24" presetID="10" presetClass="entr" presetSubtype="0" fill="hold" grpId="0" nodeType="withEffect">
+                                  <p:stCondLst>
+                                    <p:cond delay="0"/>
+                                  </p:stCondLst>
+                                  <p:childTnLst>
+                                    <p:set>
+                                      <p:cBhvr>
+                                        <p:cTn id="25" dur="1" fill="hold">
+                                          <p:stCondLst>
+                                            <p:cond delay="0"/>
+                                          </p:stCondLst>
+                                        </p:cTn>
+                                        <p:tgtEl>
+                                          <p:spTgt spid="3">
+                                            <p:txEl>
+                                              <p:pRg st="3" end="3"/>
+                                            </p:txEl>
+                                          </p:spTgt>
+                                        </p:tgtEl>
+                                        <p:attrNameLst>
+                                          <p:attrName>style.visibility</p:attrName>
+                                        </p:attrNameLst>
+                                      </p:cBhvr>
+                                      <p:to>
+                                        <p:strVal val="visible"/>
+                                      </p:to>
+                                    </p:set>
+                                    <p:animEffect transition="in" filter="fade">
+                                      <p:cBhvr>
+                                        <p:cTn id="26" dur="500"/>
+                                        <p:tgtEl>
+                                          <p:spTgt spid="3">
+                                            <p:txEl>
+                                              <p:pRg st="3" end="3"/>
+                                            </p:txEl>
+                                          </p:spTgt>
+                                        </p:tgtEl>
+                                      </p:cBhvr>
+                                    </p:animEffect>
+                                  </p:childTnLst>
+                                </p:cTn>
+                              </p:par>
                             </p:childTnLst>
                           </p:cTn>
                         </p:par>
@@ -14586,26 +14701,26 @@
                     </p:cTn>
                   </p:par>
                   <p:par>
-                    <p:cTn id="24" fill="hold">
+                    <p:cTn id="27" fill="hold">
                       <p:stCondLst>
                         <p:cond delay="indefinite"/>
                       </p:stCondLst>
                       <p:childTnLst>
                         <p:par>
-                          <p:cTn id="25" fill="hold">
+                          <p:cTn id="28" fill="hold">
                             <p:stCondLst>
                               <p:cond delay="0"/>
                             </p:stCondLst>
                             <p:childTnLst>
                               <p:par>
-                                <p:cTn id="26" presetID="10" presetClass="entr" presetSubtype="0" fill="hold" grpId="0" nodeType="clickEffect">
+                                <p:cTn id="29" presetID="10" presetClass="entr" presetSubtype="0" fill="hold" grpId="0" nodeType="clickEffect">
                                   <p:stCondLst>
                                     <p:cond delay="0"/>
                                   </p:stCondLst>
                                   <p:childTnLst>
                                     <p:set>
                                       <p:cBhvr>
-                                        <p:cTn id="27" dur="1" fill="hold">
+                                        <p:cTn id="30" dur="1" fill="hold">
                                           <p:stCondLst>
                                             <p:cond delay="0"/>
                                           </p:stCondLst>
@@ -14623,7 +14738,7 @@
                                     </p:set>
                                     <p:animEffect transition="in" filter="fade">
                                       <p:cBhvr>
-                                        <p:cTn id="28" dur="500"/>
+                                        <p:cTn id="31" dur="500"/>
                                         <p:tgtEl>
                                           <p:spTgt spid="10"/>
                                         </p:tgtEl>
@@ -14911,7 +15026,7 @@
           <a:graphicData uri="http://schemas.openxmlformats.org/presentationml/2006/ole">
             <mc:AlternateContent xmlns:mc="http://schemas.openxmlformats.org/markup-compatibility/2006">
               <mc:Choice xmlns:v="urn:schemas-microsoft-com:vml" Requires="v">
-                <p:oleObj spid="_x0000_s4150" name="Equation" r:id="rId4" imgW="431640" imgH="164880" progId="Equation.DSMT4">
+                <p:oleObj spid="_x0000_s4154" name="Equation" r:id="rId4" imgW="431640" imgH="164880" progId="Equation.DSMT4">
                   <p:embed/>
                 </p:oleObj>
               </mc:Choice>
@@ -15220,7 +15335,7 @@
           <a:graphicData uri="http://schemas.openxmlformats.org/presentationml/2006/ole">
             <mc:AlternateContent xmlns:mc="http://schemas.openxmlformats.org/markup-compatibility/2006">
               <mc:Choice xmlns:v="urn:schemas-microsoft-com:vml" Requires="v">
-                <p:oleObj spid="_x0000_s5254" name="Equation" r:id="rId5" imgW="622080" imgH="431640" progId="Equation.DSMT4">
+                <p:oleObj spid="_x0000_s5266" name="Equation" r:id="rId5" imgW="622080" imgH="431640" progId="Equation.DSMT4">
                   <p:embed/>
                 </p:oleObj>
               </mc:Choice>
@@ -15281,7 +15396,7 @@
           <a:graphicData uri="http://schemas.openxmlformats.org/presentationml/2006/ole">
             <mc:AlternateContent xmlns:mc="http://schemas.openxmlformats.org/markup-compatibility/2006">
               <mc:Choice xmlns:v="urn:schemas-microsoft-com:vml" Requires="v">
-                <p:oleObj spid="_x0000_s5255" name="Equation" r:id="rId7" imgW="622080" imgH="1117440" progId="Equation.DSMT4">
+                <p:oleObj spid="_x0000_s5267" name="Equation" r:id="rId7" imgW="622080" imgH="1117440" progId="Equation.DSMT4">
                   <p:embed/>
                 </p:oleObj>
               </mc:Choice>
@@ -15342,7 +15457,7 @@
           <a:graphicData uri="http://schemas.openxmlformats.org/presentationml/2006/ole">
             <mc:AlternateContent xmlns:mc="http://schemas.openxmlformats.org/markup-compatibility/2006">
               <mc:Choice xmlns:v="urn:schemas-microsoft-com:vml" Requires="v">
-                <p:oleObj spid="_x0000_s5256" name="Equation" r:id="rId9" imgW="1218960" imgH="228600" progId="Equation.DSMT4">
+                <p:oleObj spid="_x0000_s5268" name="Equation" r:id="rId9" imgW="1218960" imgH="228600" progId="Equation.DSMT4">
                   <p:embed/>
                 </p:oleObj>
               </mc:Choice>
@@ -15981,7 +16096,7 @@
           <a:graphicData uri="http://schemas.openxmlformats.org/presentationml/2006/ole">
             <mc:AlternateContent xmlns:mc="http://schemas.openxmlformats.org/markup-compatibility/2006">
               <mc:Choice xmlns:v="urn:schemas-microsoft-com:vml" Requires="v">
-                <p:oleObj spid="_x0000_s1194" name="Equation" r:id="rId5" imgW="1091880" imgH="253800" progId="Equation.DSMT4">
+                <p:oleObj spid="_x0000_s1202" name="Equation" r:id="rId5" imgW="1091880" imgH="253800" progId="Equation.DSMT4">
                   <p:embed/>
                 </p:oleObj>
               </mc:Choice>
@@ -16415,7 +16530,7 @@
           <a:graphicData uri="http://schemas.openxmlformats.org/presentationml/2006/ole">
             <mc:AlternateContent xmlns:mc="http://schemas.openxmlformats.org/markup-compatibility/2006">
               <mc:Choice xmlns:v="urn:schemas-microsoft-com:vml" Requires="v">
-                <p:oleObj spid="_x0000_s1195" name="Equation" r:id="rId7" imgW="838080" imgH="253800" progId="Equation.DSMT4">
+                <p:oleObj spid="_x0000_s1203" name="Equation" r:id="rId7" imgW="838080" imgH="253800" progId="Equation.DSMT4">
                   <p:embed/>
                 </p:oleObj>
               </mc:Choice>
@@ -17090,7 +17205,7 @@
           <a:graphicData uri="http://schemas.openxmlformats.org/presentationml/2006/ole">
             <mc:AlternateContent xmlns:mc="http://schemas.openxmlformats.org/markup-compatibility/2006">
               <mc:Choice xmlns:v="urn:schemas-microsoft-com:vml" Requires="v">
-                <p:oleObj spid="_x0000_s2290" name="Equation" r:id="rId3" imgW="1434960" imgH="1371600" progId="Equation.DSMT4">
+                <p:oleObj spid="_x0000_s2306" name="Equation" r:id="rId3" imgW="1434960" imgH="1371600" progId="Equation.DSMT4">
                   <p:embed/>
                 </p:oleObj>
               </mc:Choice>
@@ -17151,7 +17266,7 @@
           <a:graphicData uri="http://schemas.openxmlformats.org/presentationml/2006/ole">
             <mc:AlternateContent xmlns:mc="http://schemas.openxmlformats.org/markup-compatibility/2006">
               <mc:Choice xmlns:v="urn:schemas-microsoft-com:vml" Requires="v">
-                <p:oleObj spid="_x0000_s2291" name="Equation" r:id="rId5" imgW="1091880" imgH="228600" progId="Equation.DSMT4">
+                <p:oleObj spid="_x0000_s2307" name="Equation" r:id="rId5" imgW="1091880" imgH="228600" progId="Equation.DSMT4">
                   <p:embed/>
                 </p:oleObj>
               </mc:Choice>
@@ -17212,7 +17327,7 @@
           <a:graphicData uri="http://schemas.openxmlformats.org/presentationml/2006/ole">
             <mc:AlternateContent xmlns:mc="http://schemas.openxmlformats.org/markup-compatibility/2006">
               <mc:Choice xmlns:v="urn:schemas-microsoft-com:vml" Requires="v">
-                <p:oleObj spid="_x0000_s2292" name="Equation" r:id="rId7" imgW="495000" imgH="482400" progId="Equation.DSMT4">
+                <p:oleObj spid="_x0000_s2308" name="Equation" r:id="rId7" imgW="495000" imgH="482400" progId="Equation.DSMT4">
                   <p:embed/>
                 </p:oleObj>
               </mc:Choice>
@@ -18117,7 +18232,7 @@
           <a:graphicData uri="http://schemas.openxmlformats.org/presentationml/2006/ole">
             <mc:AlternateContent xmlns:mc="http://schemas.openxmlformats.org/markup-compatibility/2006">
               <mc:Choice xmlns:v="urn:schemas-microsoft-com:vml" Requires="v">
-                <p:oleObj spid="_x0000_s2293" name="Equation" r:id="rId10" imgW="1015920" imgH="203040" progId="Equation.DSMT4">
+                <p:oleObj spid="_x0000_s2309" name="Equation" r:id="rId10" imgW="1015920" imgH="203040" progId="Equation.DSMT4">
                   <p:embed/>
                 </p:oleObj>
               </mc:Choice>
@@ -18545,7 +18660,7 @@
           <a:graphicData uri="http://schemas.openxmlformats.org/presentationml/2006/ole">
             <mc:AlternateContent xmlns:mc="http://schemas.openxmlformats.org/markup-compatibility/2006">
               <mc:Choice xmlns:v="urn:schemas-microsoft-com:vml" Requires="v">
-                <p:oleObj spid="_x0000_s6420" name="Equation" r:id="rId3" imgW="164880" imgH="228600" progId="Equation.DSMT4">
+                <p:oleObj spid="_x0000_s6448" name="Equation" r:id="rId3" imgW="164880" imgH="228600" progId="Equation.DSMT4">
                   <p:embed/>
                 </p:oleObj>
               </mc:Choice>
@@ -18602,7 +18717,7 @@
           <a:graphicData uri="http://schemas.openxmlformats.org/presentationml/2006/ole">
             <mc:AlternateContent xmlns:mc="http://schemas.openxmlformats.org/markup-compatibility/2006">
               <mc:Choice xmlns:v="urn:schemas-microsoft-com:vml" Requires="v">
-                <p:oleObj spid="_x0000_s6421" name="Equation" r:id="rId5" imgW="1650960" imgH="431640" progId="Equation.DSMT4">
+                <p:oleObj spid="_x0000_s6449" name="Equation" r:id="rId5" imgW="1650960" imgH="431640" progId="Equation.DSMT4">
                   <p:embed/>
                 </p:oleObj>
               </mc:Choice>
@@ -18704,7 +18819,7 @@
           <a:graphicData uri="http://schemas.openxmlformats.org/presentationml/2006/ole">
             <mc:AlternateContent xmlns:mc="http://schemas.openxmlformats.org/markup-compatibility/2006">
               <mc:Choice xmlns:v="urn:schemas-microsoft-com:vml" Requires="v">
-                <p:oleObj spid="_x0000_s6422" name="Equation" r:id="rId7" imgW="1104840" imgH="177480" progId="Equation.DSMT4">
+                <p:oleObj spid="_x0000_s6450" name="Equation" r:id="rId7" imgW="1104840" imgH="177480" progId="Equation.DSMT4">
                   <p:embed/>
                 </p:oleObj>
               </mc:Choice>
@@ -18761,7 +18876,7 @@
           <a:graphicData uri="http://schemas.openxmlformats.org/presentationml/2006/ole">
             <mc:AlternateContent xmlns:mc="http://schemas.openxmlformats.org/markup-compatibility/2006">
               <mc:Choice xmlns:v="urn:schemas-microsoft-com:vml" Requires="v">
-                <p:oleObj spid="_x0000_s6423" name="Equation" r:id="rId9" imgW="1612800" imgH="431640" progId="Equation.DSMT4">
+                <p:oleObj spid="_x0000_s6451" name="Equation" r:id="rId9" imgW="1612800" imgH="431640" progId="Equation.DSMT4">
                   <p:embed/>
                 </p:oleObj>
               </mc:Choice>
@@ -18818,7 +18933,7 @@
           <a:graphicData uri="http://schemas.openxmlformats.org/presentationml/2006/ole">
             <mc:AlternateContent xmlns:mc="http://schemas.openxmlformats.org/markup-compatibility/2006">
               <mc:Choice xmlns:v="urn:schemas-microsoft-com:vml" Requires="v">
-                <p:oleObj spid="_x0000_s6424" name="Equation" r:id="rId11" imgW="1549080" imgH="838080" progId="Equation.DSMT4">
+                <p:oleObj spid="_x0000_s6452" name="Equation" r:id="rId11" imgW="1549080" imgH="838080" progId="Equation.DSMT4">
                   <p:embed/>
                 </p:oleObj>
               </mc:Choice>
@@ -18875,7 +18990,7 @@
           <a:graphicData uri="http://schemas.openxmlformats.org/presentationml/2006/ole">
             <mc:AlternateContent xmlns:mc="http://schemas.openxmlformats.org/markup-compatibility/2006">
               <mc:Choice xmlns:v="urn:schemas-microsoft-com:vml" Requires="v">
-                <p:oleObj spid="_x0000_s6425" name="Equation" r:id="rId13" imgW="1333440" imgH="419040" progId="Equation.DSMT4">
+                <p:oleObj spid="_x0000_s6453" name="Equation" r:id="rId13" imgW="1333440" imgH="419040" progId="Equation.DSMT4">
                   <p:embed/>
                 </p:oleObj>
               </mc:Choice>
@@ -18932,7 +19047,7 @@
           <a:graphicData uri="http://schemas.openxmlformats.org/presentationml/2006/ole">
             <mc:AlternateContent xmlns:mc="http://schemas.openxmlformats.org/markup-compatibility/2006">
               <mc:Choice xmlns:v="urn:schemas-microsoft-com:vml" Requires="v">
-                <p:oleObj spid="_x0000_s6426" name="Equation" r:id="rId15" imgW="1841400" imgH="228600" progId="Equation.DSMT4">
+                <p:oleObj spid="_x0000_s6454" name="Equation" r:id="rId15" imgW="1841400" imgH="228600" progId="Equation.DSMT4">
                   <p:embed/>
                 </p:oleObj>
               </mc:Choice>

--- a/数据分析-7-预测.pptx
+++ b/数据分析-7-预测.pptx
@@ -913,7 +913,7 @@
         <a:p>
           <a:r>
             <a:rPr lang="zh-CN" altLang="en-US" sz="3200" dirty="0" smtClean="0"/>
-            <a:t>模型精确度</a:t>
+            <a:t>预测精确度</a:t>
           </a:r>
           <a:endParaRPr lang="zh-CN" altLang="en-US" sz="3200" dirty="0"/>
         </a:p>
@@ -1215,7 +1215,7 @@
           </a:pPr>
           <a:r>
             <a:rPr lang="zh-CN" altLang="en-US" sz="3200" kern="1200" dirty="0" smtClean="0"/>
-            <a:t>模型精确度</a:t>
+            <a:t>预测精确度</a:t>
           </a:r>
           <a:endParaRPr lang="zh-CN" altLang="en-US" sz="3200" kern="1200" dirty="0"/>
         </a:p>
@@ -2846,7 +2846,7 @@
           <a:p>
             <a:fld id="{21149EF3-B5D6-4312-9940-7ECDC3700A55}" type="datetimeFigureOut">
               <a:rPr lang="zh-CN" altLang="en-US" smtClean="0"/>
-              <a:t>2017/12/3</a:t>
+              <a:t>2017/12/4</a:t>
             </a:fld>
             <a:endParaRPr lang="zh-CN" altLang="en-US"/>
           </a:p>
@@ -3116,7 +3116,7 @@
           <a:p>
             <a:fld id="{21149EF3-B5D6-4312-9940-7ECDC3700A55}" type="datetimeFigureOut">
               <a:rPr lang="zh-CN" altLang="en-US" smtClean="0"/>
-              <a:t>2017/12/3</a:t>
+              <a:t>2017/12/4</a:t>
             </a:fld>
             <a:endParaRPr lang="zh-CN" altLang="en-US"/>
           </a:p>
@@ -3372,7 +3372,7 @@
           <a:p>
             <a:fld id="{21149EF3-B5D6-4312-9940-7ECDC3700A55}" type="datetimeFigureOut">
               <a:rPr lang="zh-CN" altLang="en-US" smtClean="0"/>
-              <a:t>2017/12/3</a:t>
+              <a:t>2017/12/4</a:t>
             </a:fld>
             <a:endParaRPr lang="zh-CN" altLang="en-US"/>
           </a:p>
@@ -3571,7 +3571,7 @@
           <a:p>
             <a:fld id="{21149EF3-B5D6-4312-9940-7ECDC3700A55}" type="datetimeFigureOut">
               <a:rPr lang="zh-CN" altLang="en-US" smtClean="0"/>
-              <a:t>2017/12/3</a:t>
+              <a:t>2017/12/4</a:t>
             </a:fld>
             <a:endParaRPr lang="zh-CN" altLang="en-US"/>
           </a:p>
@@ -3913,7 +3913,7 @@
           <a:p>
             <a:fld id="{21149EF3-B5D6-4312-9940-7ECDC3700A55}" type="datetimeFigureOut">
               <a:rPr lang="zh-CN" altLang="en-US" smtClean="0"/>
-              <a:t>2017/12/3</a:t>
+              <a:t>2017/12/4</a:t>
             </a:fld>
             <a:endParaRPr lang="zh-CN" altLang="en-US"/>
           </a:p>
@@ -4188,7 +4188,7 @@
           <a:p>
             <a:fld id="{21149EF3-B5D6-4312-9940-7ECDC3700A55}" type="datetimeFigureOut">
               <a:rPr lang="zh-CN" altLang="en-US" smtClean="0"/>
-              <a:t>2017/12/3</a:t>
+              <a:t>2017/12/4</a:t>
             </a:fld>
             <a:endParaRPr lang="zh-CN" altLang="en-US"/>
           </a:p>
@@ -4567,7 +4567,7 @@
           <a:p>
             <a:fld id="{21149EF3-B5D6-4312-9940-7ECDC3700A55}" type="datetimeFigureOut">
               <a:rPr lang="zh-CN" altLang="en-US" smtClean="0"/>
-              <a:t>2017/12/3</a:t>
+              <a:t>2017/12/4</a:t>
             </a:fld>
             <a:endParaRPr lang="zh-CN" altLang="en-US"/>
           </a:p>
@@ -4685,7 +4685,7 @@
           <a:p>
             <a:fld id="{21149EF3-B5D6-4312-9940-7ECDC3700A55}" type="datetimeFigureOut">
               <a:rPr lang="zh-CN" altLang="en-US" smtClean="0"/>
-              <a:t>2017/12/3</a:t>
+              <a:t>2017/12/4</a:t>
             </a:fld>
             <a:endParaRPr lang="zh-CN" altLang="en-US"/>
           </a:p>
@@ -4856,7 +4856,7 @@
           <a:p>
             <a:fld id="{21149EF3-B5D6-4312-9940-7ECDC3700A55}" type="datetimeFigureOut">
               <a:rPr lang="zh-CN" altLang="en-US" smtClean="0"/>
-              <a:t>2017/12/3</a:t>
+              <a:t>2017/12/4</a:t>
             </a:fld>
             <a:endParaRPr lang="zh-CN" altLang="en-US"/>
           </a:p>
@@ -5210,7 +5210,7 @@
           <a:p>
             <a:fld id="{21149EF3-B5D6-4312-9940-7ECDC3700A55}" type="datetimeFigureOut">
               <a:rPr lang="zh-CN" altLang="en-US" smtClean="0"/>
-              <a:t>2017/12/3</a:t>
+              <a:t>2017/12/4</a:t>
             </a:fld>
             <a:endParaRPr lang="zh-CN" altLang="en-US"/>
           </a:p>
@@ -5592,7 +5592,7 @@
           <a:p>
             <a:fld id="{21149EF3-B5D6-4312-9940-7ECDC3700A55}" type="datetimeFigureOut">
               <a:rPr lang="zh-CN" altLang="en-US" smtClean="0"/>
-              <a:t>2017/12/3</a:t>
+              <a:t>2017/12/4</a:t>
             </a:fld>
             <a:endParaRPr lang="zh-CN" altLang="en-US"/>
           </a:p>
@@ -5879,7 +5879,7 @@
           <a:p>
             <a:fld id="{21149EF3-B5D6-4312-9940-7ECDC3700A55}" type="datetimeFigureOut">
               <a:rPr lang="zh-CN" altLang="en-US" smtClean="0"/>
-              <a:t>2017/12/3</a:t>
+              <a:t>2017/12/4</a:t>
             </a:fld>
             <a:endParaRPr lang="zh-CN" altLang="en-US"/>
           </a:p>
@@ -6598,7 +6598,7 @@
           <a:graphicData uri="http://schemas.openxmlformats.org/presentationml/2006/ole">
             <mc:AlternateContent xmlns:mc="http://schemas.openxmlformats.org/markup-compatibility/2006">
               <mc:Choice xmlns:v="urn:schemas-microsoft-com:vml" Requires="v">
-                <p:oleObj spid="_x0000_s11300" name="Equation" r:id="rId3" imgW="1866600" imgH="431640" progId="Equation.DSMT4">
+                <p:oleObj spid="_x0000_s11306" name="Equation" r:id="rId3" imgW="1866600" imgH="431640" progId="Equation.DSMT4">
                   <p:embed/>
                 </p:oleObj>
               </mc:Choice>
@@ -6655,7 +6655,7 @@
           <a:graphicData uri="http://schemas.openxmlformats.org/presentationml/2006/ole">
             <mc:AlternateContent xmlns:mc="http://schemas.openxmlformats.org/markup-compatibility/2006">
               <mc:Choice xmlns:v="urn:schemas-microsoft-com:vml" Requires="v">
-                <p:oleObj spid="_x0000_s11301" name="Equation" r:id="rId5" imgW="2031840" imgH="482400" progId="Equation.DSMT4">
+                <p:oleObj spid="_x0000_s11307" name="Equation" r:id="rId5" imgW="2031840" imgH="482400" progId="Equation.DSMT4">
                   <p:embed/>
                 </p:oleObj>
               </mc:Choice>
@@ -6690,6 +6690,65 @@
           </a:graphicData>
         </a:graphic>
       </p:graphicFrame>
+      <p:sp>
+        <p:nvSpPr>
+          <p:cNvPr id="2" name="文本框 1"/>
+          <p:cNvSpPr txBox="1"/>
+          <p:nvPr/>
+        </p:nvSpPr>
+        <p:spPr>
+          <a:xfrm>
+            <a:off x="6373985" y="5331137"/>
+            <a:ext cx="5318315" cy="646331"/>
+          </a:xfrm>
+          <a:prstGeom prst="rect">
+            <a:avLst/>
+          </a:prstGeom>
+          <a:noFill/>
+        </p:spPr>
+        <p:txBody>
+          <a:bodyPr wrap="none" rtlCol="0">
+            <a:spAutoFit/>
+          </a:bodyPr>
+          <a:lstStyle/>
+          <a:p>
+            <a:r>
+              <a:rPr lang="zh-CN" altLang="en-US" dirty="0" smtClean="0">
+                <a:latin typeface="华文楷体" panose="02010600040101010101" pitchFamily="2" charset="-122"/>
+                <a:ea typeface="华文楷体" panose="02010600040101010101" pitchFamily="2" charset="-122"/>
+              </a:rPr>
+              <a:t>平均绝对误差</a:t>
+            </a:r>
+            <a:r>
+              <a:rPr lang="en-US" altLang="zh-CN" dirty="0" smtClean="0">
+                <a:latin typeface="华文楷体" panose="02010600040101010101" pitchFamily="2" charset="-122"/>
+                <a:ea typeface="华文楷体" panose="02010600040101010101" pitchFamily="2" charset="-122"/>
+              </a:rPr>
+              <a:t>MAE: Mean absolute errors</a:t>
+            </a:r>
+          </a:p>
+          <a:p>
+            <a:r>
+              <a:rPr lang="zh-CN" altLang="en-US" dirty="0" smtClean="0">
+                <a:latin typeface="华文楷体" panose="02010600040101010101" pitchFamily="2" charset="-122"/>
+                <a:ea typeface="华文楷体" panose="02010600040101010101" pitchFamily="2" charset="-122"/>
+              </a:rPr>
+              <a:t>平均相对误差</a:t>
+            </a:r>
+            <a:r>
+              <a:rPr lang="en-US" altLang="zh-CN" dirty="0" smtClean="0">
+                <a:latin typeface="华文楷体" panose="02010600040101010101" pitchFamily="2" charset="-122"/>
+                <a:ea typeface="华文楷体" panose="02010600040101010101" pitchFamily="2" charset="-122"/>
+              </a:rPr>
+              <a:t>MAPE: Mean absolute percentage errors</a:t>
+            </a:r>
+            <a:endParaRPr lang="zh-CN" altLang="en-US" dirty="0">
+              <a:latin typeface="华文楷体" panose="02010600040101010101" pitchFamily="2" charset="-122"/>
+              <a:ea typeface="华文楷体" panose="02010600040101010101" pitchFamily="2" charset="-122"/>
+            </a:endParaRPr>
+          </a:p>
+        </p:txBody>
+      </p:sp>
     </p:spTree>
     <p:extLst>
       <p:ext uri="{BB962C8B-B14F-4D97-AF65-F5344CB8AC3E}">
@@ -7653,7 +7712,7 @@
           <a:graphicData uri="http://schemas.openxmlformats.org/presentationml/2006/ole">
             <mc:AlternateContent xmlns:mc="http://schemas.openxmlformats.org/markup-compatibility/2006">
               <mc:Choice xmlns:v="urn:schemas-microsoft-com:vml" Requires="v">
-                <p:oleObj spid="_x0000_s13356" name="Equation" r:id="rId3" imgW="1206360" imgH="203040" progId="Equation.DSMT4">
+                <p:oleObj spid="_x0000_s13371" name="Equation" r:id="rId3" imgW="1206360" imgH="203040" progId="Equation.DSMT4">
                   <p:embed/>
                 </p:oleObj>
               </mc:Choice>
@@ -7710,7 +7769,7 @@
           <a:graphicData uri="http://schemas.openxmlformats.org/presentationml/2006/ole">
             <mc:AlternateContent xmlns:mc="http://schemas.openxmlformats.org/markup-compatibility/2006">
               <mc:Choice xmlns:v="urn:schemas-microsoft-com:vml" Requires="v">
-                <p:oleObj spid="_x0000_s13357" name="Equation" r:id="rId5" imgW="1777680" imgH="622080" progId="Equation.DSMT4">
+                <p:oleObj spid="_x0000_s13372" name="Equation" r:id="rId5" imgW="1777680" imgH="622080" progId="Equation.DSMT4">
                   <p:embed/>
                 </p:oleObj>
               </mc:Choice>
@@ -7879,7 +7938,7 @@
           <a:graphicData uri="http://schemas.openxmlformats.org/presentationml/2006/ole">
             <mc:AlternateContent xmlns:mc="http://schemas.openxmlformats.org/markup-compatibility/2006">
               <mc:Choice xmlns:v="urn:schemas-microsoft-com:vml" Requires="v">
-                <p:oleObj spid="_x0000_s13358" name="Equation" r:id="rId9" imgW="495000" imgH="203040" progId="Equation.DSMT4">
+                <p:oleObj spid="_x0000_s13373" name="Equation" r:id="rId9" imgW="495000" imgH="203040" progId="Equation.DSMT4">
                   <p:embed/>
                 </p:oleObj>
               </mc:Choice>
@@ -8153,7 +8212,7 @@
           <a:graphicData uri="http://schemas.openxmlformats.org/presentationml/2006/ole">
             <mc:AlternateContent xmlns:mc="http://schemas.openxmlformats.org/markup-compatibility/2006">
               <mc:Choice xmlns:v="urn:schemas-microsoft-com:vml" Requires="v">
-                <p:oleObj spid="_x0000_s13359" name="Equation" r:id="rId12" imgW="1269720" imgH="228600" progId="Equation.DSMT4">
+                <p:oleObj spid="_x0000_s13374" name="Equation" r:id="rId12" imgW="1269720" imgH="228600" progId="Equation.DSMT4">
                   <p:embed/>
                 </p:oleObj>
               </mc:Choice>
@@ -8252,7 +8311,7 @@
           <a:graphicData uri="http://schemas.openxmlformats.org/presentationml/2006/ole">
             <mc:AlternateContent xmlns:mc="http://schemas.openxmlformats.org/markup-compatibility/2006">
               <mc:Choice xmlns:v="urn:schemas-microsoft-com:vml" Requires="v">
-                <p:oleObj spid="_x0000_s13360" name="Equation" r:id="rId14" imgW="850680" imgH="342720" progId="Equation.DSMT4">
+                <p:oleObj spid="_x0000_s13375" name="Equation" r:id="rId14" imgW="850680" imgH="342720" progId="Equation.DSMT4">
                   <p:embed/>
                 </p:oleObj>
               </mc:Choice>
@@ -9709,7 +9768,7 @@
           <a:graphicData uri="http://schemas.openxmlformats.org/presentationml/2006/ole">
             <mc:AlternateContent xmlns:mc="http://schemas.openxmlformats.org/markup-compatibility/2006">
               <mc:Choice xmlns:v="urn:schemas-microsoft-com:vml" Requires="v">
-                <p:oleObj spid="_x0000_s9270" name="Equation" r:id="rId4" imgW="1091880" imgH="228600" progId="Equation.DSMT4">
+                <p:oleObj spid="_x0000_s9276" name="Equation" r:id="rId4" imgW="1091880" imgH="228600" progId="Equation.DSMT4">
                   <p:embed/>
                 </p:oleObj>
               </mc:Choice>
@@ -9800,7 +9859,7 @@
           <a:graphicData uri="http://schemas.openxmlformats.org/presentationml/2006/ole">
             <mc:AlternateContent xmlns:mc="http://schemas.openxmlformats.org/markup-compatibility/2006">
               <mc:Choice xmlns:v="urn:schemas-microsoft-com:vml" Requires="v">
-                <p:oleObj spid="_x0000_s9271" name="Equation" r:id="rId6" imgW="1460160" imgH="241200" progId="Equation.DSMT4">
+                <p:oleObj spid="_x0000_s9277" name="Equation" r:id="rId6" imgW="1460160" imgH="241200" progId="Equation.DSMT4">
                   <p:embed/>
                 </p:oleObj>
               </mc:Choice>
@@ -10035,7 +10094,7 @@
           <p:nvPr>
             <p:extLst>
               <p:ext uri="{D42A27DB-BD31-4B8C-83A1-F6EECF244321}">
-                <p14:modId xmlns:p14="http://schemas.microsoft.com/office/powerpoint/2010/main" val="3531953217"/>
+                <p14:modId xmlns:p14="http://schemas.microsoft.com/office/powerpoint/2010/main" val="3688006476"/>
               </p:ext>
             </p:extLst>
           </p:nvPr>
@@ -10393,25 +10452,25 @@
           <p:nvPr>
             <p:extLst>
               <p:ext uri="{D42A27DB-BD31-4B8C-83A1-F6EECF244321}">
-                <p14:modId xmlns:p14="http://schemas.microsoft.com/office/powerpoint/2010/main" val="2633400515"/>
+                <p14:modId xmlns:p14="http://schemas.microsoft.com/office/powerpoint/2010/main" val="2853081153"/>
               </p:ext>
             </p:extLst>
           </p:nvPr>
         </p:nvGraphicFramePr>
         <p:xfrm>
-          <a:off x="3605715" y="4084404"/>
-          <a:ext cx="2797117" cy="376083"/>
+          <a:off x="3594100" y="4084638"/>
+          <a:ext cx="2820988" cy="376237"/>
         </p:xfrm>
         <a:graphic>
           <a:graphicData uri="http://schemas.openxmlformats.org/presentationml/2006/ole">
             <mc:AlternateContent xmlns:mc="http://schemas.openxmlformats.org/markup-compatibility/2006">
               <mc:Choice xmlns:v="urn:schemas-microsoft-com:vml" Requires="v">
-                <p:oleObj spid="_x0000_s8222" name="Equation" r:id="rId3" imgW="1511280" imgH="203040" progId="Equation.DSMT4">
+                <p:oleObj spid="_x0000_s8225" name="Equation" r:id="rId3" imgW="1523880" imgH="203040" progId="Equation.DSMT4">
                   <p:embed/>
                 </p:oleObj>
               </mc:Choice>
               <mc:Fallback>
-                <p:oleObj name="Equation" r:id="rId3" imgW="1511280" imgH="203040" progId="Equation.DSMT4">
+                <p:oleObj name="Equation" r:id="rId3" imgW="1523880" imgH="203040" progId="Equation.DSMT4">
                   <p:embed/>
                   <p:pic>
                     <p:nvPicPr>
@@ -10427,8 +10486,8 @@
                     </p:blipFill>
                     <p:spPr>
                       <a:xfrm>
-                        <a:off x="3605715" y="4084404"/>
-                        <a:ext cx="2797117" cy="376083"/>
+                        <a:off x="3594100" y="4084638"/>
+                        <a:ext cx="2820988" cy="376237"/>
                       </a:xfrm>
                       <a:prstGeom prst="rect">
                         <a:avLst/>
@@ -10610,7 +10669,7 @@
           <a:graphicData uri="http://schemas.openxmlformats.org/presentationml/2006/ole">
             <mc:AlternateContent xmlns:mc="http://schemas.openxmlformats.org/markup-compatibility/2006">
               <mc:Choice xmlns:v="urn:schemas-microsoft-com:vml" Requires="v">
-                <p:oleObj spid="_x0000_s14359" name="Equation" r:id="rId3" imgW="1574640" imgH="228600" progId="Equation.DSMT4">
+                <p:oleObj spid="_x0000_s14368" name="Equation" r:id="rId3" imgW="1574640" imgH="228600" progId="Equation.DSMT4">
                   <p:embed/>
                 </p:oleObj>
               </mc:Choice>
@@ -10667,7 +10726,7 @@
           <a:graphicData uri="http://schemas.openxmlformats.org/presentationml/2006/ole">
             <mc:AlternateContent xmlns:mc="http://schemas.openxmlformats.org/markup-compatibility/2006">
               <mc:Choice xmlns:v="urn:schemas-microsoft-com:vml" Requires="v">
-                <p:oleObj spid="_x0000_s14360" name="Equation" r:id="rId5" imgW="482400" imgH="203040" progId="Equation.DSMT4">
+                <p:oleObj spid="_x0000_s14369" name="Equation" r:id="rId5" imgW="482400" imgH="203040" progId="Equation.DSMT4">
                   <p:embed/>
                 </p:oleObj>
               </mc:Choice>
@@ -10941,7 +11000,7 @@
           <a:graphicData uri="http://schemas.openxmlformats.org/presentationml/2006/ole">
             <mc:AlternateContent xmlns:mc="http://schemas.openxmlformats.org/markup-compatibility/2006">
               <mc:Choice xmlns:v="urn:schemas-microsoft-com:vml" Requires="v">
-                <p:oleObj spid="_x0000_s14361" name="Equation" r:id="rId8" imgW="1257120" imgH="228600" progId="Equation.DSMT4">
+                <p:oleObj spid="_x0000_s14370" name="Equation" r:id="rId8" imgW="1257120" imgH="228600" progId="Equation.DSMT4">
                   <p:embed/>
                 </p:oleObj>
               </mc:Choice>
@@ -11605,7 +11664,7 @@
           <a:graphicData uri="http://schemas.openxmlformats.org/presentationml/2006/ole">
             <mc:AlternateContent xmlns:mc="http://schemas.openxmlformats.org/markup-compatibility/2006">
               <mc:Choice xmlns:v="urn:schemas-microsoft-com:vml" Requires="v">
-                <p:oleObj spid="_x0000_s10275" name="Equation" r:id="rId3" imgW="1981080" imgH="203040" progId="Equation.DSMT4">
+                <p:oleObj spid="_x0000_s10281" name="Equation" r:id="rId3" imgW="1981080" imgH="203040" progId="Equation.DSMT4">
                   <p:embed/>
                 </p:oleObj>
               </mc:Choice>
@@ -11974,7 +12033,7 @@
             <a:graphicData uri="http://schemas.openxmlformats.org/presentationml/2006/ole">
               <mc:AlternateContent xmlns:mc="http://schemas.openxmlformats.org/markup-compatibility/2006">
                 <mc:Choice xmlns:v="urn:schemas-microsoft-com:vml" Requires="v">
-                  <p:oleObj spid="_x0000_s10276" name="Equation" r:id="rId5" imgW="927000" imgH="203040" progId="Equation.DSMT4">
+                  <p:oleObj spid="_x0000_s10282" name="Equation" r:id="rId5" imgW="927000" imgH="203040" progId="Equation.DSMT4">
                     <p:embed/>
                   </p:oleObj>
                 </mc:Choice>
@@ -12775,7 +12834,7 @@
           <a:graphicData uri="http://schemas.openxmlformats.org/presentationml/2006/ole">
             <mc:AlternateContent xmlns:mc="http://schemas.openxmlformats.org/markup-compatibility/2006">
               <mc:Choice xmlns:v="urn:schemas-microsoft-com:vml" Requires="v">
-                <p:oleObj spid="_x0000_s7234" name="Equation" r:id="rId3" imgW="1028520" imgH="228600" progId="Equation.DSMT4">
+                <p:oleObj spid="_x0000_s7240" name="Equation" r:id="rId3" imgW="1028520" imgH="228600" progId="Equation.DSMT4">
                   <p:embed/>
                 </p:oleObj>
               </mc:Choice>
@@ -12832,7 +12891,7 @@
           <a:graphicData uri="http://schemas.openxmlformats.org/presentationml/2006/ole">
             <mc:AlternateContent xmlns:mc="http://schemas.openxmlformats.org/markup-compatibility/2006">
               <mc:Choice xmlns:v="urn:schemas-microsoft-com:vml" Requires="v">
-                <p:oleObj spid="_x0000_s7235" name="Equation" r:id="rId5" imgW="2082600" imgH="241200" progId="Equation.DSMT4">
+                <p:oleObj spid="_x0000_s7241" name="Equation" r:id="rId5" imgW="2082600" imgH="241200" progId="Equation.DSMT4">
                   <p:embed/>
                 </p:oleObj>
               </mc:Choice>
@@ -13027,7 +13086,7 @@
           <a:graphicData uri="http://schemas.openxmlformats.org/presentationml/2006/ole">
             <mc:AlternateContent xmlns:mc="http://schemas.openxmlformats.org/markup-compatibility/2006">
               <mc:Choice xmlns:v="urn:schemas-microsoft-com:vml" Requires="v">
-                <p:oleObj spid="_x0000_s12316" name="Equation" r:id="rId3" imgW="1346040" imgH="228600" progId="Equation.DSMT4">
+                <p:oleObj spid="_x0000_s12328" name="Equation" r:id="rId3" imgW="1346040" imgH="228600" progId="Equation.DSMT4">
                   <p:embed/>
                 </p:oleObj>
               </mc:Choice>
@@ -13084,7 +13143,7 @@
           <a:graphicData uri="http://schemas.openxmlformats.org/presentationml/2006/ole">
             <mc:AlternateContent xmlns:mc="http://schemas.openxmlformats.org/markup-compatibility/2006">
               <mc:Choice xmlns:v="urn:schemas-microsoft-com:vml" Requires="v">
-                <p:oleObj spid="_x0000_s12317" name="Equation" r:id="rId5" imgW="1650960" imgH="393480" progId="Equation.DSMT4">
+                <p:oleObj spid="_x0000_s12329" name="Equation" r:id="rId5" imgW="1650960" imgH="393480" progId="Equation.DSMT4">
                   <p:embed/>
                 </p:oleObj>
               </mc:Choice>
@@ -13141,7 +13200,7 @@
           <a:graphicData uri="http://schemas.openxmlformats.org/presentationml/2006/ole">
             <mc:AlternateContent xmlns:mc="http://schemas.openxmlformats.org/markup-compatibility/2006">
               <mc:Choice xmlns:v="urn:schemas-microsoft-com:vml" Requires="v">
-                <p:oleObj spid="_x0000_s12318" name="Equation" r:id="rId7" imgW="2425680" imgH="228600" progId="Equation.DSMT4">
+                <p:oleObj spid="_x0000_s12330" name="Equation" r:id="rId7" imgW="2425680" imgH="228600" progId="Equation.DSMT4">
                   <p:embed/>
                 </p:oleObj>
               </mc:Choice>
@@ -13198,7 +13257,7 @@
           <a:graphicData uri="http://schemas.openxmlformats.org/presentationml/2006/ole">
             <mc:AlternateContent xmlns:mc="http://schemas.openxmlformats.org/markup-compatibility/2006">
               <mc:Choice xmlns:v="urn:schemas-microsoft-com:vml" Requires="v">
-                <p:oleObj spid="_x0000_s12319" name="Equation" r:id="rId9" imgW="2463480" imgH="228600" progId="Equation.DSMT4">
+                <p:oleObj spid="_x0000_s12331" name="Equation" r:id="rId9" imgW="2463480" imgH="228600" progId="Equation.DSMT4">
                   <p:embed/>
                 </p:oleObj>
               </mc:Choice>
@@ -13940,25 +13999,25 @@
           <p:nvPr>
             <p:extLst>
               <p:ext uri="{D42A27DB-BD31-4B8C-83A1-F6EECF244321}">
-                <p14:modId xmlns:p14="http://schemas.microsoft.com/office/powerpoint/2010/main" val="895988452"/>
+                <p14:modId xmlns:p14="http://schemas.microsoft.com/office/powerpoint/2010/main" val="640994972"/>
               </p:ext>
             </p:extLst>
           </p:nvPr>
         </p:nvGraphicFramePr>
         <p:xfrm>
-          <a:off x="1219620" y="4048954"/>
-          <a:ext cx="1811741" cy="374843"/>
+          <a:off x="1228725" y="4049713"/>
+          <a:ext cx="1792288" cy="374650"/>
         </p:xfrm>
         <a:graphic>
           <a:graphicData uri="http://schemas.openxmlformats.org/presentationml/2006/ole">
             <mc:AlternateContent xmlns:mc="http://schemas.openxmlformats.org/markup-compatibility/2006">
               <mc:Choice xmlns:v="urn:schemas-microsoft-com:vml" Requires="v">
-                <p:oleObj spid="_x0000_s3239" name="Equation" r:id="rId5" imgW="1104840" imgH="228600" progId="Equation.DSMT4">
+                <p:oleObj spid="_x0000_s3248" name="Equation" r:id="rId5" imgW="1091880" imgH="228600" progId="Equation.DSMT4">
                   <p:embed/>
                 </p:oleObj>
               </mc:Choice>
               <mc:Fallback>
-                <p:oleObj name="Equation" r:id="rId5" imgW="1104840" imgH="228600" progId="Equation.DSMT4">
+                <p:oleObj name="Equation" r:id="rId5" imgW="1091880" imgH="228600" progId="Equation.DSMT4">
                   <p:embed/>
                   <p:pic>
                     <p:nvPicPr>
@@ -13974,8 +14033,8 @@
                     </p:blipFill>
                     <p:spPr>
                       <a:xfrm>
-                        <a:off x="1219620" y="4048954"/>
-                        <a:ext cx="1811741" cy="374843"/>
+                        <a:off x="1228725" y="4049713"/>
+                        <a:ext cx="1792288" cy="374650"/>
                       </a:xfrm>
                       <a:prstGeom prst="rect">
                         <a:avLst/>
@@ -13997,25 +14056,25 @@
           <p:nvPr>
             <p:extLst>
               <p:ext uri="{D42A27DB-BD31-4B8C-83A1-F6EECF244321}">
-                <p14:modId xmlns:p14="http://schemas.microsoft.com/office/powerpoint/2010/main" val="1552645268"/>
+                <p14:modId xmlns:p14="http://schemas.microsoft.com/office/powerpoint/2010/main" val="297175918"/>
               </p:ext>
             </p:extLst>
           </p:nvPr>
         </p:nvGraphicFramePr>
         <p:xfrm>
-          <a:off x="1219620" y="2232210"/>
-          <a:ext cx="2058987" cy="439738"/>
+          <a:off x="1293813" y="2232025"/>
+          <a:ext cx="1908175" cy="439738"/>
         </p:xfrm>
         <a:graphic>
           <a:graphicData uri="http://schemas.openxmlformats.org/presentationml/2006/ole">
             <mc:AlternateContent xmlns:mc="http://schemas.openxmlformats.org/markup-compatibility/2006">
               <mc:Choice xmlns:v="urn:schemas-microsoft-com:vml" Requires="v">
-                <p:oleObj spid="_x0000_s3240" name="Equation" r:id="rId7" imgW="1218960" imgH="228600" progId="Equation.DSMT4">
+                <p:oleObj spid="_x0000_s3249" name="Equation" r:id="rId7" imgW="1130040" imgH="228600" progId="Equation.DSMT4">
                   <p:embed/>
                 </p:oleObj>
               </mc:Choice>
               <mc:Fallback>
-                <p:oleObj name="Equation" r:id="rId7" imgW="1218960" imgH="228600" progId="Equation.DSMT4">
+                <p:oleObj name="Equation" r:id="rId7" imgW="1130040" imgH="228600" progId="Equation.DSMT4">
                   <p:embed/>
                   <p:pic>
                     <p:nvPicPr>
@@ -14034,8 +14093,8 @@
                     </p:blipFill>
                     <p:spPr bwMode="auto">
                       <a:xfrm>
-                        <a:off x="1219620" y="2232210"/>
-                        <a:ext cx="2058987" cy="439738"/>
+                        <a:off x="1293813" y="2232025"/>
+                        <a:ext cx="1908175" cy="439738"/>
                       </a:xfrm>
                       <a:prstGeom prst="rect">
                         <a:avLst/>
@@ -14058,25 +14117,25 @@
           <p:nvPr>
             <p:extLst>
               <p:ext uri="{D42A27DB-BD31-4B8C-83A1-F6EECF244321}">
-                <p14:modId xmlns:p14="http://schemas.microsoft.com/office/powerpoint/2010/main" val="1723830807"/>
+                <p14:modId xmlns:p14="http://schemas.microsoft.com/office/powerpoint/2010/main" val="788946510"/>
               </p:ext>
             </p:extLst>
           </p:nvPr>
         </p:nvGraphicFramePr>
         <p:xfrm>
-          <a:off x="1219620" y="1805028"/>
-          <a:ext cx="1447672" cy="427182"/>
+          <a:off x="1254125" y="1804988"/>
+          <a:ext cx="1376363" cy="427037"/>
         </p:xfrm>
         <a:graphic>
           <a:graphicData uri="http://schemas.openxmlformats.org/presentationml/2006/ole">
             <mc:AlternateContent xmlns:mc="http://schemas.openxmlformats.org/markup-compatibility/2006">
               <mc:Choice xmlns:v="urn:schemas-microsoft-com:vml" Requires="v">
-                <p:oleObj spid="_x0000_s3241" name="Equation" r:id="rId9" imgW="774360" imgH="228600" progId="Equation.DSMT4">
+                <p:oleObj spid="_x0000_s3250" name="Equation" r:id="rId9" imgW="736560" imgH="228600" progId="Equation.DSMT4">
                   <p:embed/>
                 </p:oleObj>
               </mc:Choice>
               <mc:Fallback>
-                <p:oleObj name="Equation" r:id="rId9" imgW="774360" imgH="228600" progId="Equation.DSMT4">
+                <p:oleObj name="Equation" r:id="rId9" imgW="736560" imgH="228600" progId="Equation.DSMT4">
                   <p:embed/>
                   <p:pic>
                     <p:nvPicPr>
@@ -14092,8 +14151,8 @@
                     </p:blipFill>
                     <p:spPr>
                       <a:xfrm>
-                        <a:off x="1219620" y="1805028"/>
-                        <a:ext cx="1447672" cy="427182"/>
+                        <a:off x="1254125" y="1804988"/>
+                        <a:ext cx="1376363" cy="427037"/>
                       </a:xfrm>
                       <a:prstGeom prst="rect">
                         <a:avLst/>
@@ -15026,7 +15085,7 @@
           <a:graphicData uri="http://schemas.openxmlformats.org/presentationml/2006/ole">
             <mc:AlternateContent xmlns:mc="http://schemas.openxmlformats.org/markup-compatibility/2006">
               <mc:Choice xmlns:v="urn:schemas-microsoft-com:vml" Requires="v">
-                <p:oleObj spid="_x0000_s4154" name="Equation" r:id="rId4" imgW="431640" imgH="164880" progId="Equation.DSMT4">
+                <p:oleObj spid="_x0000_s4157" name="Equation" r:id="rId4" imgW="431640" imgH="164880" progId="Equation.DSMT4">
                   <p:embed/>
                 </p:oleObj>
               </mc:Choice>
@@ -15335,7 +15394,7 @@
           <a:graphicData uri="http://schemas.openxmlformats.org/presentationml/2006/ole">
             <mc:AlternateContent xmlns:mc="http://schemas.openxmlformats.org/markup-compatibility/2006">
               <mc:Choice xmlns:v="urn:schemas-microsoft-com:vml" Requires="v">
-                <p:oleObj spid="_x0000_s5266" name="Equation" r:id="rId5" imgW="622080" imgH="431640" progId="Equation.DSMT4">
+                <p:oleObj spid="_x0000_s5275" name="Equation" r:id="rId5" imgW="622080" imgH="431640" progId="Equation.DSMT4">
                   <p:embed/>
                 </p:oleObj>
               </mc:Choice>
@@ -15396,7 +15455,7 @@
           <a:graphicData uri="http://schemas.openxmlformats.org/presentationml/2006/ole">
             <mc:AlternateContent xmlns:mc="http://schemas.openxmlformats.org/markup-compatibility/2006">
               <mc:Choice xmlns:v="urn:schemas-microsoft-com:vml" Requires="v">
-                <p:oleObj spid="_x0000_s5267" name="Equation" r:id="rId7" imgW="622080" imgH="1117440" progId="Equation.DSMT4">
+                <p:oleObj spid="_x0000_s5276" name="Equation" r:id="rId7" imgW="622080" imgH="1117440" progId="Equation.DSMT4">
                   <p:embed/>
                 </p:oleObj>
               </mc:Choice>
@@ -15457,7 +15516,7 @@
           <a:graphicData uri="http://schemas.openxmlformats.org/presentationml/2006/ole">
             <mc:AlternateContent xmlns:mc="http://schemas.openxmlformats.org/markup-compatibility/2006">
               <mc:Choice xmlns:v="urn:schemas-microsoft-com:vml" Requires="v">
-                <p:oleObj spid="_x0000_s5268" name="Equation" r:id="rId9" imgW="1218960" imgH="228600" progId="Equation.DSMT4">
+                <p:oleObj spid="_x0000_s5277" name="Equation" r:id="rId9" imgW="1218960" imgH="228600" progId="Equation.DSMT4">
                   <p:embed/>
                 </p:oleObj>
               </mc:Choice>
@@ -16096,7 +16155,7 @@
           <a:graphicData uri="http://schemas.openxmlformats.org/presentationml/2006/ole">
             <mc:AlternateContent xmlns:mc="http://schemas.openxmlformats.org/markup-compatibility/2006">
               <mc:Choice xmlns:v="urn:schemas-microsoft-com:vml" Requires="v">
-                <p:oleObj spid="_x0000_s1202" name="Equation" r:id="rId5" imgW="1091880" imgH="253800" progId="Equation.DSMT4">
+                <p:oleObj spid="_x0000_s1208" name="Equation" r:id="rId5" imgW="1091880" imgH="253800" progId="Equation.DSMT4">
                   <p:embed/>
                 </p:oleObj>
               </mc:Choice>
@@ -16530,7 +16589,7 @@
           <a:graphicData uri="http://schemas.openxmlformats.org/presentationml/2006/ole">
             <mc:AlternateContent xmlns:mc="http://schemas.openxmlformats.org/markup-compatibility/2006">
               <mc:Choice xmlns:v="urn:schemas-microsoft-com:vml" Requires="v">
-                <p:oleObj spid="_x0000_s1203" name="Equation" r:id="rId7" imgW="838080" imgH="253800" progId="Equation.DSMT4">
+                <p:oleObj spid="_x0000_s1209" name="Equation" r:id="rId7" imgW="838080" imgH="253800" progId="Equation.DSMT4">
                   <p:embed/>
                 </p:oleObj>
               </mc:Choice>
@@ -17205,7 +17264,7 @@
           <a:graphicData uri="http://schemas.openxmlformats.org/presentationml/2006/ole">
             <mc:AlternateContent xmlns:mc="http://schemas.openxmlformats.org/markup-compatibility/2006">
               <mc:Choice xmlns:v="urn:schemas-microsoft-com:vml" Requires="v">
-                <p:oleObj spid="_x0000_s2306" name="Equation" r:id="rId3" imgW="1434960" imgH="1371600" progId="Equation.DSMT4">
+                <p:oleObj spid="_x0000_s2318" name="Equation" r:id="rId3" imgW="1434960" imgH="1371600" progId="Equation.DSMT4">
                   <p:embed/>
                 </p:oleObj>
               </mc:Choice>
@@ -17266,7 +17325,7 @@
           <a:graphicData uri="http://schemas.openxmlformats.org/presentationml/2006/ole">
             <mc:AlternateContent xmlns:mc="http://schemas.openxmlformats.org/markup-compatibility/2006">
               <mc:Choice xmlns:v="urn:schemas-microsoft-com:vml" Requires="v">
-                <p:oleObj spid="_x0000_s2307" name="Equation" r:id="rId5" imgW="1091880" imgH="228600" progId="Equation.DSMT4">
+                <p:oleObj spid="_x0000_s2319" name="Equation" r:id="rId5" imgW="1091880" imgH="228600" progId="Equation.DSMT4">
                   <p:embed/>
                 </p:oleObj>
               </mc:Choice>
@@ -17327,7 +17386,7 @@
           <a:graphicData uri="http://schemas.openxmlformats.org/presentationml/2006/ole">
             <mc:AlternateContent xmlns:mc="http://schemas.openxmlformats.org/markup-compatibility/2006">
               <mc:Choice xmlns:v="urn:schemas-microsoft-com:vml" Requires="v">
-                <p:oleObj spid="_x0000_s2308" name="Equation" r:id="rId7" imgW="495000" imgH="482400" progId="Equation.DSMT4">
+                <p:oleObj spid="_x0000_s2320" name="Equation" r:id="rId7" imgW="495000" imgH="482400" progId="Equation.DSMT4">
                   <p:embed/>
                 </p:oleObj>
               </mc:Choice>
@@ -18232,7 +18291,7 @@
           <a:graphicData uri="http://schemas.openxmlformats.org/presentationml/2006/ole">
             <mc:AlternateContent xmlns:mc="http://schemas.openxmlformats.org/markup-compatibility/2006">
               <mc:Choice xmlns:v="urn:schemas-microsoft-com:vml" Requires="v">
-                <p:oleObj spid="_x0000_s2309" name="Equation" r:id="rId10" imgW="1015920" imgH="203040" progId="Equation.DSMT4">
+                <p:oleObj spid="_x0000_s2321" name="Equation" r:id="rId10" imgW="1015920" imgH="203040" progId="Equation.DSMT4">
                   <p:embed/>
                 </p:oleObj>
               </mc:Choice>
@@ -18660,7 +18719,7 @@
           <a:graphicData uri="http://schemas.openxmlformats.org/presentationml/2006/ole">
             <mc:AlternateContent xmlns:mc="http://schemas.openxmlformats.org/markup-compatibility/2006">
               <mc:Choice xmlns:v="urn:schemas-microsoft-com:vml" Requires="v">
-                <p:oleObj spid="_x0000_s6448" name="Equation" r:id="rId3" imgW="164880" imgH="228600" progId="Equation.DSMT4">
+                <p:oleObj spid="_x0000_s6469" name="Equation" r:id="rId3" imgW="164880" imgH="228600" progId="Equation.DSMT4">
                   <p:embed/>
                 </p:oleObj>
               </mc:Choice>
@@ -18717,7 +18776,7 @@
           <a:graphicData uri="http://schemas.openxmlformats.org/presentationml/2006/ole">
             <mc:AlternateContent xmlns:mc="http://schemas.openxmlformats.org/markup-compatibility/2006">
               <mc:Choice xmlns:v="urn:schemas-microsoft-com:vml" Requires="v">
-                <p:oleObj spid="_x0000_s6449" name="Equation" r:id="rId5" imgW="1650960" imgH="431640" progId="Equation.DSMT4">
+                <p:oleObj spid="_x0000_s6470" name="Equation" r:id="rId5" imgW="1650960" imgH="431640" progId="Equation.DSMT4">
                   <p:embed/>
                 </p:oleObj>
               </mc:Choice>
@@ -18791,7 +18850,23 @@
           <a:p>
             <a:r>
               <a:rPr lang="zh-CN" altLang="en-US" sz="1400" dirty="0" smtClean="0"/>
-              <a:t>所有计算出来的数值都加上一个尖帽子，以区别开观察值</a:t>
+              <a:t>所有计算出来的数值都加上一个尖</a:t>
+            </a:r>
+            <a:r>
+              <a:rPr lang="zh-CN" altLang="en-US" sz="1400" dirty="0" smtClean="0"/>
+              <a:t>帽子表示拟合值，</a:t>
+            </a:r>
+            <a:r>
+              <a:rPr lang="zh-CN" altLang="en-US" sz="1400" dirty="0" smtClean="0"/>
+              <a:t>以</a:t>
+            </a:r>
+            <a:r>
+              <a:rPr lang="zh-CN" altLang="en-US" sz="1400" dirty="0" smtClean="0"/>
+              <a:t>区别观察</a:t>
+            </a:r>
+            <a:r>
+              <a:rPr lang="zh-CN" altLang="en-US" sz="1400" dirty="0" smtClean="0"/>
+              <a:t>值</a:t>
             </a:r>
             <a:endParaRPr lang="zh-CN" altLang="en-US" sz="1400" dirty="0"/>
           </a:p>
@@ -18819,7 +18894,7 @@
           <a:graphicData uri="http://schemas.openxmlformats.org/presentationml/2006/ole">
             <mc:AlternateContent xmlns:mc="http://schemas.openxmlformats.org/markup-compatibility/2006">
               <mc:Choice xmlns:v="urn:schemas-microsoft-com:vml" Requires="v">
-                <p:oleObj spid="_x0000_s6450" name="Equation" r:id="rId7" imgW="1104840" imgH="177480" progId="Equation.DSMT4">
+                <p:oleObj spid="_x0000_s6471" name="Equation" r:id="rId7" imgW="1104840" imgH="177480" progId="Equation.DSMT4">
                   <p:embed/>
                 </p:oleObj>
               </mc:Choice>
@@ -18863,25 +18938,25 @@
           <p:nvPr>
             <p:extLst>
               <p:ext uri="{D42A27DB-BD31-4B8C-83A1-F6EECF244321}">
-                <p14:modId xmlns:p14="http://schemas.microsoft.com/office/powerpoint/2010/main" val="838678861"/>
+                <p14:modId xmlns:p14="http://schemas.microsoft.com/office/powerpoint/2010/main" val="2593009424"/>
               </p:ext>
             </p:extLst>
           </p:nvPr>
         </p:nvGraphicFramePr>
         <p:xfrm>
-          <a:off x="4392325" y="3166208"/>
-          <a:ext cx="2373212" cy="635348"/>
+          <a:off x="4364038" y="3165475"/>
+          <a:ext cx="2430462" cy="636588"/>
         </p:xfrm>
         <a:graphic>
           <a:graphicData uri="http://schemas.openxmlformats.org/presentationml/2006/ole">
             <mc:AlternateContent xmlns:mc="http://schemas.openxmlformats.org/markup-compatibility/2006">
               <mc:Choice xmlns:v="urn:schemas-microsoft-com:vml" Requires="v">
-                <p:oleObj spid="_x0000_s6451" name="Equation" r:id="rId9" imgW="1612800" imgH="431640" progId="Equation.DSMT4">
+                <p:oleObj spid="_x0000_s6472" name="Equation" r:id="rId9" imgW="1650960" imgH="431640" progId="Equation.DSMT4">
                   <p:embed/>
                 </p:oleObj>
               </mc:Choice>
               <mc:Fallback>
-                <p:oleObj name="Equation" r:id="rId9" imgW="1612800" imgH="431640" progId="Equation.DSMT4">
+                <p:oleObj name="Equation" r:id="rId9" imgW="1650960" imgH="431640" progId="Equation.DSMT4">
                   <p:embed/>
                   <p:pic>
                     <p:nvPicPr>
@@ -18897,8 +18972,8 @@
                     </p:blipFill>
                     <p:spPr>
                       <a:xfrm>
-                        <a:off x="4392325" y="3166208"/>
-                        <a:ext cx="2373212" cy="635348"/>
+                        <a:off x="4364038" y="3165475"/>
+                        <a:ext cx="2430462" cy="636588"/>
                       </a:xfrm>
                       <a:prstGeom prst="rect">
                         <a:avLst/>
@@ -18920,7 +18995,7 @@
           <p:nvPr>
             <p:extLst>
               <p:ext uri="{D42A27DB-BD31-4B8C-83A1-F6EECF244321}">
-                <p14:modId xmlns:p14="http://schemas.microsoft.com/office/powerpoint/2010/main" val="3116147391"/>
+                <p14:modId xmlns:p14="http://schemas.microsoft.com/office/powerpoint/2010/main" val="1943176800"/>
               </p:ext>
             </p:extLst>
           </p:nvPr>
@@ -18933,7 +19008,7 @@
           <a:graphicData uri="http://schemas.openxmlformats.org/presentationml/2006/ole">
             <mc:AlternateContent xmlns:mc="http://schemas.openxmlformats.org/markup-compatibility/2006">
               <mc:Choice xmlns:v="urn:schemas-microsoft-com:vml" Requires="v">
-                <p:oleObj spid="_x0000_s6452" name="Equation" r:id="rId11" imgW="1549080" imgH="838080" progId="Equation.DSMT4">
+                <p:oleObj spid="_x0000_s6473" name="Equation" r:id="rId11" imgW="1549080" imgH="838080" progId="Equation.DSMT4">
                   <p:embed/>
                 </p:oleObj>
               </mc:Choice>
@@ -18977,7 +19052,7 @@
           <p:nvPr>
             <p:extLst>
               <p:ext uri="{D42A27DB-BD31-4B8C-83A1-F6EECF244321}">
-                <p14:modId xmlns:p14="http://schemas.microsoft.com/office/powerpoint/2010/main" val="3316252774"/>
+                <p14:modId xmlns:p14="http://schemas.microsoft.com/office/powerpoint/2010/main" val="4011419942"/>
               </p:ext>
             </p:extLst>
           </p:nvPr>
@@ -18990,7 +19065,7 @@
           <a:graphicData uri="http://schemas.openxmlformats.org/presentationml/2006/ole">
             <mc:AlternateContent xmlns:mc="http://schemas.openxmlformats.org/markup-compatibility/2006">
               <mc:Choice xmlns:v="urn:schemas-microsoft-com:vml" Requires="v">
-                <p:oleObj spid="_x0000_s6453" name="Equation" r:id="rId13" imgW="1333440" imgH="419040" progId="Equation.DSMT4">
+                <p:oleObj spid="_x0000_s6474" name="Equation" r:id="rId13" imgW="1333440" imgH="419040" progId="Equation.DSMT4">
                   <p:embed/>
                 </p:oleObj>
               </mc:Choice>
@@ -19047,7 +19122,7 @@
           <a:graphicData uri="http://schemas.openxmlformats.org/presentationml/2006/ole">
             <mc:AlternateContent xmlns:mc="http://schemas.openxmlformats.org/markup-compatibility/2006">
               <mc:Choice xmlns:v="urn:schemas-microsoft-com:vml" Requires="v">
-                <p:oleObj spid="_x0000_s6454" name="Equation" r:id="rId15" imgW="1841400" imgH="228600" progId="Equation.DSMT4">
+                <p:oleObj spid="_x0000_s6475" name="Equation" r:id="rId15" imgW="1841400" imgH="228600" progId="Equation.DSMT4">
                   <p:embed/>
                 </p:oleObj>
               </mc:Choice>
@@ -19090,7 +19165,7 @@
         </p:nvSpPr>
         <p:spPr>
           <a:xfrm>
-            <a:off x="8814574" y="3900083"/>
+            <a:off x="9003169" y="5190684"/>
             <a:ext cx="2341106" cy="1062855"/>
           </a:xfrm>
           <a:prstGeom prst="rect">
@@ -19141,6 +19216,102 @@
               <a:t>说明回归模型的解释能力越强</a:t>
             </a:r>
             <a:endParaRPr lang="zh-CN" altLang="en-US" dirty="0"/>
+          </a:p>
+        </p:txBody>
+      </p:sp>
+      <p:sp>
+        <p:nvSpPr>
+          <p:cNvPr id="7" name="文本框 6"/>
+          <p:cNvSpPr txBox="1"/>
+          <p:nvPr/>
+        </p:nvSpPr>
+        <p:spPr>
+          <a:xfrm>
+            <a:off x="7857623" y="3856115"/>
+            <a:ext cx="4121193" cy="923330"/>
+          </a:xfrm>
+          <a:prstGeom prst="rect">
+            <a:avLst/>
+          </a:prstGeom>
+          <a:noFill/>
+        </p:spPr>
+        <p:txBody>
+          <a:bodyPr wrap="none" rtlCol="0">
+            <a:spAutoFit/>
+          </a:bodyPr>
+          <a:lstStyle/>
+          <a:p>
+            <a:r>
+              <a:rPr lang="zh-CN" altLang="en-US" dirty="0" smtClean="0">
+                <a:latin typeface="华文楷体" panose="02010600040101010101" pitchFamily="2" charset="-122"/>
+                <a:ea typeface="华文楷体" panose="02010600040101010101" pitchFamily="2" charset="-122"/>
+              </a:rPr>
+              <a:t>总体平方和</a:t>
+            </a:r>
+            <a:r>
+              <a:rPr lang="en-US" altLang="zh-CN" dirty="0" err="1" smtClean="0">
+                <a:latin typeface="华文楷体" panose="02010600040101010101" pitchFamily="2" charset="-122"/>
+                <a:ea typeface="华文楷体" panose="02010600040101010101" pitchFamily="2" charset="-122"/>
+              </a:rPr>
+              <a:t>TSS:Total</a:t>
+            </a:r>
+            <a:r>
+              <a:rPr lang="en-US" altLang="zh-CN" dirty="0" smtClean="0">
+                <a:latin typeface="华文楷体" panose="02010600040101010101" pitchFamily="2" charset="-122"/>
+                <a:ea typeface="华文楷体" panose="02010600040101010101" pitchFamily="2" charset="-122"/>
+              </a:rPr>
+              <a:t> sum of squares</a:t>
+            </a:r>
+          </a:p>
+          <a:p>
+            <a:r>
+              <a:rPr lang="zh-CN" altLang="en-US" dirty="0" smtClean="0">
+                <a:latin typeface="华文楷体" panose="02010600040101010101" pitchFamily="2" charset="-122"/>
+                <a:ea typeface="华文楷体" panose="02010600040101010101" pitchFamily="2" charset="-122"/>
+              </a:rPr>
+              <a:t>回归平方和</a:t>
+            </a:r>
+            <a:r>
+              <a:rPr lang="en-US" altLang="zh-CN" dirty="0" err="1" smtClean="0">
+                <a:latin typeface="华文楷体" panose="02010600040101010101" pitchFamily="2" charset="-122"/>
+                <a:ea typeface="华文楷体" panose="02010600040101010101" pitchFamily="2" charset="-122"/>
+              </a:rPr>
+              <a:t>ESS:Expanded</a:t>
+            </a:r>
+            <a:r>
+              <a:rPr lang="en-US" altLang="zh-CN" dirty="0" smtClean="0">
+                <a:latin typeface="华文楷体" panose="02010600040101010101" pitchFamily="2" charset="-122"/>
+                <a:ea typeface="华文楷体" panose="02010600040101010101" pitchFamily="2" charset="-122"/>
+              </a:rPr>
+              <a:t> sum of squares</a:t>
+            </a:r>
+          </a:p>
+          <a:p>
+            <a:r>
+              <a:rPr lang="zh-CN" altLang="en-US" dirty="0" smtClean="0">
+                <a:latin typeface="华文楷体" panose="02010600040101010101" pitchFamily="2" charset="-122"/>
+                <a:ea typeface="华文楷体" panose="02010600040101010101" pitchFamily="2" charset="-122"/>
+              </a:rPr>
+              <a:t>残差平方和</a:t>
+            </a:r>
+            <a:r>
+              <a:rPr lang="en-US" altLang="zh-CN" dirty="0" err="1" smtClean="0">
+                <a:latin typeface="华文楷体" panose="02010600040101010101" pitchFamily="2" charset="-122"/>
+                <a:ea typeface="华文楷体" panose="02010600040101010101" pitchFamily="2" charset="-122"/>
+              </a:rPr>
+              <a:t>RSS:Residual</a:t>
+            </a:r>
+            <a:r>
+              <a:rPr lang="en-US" altLang="zh-CN" dirty="0" smtClean="0">
+                <a:latin typeface="华文楷体" panose="02010600040101010101" pitchFamily="2" charset="-122"/>
+                <a:ea typeface="华文楷体" panose="02010600040101010101" pitchFamily="2" charset="-122"/>
+              </a:rPr>
+              <a:t> sum of squares</a:t>
+            </a:r>
+            <a:endParaRPr lang="zh-CN" altLang="en-US" dirty="0">
+              <a:latin typeface="华文楷体" panose="02010600040101010101" pitchFamily="2" charset="-122"/>
+              <a:ea typeface="华文楷体" panose="02010600040101010101" pitchFamily="2" charset="-122"/>
+            </a:endParaRPr>
           </a:p>
         </p:txBody>
       </p:sp>

--- a/数据分析-7-预测.pptx
+++ b/数据分析-7-预测.pptx
@@ -2846,7 +2846,7 @@
           <a:p>
             <a:fld id="{21149EF3-B5D6-4312-9940-7ECDC3700A55}" type="datetimeFigureOut">
               <a:rPr lang="zh-CN" altLang="en-US" smtClean="0"/>
-              <a:t>2017/12/4</a:t>
+              <a:t>2017/12/11</a:t>
             </a:fld>
             <a:endParaRPr lang="zh-CN" altLang="en-US"/>
           </a:p>
@@ -3116,7 +3116,7 @@
           <a:p>
             <a:fld id="{21149EF3-B5D6-4312-9940-7ECDC3700A55}" type="datetimeFigureOut">
               <a:rPr lang="zh-CN" altLang="en-US" smtClean="0"/>
-              <a:t>2017/12/4</a:t>
+              <a:t>2017/12/11</a:t>
             </a:fld>
             <a:endParaRPr lang="zh-CN" altLang="en-US"/>
           </a:p>
@@ -3372,7 +3372,7 @@
           <a:p>
             <a:fld id="{21149EF3-B5D6-4312-9940-7ECDC3700A55}" type="datetimeFigureOut">
               <a:rPr lang="zh-CN" altLang="en-US" smtClean="0"/>
-              <a:t>2017/12/4</a:t>
+              <a:t>2017/12/11</a:t>
             </a:fld>
             <a:endParaRPr lang="zh-CN" altLang="en-US"/>
           </a:p>
@@ -3571,7 +3571,7 @@
           <a:p>
             <a:fld id="{21149EF3-B5D6-4312-9940-7ECDC3700A55}" type="datetimeFigureOut">
               <a:rPr lang="zh-CN" altLang="en-US" smtClean="0"/>
-              <a:t>2017/12/4</a:t>
+              <a:t>2017/12/11</a:t>
             </a:fld>
             <a:endParaRPr lang="zh-CN" altLang="en-US"/>
           </a:p>
@@ -3913,7 +3913,7 @@
           <a:p>
             <a:fld id="{21149EF3-B5D6-4312-9940-7ECDC3700A55}" type="datetimeFigureOut">
               <a:rPr lang="zh-CN" altLang="en-US" smtClean="0"/>
-              <a:t>2017/12/4</a:t>
+              <a:t>2017/12/11</a:t>
             </a:fld>
             <a:endParaRPr lang="zh-CN" altLang="en-US"/>
           </a:p>
@@ -4188,7 +4188,7 @@
           <a:p>
             <a:fld id="{21149EF3-B5D6-4312-9940-7ECDC3700A55}" type="datetimeFigureOut">
               <a:rPr lang="zh-CN" altLang="en-US" smtClean="0"/>
-              <a:t>2017/12/4</a:t>
+              <a:t>2017/12/11</a:t>
             </a:fld>
             <a:endParaRPr lang="zh-CN" altLang="en-US"/>
           </a:p>
@@ -4567,7 +4567,7 @@
           <a:p>
             <a:fld id="{21149EF3-B5D6-4312-9940-7ECDC3700A55}" type="datetimeFigureOut">
               <a:rPr lang="zh-CN" altLang="en-US" smtClean="0"/>
-              <a:t>2017/12/4</a:t>
+              <a:t>2017/12/11</a:t>
             </a:fld>
             <a:endParaRPr lang="zh-CN" altLang="en-US"/>
           </a:p>
@@ -4685,7 +4685,7 @@
           <a:p>
             <a:fld id="{21149EF3-B5D6-4312-9940-7ECDC3700A55}" type="datetimeFigureOut">
               <a:rPr lang="zh-CN" altLang="en-US" smtClean="0"/>
-              <a:t>2017/12/4</a:t>
+              <a:t>2017/12/11</a:t>
             </a:fld>
             <a:endParaRPr lang="zh-CN" altLang="en-US"/>
           </a:p>
@@ -4856,7 +4856,7 @@
           <a:p>
             <a:fld id="{21149EF3-B5D6-4312-9940-7ECDC3700A55}" type="datetimeFigureOut">
               <a:rPr lang="zh-CN" altLang="en-US" smtClean="0"/>
-              <a:t>2017/12/4</a:t>
+              <a:t>2017/12/11</a:t>
             </a:fld>
             <a:endParaRPr lang="zh-CN" altLang="en-US"/>
           </a:p>
@@ -5210,7 +5210,7 @@
           <a:p>
             <a:fld id="{21149EF3-B5D6-4312-9940-7ECDC3700A55}" type="datetimeFigureOut">
               <a:rPr lang="zh-CN" altLang="en-US" smtClean="0"/>
-              <a:t>2017/12/4</a:t>
+              <a:t>2017/12/11</a:t>
             </a:fld>
             <a:endParaRPr lang="zh-CN" altLang="en-US"/>
           </a:p>
@@ -5592,7 +5592,7 @@
           <a:p>
             <a:fld id="{21149EF3-B5D6-4312-9940-7ECDC3700A55}" type="datetimeFigureOut">
               <a:rPr lang="zh-CN" altLang="en-US" smtClean="0"/>
-              <a:t>2017/12/4</a:t>
+              <a:t>2017/12/11</a:t>
             </a:fld>
             <a:endParaRPr lang="zh-CN" altLang="en-US"/>
           </a:p>
@@ -5879,7 +5879,7 @@
           <a:p>
             <a:fld id="{21149EF3-B5D6-4312-9940-7ECDC3700A55}" type="datetimeFigureOut">
               <a:rPr lang="zh-CN" altLang="en-US" smtClean="0"/>
-              <a:t>2017/12/4</a:t>
+              <a:t>2017/12/11</a:t>
             </a:fld>
             <a:endParaRPr lang="zh-CN" altLang="en-US"/>
           </a:p>
@@ -6598,7 +6598,7 @@
           <a:graphicData uri="http://schemas.openxmlformats.org/presentationml/2006/ole">
             <mc:AlternateContent xmlns:mc="http://schemas.openxmlformats.org/markup-compatibility/2006">
               <mc:Choice xmlns:v="urn:schemas-microsoft-com:vml" Requires="v">
-                <p:oleObj spid="_x0000_s11306" name="Equation" r:id="rId3" imgW="1866600" imgH="431640" progId="Equation.DSMT4">
+                <p:oleObj spid="_x0000_s11310" name="Equation" r:id="rId3" imgW="1866600" imgH="431640" progId="Equation.DSMT4">
                   <p:embed/>
                 </p:oleObj>
               </mc:Choice>
@@ -6655,7 +6655,7 @@
           <a:graphicData uri="http://schemas.openxmlformats.org/presentationml/2006/ole">
             <mc:AlternateContent xmlns:mc="http://schemas.openxmlformats.org/markup-compatibility/2006">
               <mc:Choice xmlns:v="urn:schemas-microsoft-com:vml" Requires="v">
-                <p:oleObj spid="_x0000_s11307" name="Equation" r:id="rId5" imgW="2031840" imgH="482400" progId="Equation.DSMT4">
+                <p:oleObj spid="_x0000_s11311" name="Equation" r:id="rId5" imgW="2031840" imgH="482400" progId="Equation.DSMT4">
                   <p:embed/>
                 </p:oleObj>
               </mc:Choice>
@@ -7712,7 +7712,7 @@
           <a:graphicData uri="http://schemas.openxmlformats.org/presentationml/2006/ole">
             <mc:AlternateContent xmlns:mc="http://schemas.openxmlformats.org/markup-compatibility/2006">
               <mc:Choice xmlns:v="urn:schemas-microsoft-com:vml" Requires="v">
-                <p:oleObj spid="_x0000_s13371" name="Equation" r:id="rId3" imgW="1206360" imgH="203040" progId="Equation.DSMT4">
+                <p:oleObj spid="_x0000_s13381" name="Equation" r:id="rId3" imgW="1206360" imgH="203040" progId="Equation.DSMT4">
                   <p:embed/>
                 </p:oleObj>
               </mc:Choice>
@@ -7769,7 +7769,7 @@
           <a:graphicData uri="http://schemas.openxmlformats.org/presentationml/2006/ole">
             <mc:AlternateContent xmlns:mc="http://schemas.openxmlformats.org/markup-compatibility/2006">
               <mc:Choice xmlns:v="urn:schemas-microsoft-com:vml" Requires="v">
-                <p:oleObj spid="_x0000_s13372" name="Equation" r:id="rId5" imgW="1777680" imgH="622080" progId="Equation.DSMT4">
+                <p:oleObj spid="_x0000_s13382" name="Equation" r:id="rId5" imgW="1777680" imgH="622080" progId="Equation.DSMT4">
                   <p:embed/>
                 </p:oleObj>
               </mc:Choice>
@@ -7938,7 +7938,7 @@
           <a:graphicData uri="http://schemas.openxmlformats.org/presentationml/2006/ole">
             <mc:AlternateContent xmlns:mc="http://schemas.openxmlformats.org/markup-compatibility/2006">
               <mc:Choice xmlns:v="urn:schemas-microsoft-com:vml" Requires="v">
-                <p:oleObj spid="_x0000_s13373" name="Equation" r:id="rId9" imgW="495000" imgH="203040" progId="Equation.DSMT4">
+                <p:oleObj spid="_x0000_s13383" name="Equation" r:id="rId9" imgW="495000" imgH="203040" progId="Equation.DSMT4">
                   <p:embed/>
                 </p:oleObj>
               </mc:Choice>
@@ -8212,7 +8212,7 @@
           <a:graphicData uri="http://schemas.openxmlformats.org/presentationml/2006/ole">
             <mc:AlternateContent xmlns:mc="http://schemas.openxmlformats.org/markup-compatibility/2006">
               <mc:Choice xmlns:v="urn:schemas-microsoft-com:vml" Requires="v">
-                <p:oleObj spid="_x0000_s13374" name="Equation" r:id="rId12" imgW="1269720" imgH="228600" progId="Equation.DSMT4">
+                <p:oleObj spid="_x0000_s13384" name="Equation" r:id="rId12" imgW="1269720" imgH="228600" progId="Equation.DSMT4">
                   <p:embed/>
                 </p:oleObj>
               </mc:Choice>
@@ -8311,7 +8311,7 @@
           <a:graphicData uri="http://schemas.openxmlformats.org/presentationml/2006/ole">
             <mc:AlternateContent xmlns:mc="http://schemas.openxmlformats.org/markup-compatibility/2006">
               <mc:Choice xmlns:v="urn:schemas-microsoft-com:vml" Requires="v">
-                <p:oleObj spid="_x0000_s13375" name="Equation" r:id="rId14" imgW="850680" imgH="342720" progId="Equation.DSMT4">
+                <p:oleObj spid="_x0000_s13385" name="Equation" r:id="rId14" imgW="850680" imgH="342720" progId="Equation.DSMT4">
                   <p:embed/>
                 </p:oleObj>
               </mc:Choice>
@@ -9768,7 +9768,7 @@
           <a:graphicData uri="http://schemas.openxmlformats.org/presentationml/2006/ole">
             <mc:AlternateContent xmlns:mc="http://schemas.openxmlformats.org/markup-compatibility/2006">
               <mc:Choice xmlns:v="urn:schemas-microsoft-com:vml" Requires="v">
-                <p:oleObj spid="_x0000_s9276" name="Equation" r:id="rId4" imgW="1091880" imgH="228600" progId="Equation.DSMT4">
+                <p:oleObj spid="_x0000_s9280" name="Equation" r:id="rId4" imgW="1091880" imgH="228600" progId="Equation.DSMT4">
                   <p:embed/>
                 </p:oleObj>
               </mc:Choice>
@@ -9859,7 +9859,7 @@
           <a:graphicData uri="http://schemas.openxmlformats.org/presentationml/2006/ole">
             <mc:AlternateContent xmlns:mc="http://schemas.openxmlformats.org/markup-compatibility/2006">
               <mc:Choice xmlns:v="urn:schemas-microsoft-com:vml" Requires="v">
-                <p:oleObj spid="_x0000_s9277" name="Equation" r:id="rId6" imgW="1460160" imgH="241200" progId="Equation.DSMT4">
+                <p:oleObj spid="_x0000_s9281" name="Equation" r:id="rId6" imgW="1460160" imgH="241200" progId="Equation.DSMT4">
                   <p:embed/>
                 </p:oleObj>
               </mc:Choice>
@@ -10465,7 +10465,7 @@
           <a:graphicData uri="http://schemas.openxmlformats.org/presentationml/2006/ole">
             <mc:AlternateContent xmlns:mc="http://schemas.openxmlformats.org/markup-compatibility/2006">
               <mc:Choice xmlns:v="urn:schemas-microsoft-com:vml" Requires="v">
-                <p:oleObj spid="_x0000_s8225" name="Equation" r:id="rId3" imgW="1523880" imgH="203040" progId="Equation.DSMT4">
+                <p:oleObj spid="_x0000_s8227" name="Equation" r:id="rId3" imgW="1523880" imgH="203040" progId="Equation.DSMT4">
                   <p:embed/>
                 </p:oleObj>
               </mc:Choice>
@@ -10509,7 +10509,7 @@
         <p:spPr>
           <a:xfrm>
             <a:off x="6935343" y="3622739"/>
-            <a:ext cx="1737976" cy="923330"/>
+            <a:ext cx="1734962" cy="923330"/>
           </a:xfrm>
           <a:prstGeom prst="rect">
             <a:avLst/>
@@ -10535,7 +10535,7 @@
           <a:p>
             <a:r>
               <a:rPr lang="en-US" altLang="zh-CN" dirty="0" smtClean="0"/>
-              <a:t>SSR:</a:t>
+              <a:t>RSS:</a:t>
             </a:r>
             <a:r>
               <a:rPr lang="zh-CN" altLang="en-US" dirty="0" smtClean="0"/>
@@ -10669,7 +10669,7 @@
           <a:graphicData uri="http://schemas.openxmlformats.org/presentationml/2006/ole">
             <mc:AlternateContent xmlns:mc="http://schemas.openxmlformats.org/markup-compatibility/2006">
               <mc:Choice xmlns:v="urn:schemas-microsoft-com:vml" Requires="v">
-                <p:oleObj spid="_x0000_s14368" name="Equation" r:id="rId3" imgW="1574640" imgH="228600" progId="Equation.DSMT4">
+                <p:oleObj spid="_x0000_s14374" name="Equation" r:id="rId3" imgW="1574640" imgH="228600" progId="Equation.DSMT4">
                   <p:embed/>
                 </p:oleObj>
               </mc:Choice>
@@ -10726,7 +10726,7 @@
           <a:graphicData uri="http://schemas.openxmlformats.org/presentationml/2006/ole">
             <mc:AlternateContent xmlns:mc="http://schemas.openxmlformats.org/markup-compatibility/2006">
               <mc:Choice xmlns:v="urn:schemas-microsoft-com:vml" Requires="v">
-                <p:oleObj spid="_x0000_s14369" name="Equation" r:id="rId5" imgW="482400" imgH="203040" progId="Equation.DSMT4">
+                <p:oleObj spid="_x0000_s14375" name="Equation" r:id="rId5" imgW="482400" imgH="203040" progId="Equation.DSMT4">
                   <p:embed/>
                 </p:oleObj>
               </mc:Choice>
@@ -11000,7 +11000,7 @@
           <a:graphicData uri="http://schemas.openxmlformats.org/presentationml/2006/ole">
             <mc:AlternateContent xmlns:mc="http://schemas.openxmlformats.org/markup-compatibility/2006">
               <mc:Choice xmlns:v="urn:schemas-microsoft-com:vml" Requires="v">
-                <p:oleObj spid="_x0000_s14370" name="Equation" r:id="rId8" imgW="1257120" imgH="228600" progId="Equation.DSMT4">
+                <p:oleObj spid="_x0000_s14376" name="Equation" r:id="rId8" imgW="1257120" imgH="228600" progId="Equation.DSMT4">
                   <p:embed/>
                 </p:oleObj>
               </mc:Choice>
@@ -11664,7 +11664,7 @@
           <a:graphicData uri="http://schemas.openxmlformats.org/presentationml/2006/ole">
             <mc:AlternateContent xmlns:mc="http://schemas.openxmlformats.org/markup-compatibility/2006">
               <mc:Choice xmlns:v="urn:schemas-microsoft-com:vml" Requires="v">
-                <p:oleObj spid="_x0000_s10281" name="Equation" r:id="rId3" imgW="1981080" imgH="203040" progId="Equation.DSMT4">
+                <p:oleObj spid="_x0000_s10285" name="Equation" r:id="rId3" imgW="1981080" imgH="203040" progId="Equation.DSMT4">
                   <p:embed/>
                 </p:oleObj>
               </mc:Choice>
@@ -12033,7 +12033,7 @@
             <a:graphicData uri="http://schemas.openxmlformats.org/presentationml/2006/ole">
               <mc:AlternateContent xmlns:mc="http://schemas.openxmlformats.org/markup-compatibility/2006">
                 <mc:Choice xmlns:v="urn:schemas-microsoft-com:vml" Requires="v">
-                  <p:oleObj spid="_x0000_s10282" name="Equation" r:id="rId5" imgW="927000" imgH="203040" progId="Equation.DSMT4">
+                  <p:oleObj spid="_x0000_s10286" name="Equation" r:id="rId5" imgW="927000" imgH="203040" progId="Equation.DSMT4">
                     <p:embed/>
                   </p:oleObj>
                 </mc:Choice>
@@ -12834,7 +12834,7 @@
           <a:graphicData uri="http://schemas.openxmlformats.org/presentationml/2006/ole">
             <mc:AlternateContent xmlns:mc="http://schemas.openxmlformats.org/markup-compatibility/2006">
               <mc:Choice xmlns:v="urn:schemas-microsoft-com:vml" Requires="v">
-                <p:oleObj spid="_x0000_s7240" name="Equation" r:id="rId3" imgW="1028520" imgH="228600" progId="Equation.DSMT4">
+                <p:oleObj spid="_x0000_s7244" name="Equation" r:id="rId3" imgW="1028520" imgH="228600" progId="Equation.DSMT4">
                   <p:embed/>
                 </p:oleObj>
               </mc:Choice>
@@ -12891,7 +12891,7 @@
           <a:graphicData uri="http://schemas.openxmlformats.org/presentationml/2006/ole">
             <mc:AlternateContent xmlns:mc="http://schemas.openxmlformats.org/markup-compatibility/2006">
               <mc:Choice xmlns:v="urn:schemas-microsoft-com:vml" Requires="v">
-                <p:oleObj spid="_x0000_s7241" name="Equation" r:id="rId5" imgW="2082600" imgH="241200" progId="Equation.DSMT4">
+                <p:oleObj spid="_x0000_s7245" name="Equation" r:id="rId5" imgW="2082600" imgH="241200" progId="Equation.DSMT4">
                   <p:embed/>
                 </p:oleObj>
               </mc:Choice>
@@ -13086,7 +13086,7 @@
           <a:graphicData uri="http://schemas.openxmlformats.org/presentationml/2006/ole">
             <mc:AlternateContent xmlns:mc="http://schemas.openxmlformats.org/markup-compatibility/2006">
               <mc:Choice xmlns:v="urn:schemas-microsoft-com:vml" Requires="v">
-                <p:oleObj spid="_x0000_s12328" name="Equation" r:id="rId3" imgW="1346040" imgH="228600" progId="Equation.DSMT4">
+                <p:oleObj spid="_x0000_s12336" name="Equation" r:id="rId3" imgW="1346040" imgH="228600" progId="Equation.DSMT4">
                   <p:embed/>
                 </p:oleObj>
               </mc:Choice>
@@ -13143,7 +13143,7 @@
           <a:graphicData uri="http://schemas.openxmlformats.org/presentationml/2006/ole">
             <mc:AlternateContent xmlns:mc="http://schemas.openxmlformats.org/markup-compatibility/2006">
               <mc:Choice xmlns:v="urn:schemas-microsoft-com:vml" Requires="v">
-                <p:oleObj spid="_x0000_s12329" name="Equation" r:id="rId5" imgW="1650960" imgH="393480" progId="Equation.DSMT4">
+                <p:oleObj spid="_x0000_s12337" name="Equation" r:id="rId5" imgW="1650960" imgH="393480" progId="Equation.DSMT4">
                   <p:embed/>
                 </p:oleObj>
               </mc:Choice>
@@ -13200,7 +13200,7 @@
           <a:graphicData uri="http://schemas.openxmlformats.org/presentationml/2006/ole">
             <mc:AlternateContent xmlns:mc="http://schemas.openxmlformats.org/markup-compatibility/2006">
               <mc:Choice xmlns:v="urn:schemas-microsoft-com:vml" Requires="v">
-                <p:oleObj spid="_x0000_s12330" name="Equation" r:id="rId7" imgW="2425680" imgH="228600" progId="Equation.DSMT4">
+                <p:oleObj spid="_x0000_s12338" name="Equation" r:id="rId7" imgW="2425680" imgH="228600" progId="Equation.DSMT4">
                   <p:embed/>
                 </p:oleObj>
               </mc:Choice>
@@ -13257,7 +13257,7 @@
           <a:graphicData uri="http://schemas.openxmlformats.org/presentationml/2006/ole">
             <mc:AlternateContent xmlns:mc="http://schemas.openxmlformats.org/markup-compatibility/2006">
               <mc:Choice xmlns:v="urn:schemas-microsoft-com:vml" Requires="v">
-                <p:oleObj spid="_x0000_s12331" name="Equation" r:id="rId9" imgW="2463480" imgH="228600" progId="Equation.DSMT4">
+                <p:oleObj spid="_x0000_s12339" name="Equation" r:id="rId9" imgW="2463480" imgH="228600" progId="Equation.DSMT4">
                   <p:embed/>
                 </p:oleObj>
               </mc:Choice>
@@ -14012,7 +14012,7 @@
           <a:graphicData uri="http://schemas.openxmlformats.org/presentationml/2006/ole">
             <mc:AlternateContent xmlns:mc="http://schemas.openxmlformats.org/markup-compatibility/2006">
               <mc:Choice xmlns:v="urn:schemas-microsoft-com:vml" Requires="v">
-                <p:oleObj spid="_x0000_s3248" name="Equation" r:id="rId5" imgW="1091880" imgH="228600" progId="Equation.DSMT4">
+                <p:oleObj spid="_x0000_s3254" name="Equation" r:id="rId5" imgW="1091880" imgH="228600" progId="Equation.DSMT4">
                   <p:embed/>
                 </p:oleObj>
               </mc:Choice>
@@ -14069,7 +14069,7 @@
           <a:graphicData uri="http://schemas.openxmlformats.org/presentationml/2006/ole">
             <mc:AlternateContent xmlns:mc="http://schemas.openxmlformats.org/markup-compatibility/2006">
               <mc:Choice xmlns:v="urn:schemas-microsoft-com:vml" Requires="v">
-                <p:oleObj spid="_x0000_s3249" name="Equation" r:id="rId7" imgW="1130040" imgH="228600" progId="Equation.DSMT4">
+                <p:oleObj spid="_x0000_s3255" name="Equation" r:id="rId7" imgW="1130040" imgH="228600" progId="Equation.DSMT4">
                   <p:embed/>
                 </p:oleObj>
               </mc:Choice>
@@ -14130,7 +14130,7 @@
           <a:graphicData uri="http://schemas.openxmlformats.org/presentationml/2006/ole">
             <mc:AlternateContent xmlns:mc="http://schemas.openxmlformats.org/markup-compatibility/2006">
               <mc:Choice xmlns:v="urn:schemas-microsoft-com:vml" Requires="v">
-                <p:oleObj spid="_x0000_s3250" name="Equation" r:id="rId9" imgW="736560" imgH="228600" progId="Equation.DSMT4">
+                <p:oleObj spid="_x0000_s3256" name="Equation" r:id="rId9" imgW="736560" imgH="228600" progId="Equation.DSMT4">
                   <p:embed/>
                 </p:oleObj>
               </mc:Choice>
@@ -15085,7 +15085,7 @@
           <a:graphicData uri="http://schemas.openxmlformats.org/presentationml/2006/ole">
             <mc:AlternateContent xmlns:mc="http://schemas.openxmlformats.org/markup-compatibility/2006">
               <mc:Choice xmlns:v="urn:schemas-microsoft-com:vml" Requires="v">
-                <p:oleObj spid="_x0000_s4157" name="Equation" r:id="rId4" imgW="431640" imgH="164880" progId="Equation.DSMT4">
+                <p:oleObj spid="_x0000_s4159" name="Equation" r:id="rId4" imgW="431640" imgH="164880" progId="Equation.DSMT4">
                   <p:embed/>
                 </p:oleObj>
               </mc:Choice>
@@ -15394,7 +15394,7 @@
           <a:graphicData uri="http://schemas.openxmlformats.org/presentationml/2006/ole">
             <mc:AlternateContent xmlns:mc="http://schemas.openxmlformats.org/markup-compatibility/2006">
               <mc:Choice xmlns:v="urn:schemas-microsoft-com:vml" Requires="v">
-                <p:oleObj spid="_x0000_s5275" name="Equation" r:id="rId5" imgW="622080" imgH="431640" progId="Equation.DSMT4">
+                <p:oleObj spid="_x0000_s5281" name="Equation" r:id="rId5" imgW="622080" imgH="431640" progId="Equation.DSMT4">
                   <p:embed/>
                 </p:oleObj>
               </mc:Choice>
@@ -15455,7 +15455,7 @@
           <a:graphicData uri="http://schemas.openxmlformats.org/presentationml/2006/ole">
             <mc:AlternateContent xmlns:mc="http://schemas.openxmlformats.org/markup-compatibility/2006">
               <mc:Choice xmlns:v="urn:schemas-microsoft-com:vml" Requires="v">
-                <p:oleObj spid="_x0000_s5276" name="Equation" r:id="rId7" imgW="622080" imgH="1117440" progId="Equation.DSMT4">
+                <p:oleObj spid="_x0000_s5282" name="Equation" r:id="rId7" imgW="622080" imgH="1117440" progId="Equation.DSMT4">
                   <p:embed/>
                 </p:oleObj>
               </mc:Choice>
@@ -15516,7 +15516,7 @@
           <a:graphicData uri="http://schemas.openxmlformats.org/presentationml/2006/ole">
             <mc:AlternateContent xmlns:mc="http://schemas.openxmlformats.org/markup-compatibility/2006">
               <mc:Choice xmlns:v="urn:schemas-microsoft-com:vml" Requires="v">
-                <p:oleObj spid="_x0000_s5277" name="Equation" r:id="rId9" imgW="1218960" imgH="228600" progId="Equation.DSMT4">
+                <p:oleObj spid="_x0000_s5283" name="Equation" r:id="rId9" imgW="1218960" imgH="228600" progId="Equation.DSMT4">
                   <p:embed/>
                 </p:oleObj>
               </mc:Choice>
@@ -16155,7 +16155,7 @@
           <a:graphicData uri="http://schemas.openxmlformats.org/presentationml/2006/ole">
             <mc:AlternateContent xmlns:mc="http://schemas.openxmlformats.org/markup-compatibility/2006">
               <mc:Choice xmlns:v="urn:schemas-microsoft-com:vml" Requires="v">
-                <p:oleObj spid="_x0000_s1208" name="Equation" r:id="rId5" imgW="1091880" imgH="253800" progId="Equation.DSMT4">
+                <p:oleObj spid="_x0000_s1212" name="Equation" r:id="rId5" imgW="1091880" imgH="253800" progId="Equation.DSMT4">
                   <p:embed/>
                 </p:oleObj>
               </mc:Choice>
@@ -16589,7 +16589,7 @@
           <a:graphicData uri="http://schemas.openxmlformats.org/presentationml/2006/ole">
             <mc:AlternateContent xmlns:mc="http://schemas.openxmlformats.org/markup-compatibility/2006">
               <mc:Choice xmlns:v="urn:schemas-microsoft-com:vml" Requires="v">
-                <p:oleObj spid="_x0000_s1209" name="Equation" r:id="rId7" imgW="838080" imgH="253800" progId="Equation.DSMT4">
+                <p:oleObj spid="_x0000_s1213" name="Equation" r:id="rId7" imgW="838080" imgH="253800" progId="Equation.DSMT4">
                   <p:embed/>
                 </p:oleObj>
               </mc:Choice>
@@ -17251,25 +17251,25 @@
           <p:nvPr>
             <p:extLst>
               <p:ext uri="{D42A27DB-BD31-4B8C-83A1-F6EECF244321}">
-                <p14:modId xmlns:p14="http://schemas.microsoft.com/office/powerpoint/2010/main" val="1601204553"/>
+                <p14:modId xmlns:p14="http://schemas.microsoft.com/office/powerpoint/2010/main" val="3586227391"/>
               </p:ext>
             </p:extLst>
           </p:nvPr>
         </p:nvGraphicFramePr>
         <p:xfrm>
-          <a:off x="1535113" y="2720975"/>
-          <a:ext cx="2425700" cy="2636838"/>
+          <a:off x="1503363" y="2720975"/>
+          <a:ext cx="2489200" cy="2636838"/>
         </p:xfrm>
         <a:graphic>
           <a:graphicData uri="http://schemas.openxmlformats.org/presentationml/2006/ole">
             <mc:AlternateContent xmlns:mc="http://schemas.openxmlformats.org/markup-compatibility/2006">
               <mc:Choice xmlns:v="urn:schemas-microsoft-com:vml" Requires="v">
-                <p:oleObj spid="_x0000_s2318" name="Equation" r:id="rId3" imgW="1434960" imgH="1371600" progId="Equation.DSMT4">
+                <p:oleObj spid="_x0000_s2326" name="Equation" r:id="rId3" imgW="1473120" imgH="1371600" progId="Equation.DSMT4">
                   <p:embed/>
                 </p:oleObj>
               </mc:Choice>
               <mc:Fallback>
-                <p:oleObj name="Equation" r:id="rId3" imgW="1434960" imgH="1371600" progId="Equation.DSMT4">
+                <p:oleObj name="Equation" r:id="rId3" imgW="1473120" imgH="1371600" progId="Equation.DSMT4">
                   <p:embed/>
                   <p:pic>
                     <p:nvPicPr>
@@ -17288,8 +17288,8 @@
                     </p:blipFill>
                     <p:spPr bwMode="auto">
                       <a:xfrm>
-                        <a:off x="1535113" y="2720975"/>
-                        <a:ext cx="2425700" cy="2636838"/>
+                        <a:off x="1503363" y="2720975"/>
+                        <a:ext cx="2489200" cy="2636838"/>
                       </a:xfrm>
                       <a:prstGeom prst="rect">
                         <a:avLst/>
@@ -17325,7 +17325,7 @@
           <a:graphicData uri="http://schemas.openxmlformats.org/presentationml/2006/ole">
             <mc:AlternateContent xmlns:mc="http://schemas.openxmlformats.org/markup-compatibility/2006">
               <mc:Choice xmlns:v="urn:schemas-microsoft-com:vml" Requires="v">
-                <p:oleObj spid="_x0000_s2319" name="Equation" r:id="rId5" imgW="1091880" imgH="228600" progId="Equation.DSMT4">
+                <p:oleObj spid="_x0000_s2327" name="Equation" r:id="rId5" imgW="1091880" imgH="228600" progId="Equation.DSMT4">
                   <p:embed/>
                 </p:oleObj>
               </mc:Choice>
@@ -17386,7 +17386,7 @@
           <a:graphicData uri="http://schemas.openxmlformats.org/presentationml/2006/ole">
             <mc:AlternateContent xmlns:mc="http://schemas.openxmlformats.org/markup-compatibility/2006">
               <mc:Choice xmlns:v="urn:schemas-microsoft-com:vml" Requires="v">
-                <p:oleObj spid="_x0000_s2320" name="Equation" r:id="rId7" imgW="495000" imgH="482400" progId="Equation.DSMT4">
+                <p:oleObj spid="_x0000_s2328" name="Equation" r:id="rId7" imgW="495000" imgH="482400" progId="Equation.DSMT4">
                   <p:embed/>
                 </p:oleObj>
               </mc:Choice>
@@ -18291,7 +18291,7 @@
           <a:graphicData uri="http://schemas.openxmlformats.org/presentationml/2006/ole">
             <mc:AlternateContent xmlns:mc="http://schemas.openxmlformats.org/markup-compatibility/2006">
               <mc:Choice xmlns:v="urn:schemas-microsoft-com:vml" Requires="v">
-                <p:oleObj spid="_x0000_s2321" name="Equation" r:id="rId10" imgW="1015920" imgH="203040" progId="Equation.DSMT4">
+                <p:oleObj spid="_x0000_s2329" name="Equation" r:id="rId10" imgW="1015920" imgH="203040" progId="Equation.DSMT4">
                   <p:embed/>
                 </p:oleObj>
               </mc:Choice>
@@ -18719,7 +18719,7 @@
           <a:graphicData uri="http://schemas.openxmlformats.org/presentationml/2006/ole">
             <mc:AlternateContent xmlns:mc="http://schemas.openxmlformats.org/markup-compatibility/2006">
               <mc:Choice xmlns:v="urn:schemas-microsoft-com:vml" Requires="v">
-                <p:oleObj spid="_x0000_s6469" name="Equation" r:id="rId3" imgW="164880" imgH="228600" progId="Equation.DSMT4">
+                <p:oleObj spid="_x0000_s6483" name="Equation" r:id="rId3" imgW="164880" imgH="228600" progId="Equation.DSMT4">
                   <p:embed/>
                 </p:oleObj>
               </mc:Choice>
@@ -18776,7 +18776,7 @@
           <a:graphicData uri="http://schemas.openxmlformats.org/presentationml/2006/ole">
             <mc:AlternateContent xmlns:mc="http://schemas.openxmlformats.org/markup-compatibility/2006">
               <mc:Choice xmlns:v="urn:schemas-microsoft-com:vml" Requires="v">
-                <p:oleObj spid="_x0000_s6470" name="Equation" r:id="rId5" imgW="1650960" imgH="431640" progId="Equation.DSMT4">
+                <p:oleObj spid="_x0000_s6484" name="Equation" r:id="rId5" imgW="1650960" imgH="431640" progId="Equation.DSMT4">
                   <p:embed/>
                 </p:oleObj>
               </mc:Choice>
@@ -18850,23 +18850,7 @@
           <a:p>
             <a:r>
               <a:rPr lang="zh-CN" altLang="en-US" sz="1400" dirty="0" smtClean="0"/>
-              <a:t>所有计算出来的数值都加上一个尖</a:t>
-            </a:r>
-            <a:r>
-              <a:rPr lang="zh-CN" altLang="en-US" sz="1400" dirty="0" smtClean="0"/>
-              <a:t>帽子表示拟合值，</a:t>
-            </a:r>
-            <a:r>
-              <a:rPr lang="zh-CN" altLang="en-US" sz="1400" dirty="0" smtClean="0"/>
-              <a:t>以</a:t>
-            </a:r>
-            <a:r>
-              <a:rPr lang="zh-CN" altLang="en-US" sz="1400" dirty="0" smtClean="0"/>
-              <a:t>区别观察</a:t>
-            </a:r>
-            <a:r>
-              <a:rPr lang="zh-CN" altLang="en-US" sz="1400" dirty="0" smtClean="0"/>
-              <a:t>值</a:t>
+              <a:t>所有计算出来的数值都加上一个尖帽子表示拟合值，以区别观察值</a:t>
             </a:r>
             <a:endParaRPr lang="zh-CN" altLang="en-US" sz="1400" dirty="0"/>
           </a:p>
@@ -18894,7 +18878,7 @@
           <a:graphicData uri="http://schemas.openxmlformats.org/presentationml/2006/ole">
             <mc:AlternateContent xmlns:mc="http://schemas.openxmlformats.org/markup-compatibility/2006">
               <mc:Choice xmlns:v="urn:schemas-microsoft-com:vml" Requires="v">
-                <p:oleObj spid="_x0000_s6471" name="Equation" r:id="rId7" imgW="1104840" imgH="177480" progId="Equation.DSMT4">
+                <p:oleObj spid="_x0000_s6485" name="Equation" r:id="rId7" imgW="1104840" imgH="177480" progId="Equation.DSMT4">
                   <p:embed/>
                 </p:oleObj>
               </mc:Choice>
@@ -18951,7 +18935,7 @@
           <a:graphicData uri="http://schemas.openxmlformats.org/presentationml/2006/ole">
             <mc:AlternateContent xmlns:mc="http://schemas.openxmlformats.org/markup-compatibility/2006">
               <mc:Choice xmlns:v="urn:schemas-microsoft-com:vml" Requires="v">
-                <p:oleObj spid="_x0000_s6472" name="Equation" r:id="rId9" imgW="1650960" imgH="431640" progId="Equation.DSMT4">
+                <p:oleObj spid="_x0000_s6486" name="Equation" r:id="rId9" imgW="1650960" imgH="431640" progId="Equation.DSMT4">
                   <p:embed/>
                 </p:oleObj>
               </mc:Choice>
@@ -19008,7 +18992,7 @@
           <a:graphicData uri="http://schemas.openxmlformats.org/presentationml/2006/ole">
             <mc:AlternateContent xmlns:mc="http://schemas.openxmlformats.org/markup-compatibility/2006">
               <mc:Choice xmlns:v="urn:schemas-microsoft-com:vml" Requires="v">
-                <p:oleObj spid="_x0000_s6473" name="Equation" r:id="rId11" imgW="1549080" imgH="838080" progId="Equation.DSMT4">
+                <p:oleObj spid="_x0000_s6487" name="Equation" r:id="rId11" imgW="1549080" imgH="838080" progId="Equation.DSMT4">
                   <p:embed/>
                 </p:oleObj>
               </mc:Choice>
@@ -19065,7 +19049,7 @@
           <a:graphicData uri="http://schemas.openxmlformats.org/presentationml/2006/ole">
             <mc:AlternateContent xmlns:mc="http://schemas.openxmlformats.org/markup-compatibility/2006">
               <mc:Choice xmlns:v="urn:schemas-microsoft-com:vml" Requires="v">
-                <p:oleObj spid="_x0000_s6474" name="Equation" r:id="rId13" imgW="1333440" imgH="419040" progId="Equation.DSMT4">
+                <p:oleObj spid="_x0000_s6488" name="Equation" r:id="rId13" imgW="1333440" imgH="419040" progId="Equation.DSMT4">
                   <p:embed/>
                 </p:oleObj>
               </mc:Choice>
@@ -19122,7 +19106,7 @@
           <a:graphicData uri="http://schemas.openxmlformats.org/presentationml/2006/ole">
             <mc:AlternateContent xmlns:mc="http://schemas.openxmlformats.org/markup-compatibility/2006">
               <mc:Choice xmlns:v="urn:schemas-microsoft-com:vml" Requires="v">
-                <p:oleObj spid="_x0000_s6475" name="Equation" r:id="rId15" imgW="1841400" imgH="228600" progId="Equation.DSMT4">
+                <p:oleObj spid="_x0000_s6489" name="Equation" r:id="rId15" imgW="1841400" imgH="228600" progId="Equation.DSMT4">
                   <p:embed/>
                 </p:oleObj>
               </mc:Choice>
@@ -19328,7 +19312,83 @@
   <p:timing>
     <p:tnLst>
       <p:par>
-        <p:cTn id="1" dur="indefinite" restart="never" nodeType="tmRoot"/>
+        <p:cTn id="1" dur="indefinite" restart="never" nodeType="tmRoot">
+          <p:childTnLst>
+            <p:seq concurrent="1" nextAc="seek">
+              <p:cTn id="2" dur="indefinite" nodeType="mainSeq">
+                <p:childTnLst>
+                  <p:par>
+                    <p:cTn id="3" fill="hold">
+                      <p:stCondLst>
+                        <p:cond delay="indefinite"/>
+                      </p:stCondLst>
+                      <p:childTnLst>
+                        <p:par>
+                          <p:cTn id="4" fill="hold">
+                            <p:stCondLst>
+                              <p:cond delay="0"/>
+                            </p:stCondLst>
+                            <p:childTnLst>
+                              <p:par>
+                                <p:cTn id="5" presetID="10" presetClass="entr" presetSubtype="0" fill="hold" nodeType="clickEffect">
+                                  <p:stCondLst>
+                                    <p:cond delay="0"/>
+                                  </p:stCondLst>
+                                  <p:childTnLst>
+                                    <p:set>
+                                      <p:cBhvr>
+                                        <p:cTn id="6" dur="1" fill="hold">
+                                          <p:stCondLst>
+                                            <p:cond delay="0"/>
+                                          </p:stCondLst>
+                                        </p:cTn>
+                                        <p:tgtEl>
+                                          <p:spTgt spid="13"/>
+                                        </p:tgtEl>
+                                        <p:attrNameLst>
+                                          <p:attrName>style.visibility</p:attrName>
+                                        </p:attrNameLst>
+                                      </p:cBhvr>
+                                      <p:to>
+                                        <p:strVal val="visible"/>
+                                      </p:to>
+                                    </p:set>
+                                    <p:animEffect transition="in" filter="fade">
+                                      <p:cBhvr>
+                                        <p:cTn id="7" dur="500"/>
+                                        <p:tgtEl>
+                                          <p:spTgt spid="13"/>
+                                        </p:tgtEl>
+                                      </p:cBhvr>
+                                    </p:animEffect>
+                                  </p:childTnLst>
+                                </p:cTn>
+                              </p:par>
+                            </p:childTnLst>
+                          </p:cTn>
+                        </p:par>
+                      </p:childTnLst>
+                    </p:cTn>
+                  </p:par>
+                </p:childTnLst>
+              </p:cTn>
+              <p:prevCondLst>
+                <p:cond evt="onPrev" delay="0">
+                  <p:tgtEl>
+                    <p:sldTgt/>
+                  </p:tgtEl>
+                </p:cond>
+              </p:prevCondLst>
+              <p:nextCondLst>
+                <p:cond evt="onNext" delay="0">
+                  <p:tgtEl>
+                    <p:sldTgt/>
+                  </p:tgtEl>
+                </p:cond>
+              </p:nextCondLst>
+            </p:seq>
+          </p:childTnLst>
+        </p:cTn>
       </p:par>
     </p:tnLst>
   </p:timing>
